--- a/tutorials/Day1_simple_regression/ML_bootcampslides.pptx
+++ b/tutorials/Day1_simple_regression/ML_bootcampslides.pptx
@@ -13,11 +13,13 @@
     <p:sldId id="267" r:id="rId7"/>
     <p:sldId id="258" r:id="rId8"/>
     <p:sldId id="269" r:id="rId9"/>
-    <p:sldId id="268" r:id="rId10"/>
-    <p:sldId id="261" r:id="rId11"/>
-    <p:sldId id="262" r:id="rId12"/>
-    <p:sldId id="263" r:id="rId13"/>
-    <p:sldId id="264" r:id="rId14"/>
+    <p:sldId id="270" r:id="rId10"/>
+    <p:sldId id="271" r:id="rId11"/>
+    <p:sldId id="268" r:id="rId12"/>
+    <p:sldId id="261" r:id="rId13"/>
+    <p:sldId id="262" r:id="rId14"/>
+    <p:sldId id="263" r:id="rId15"/>
+    <p:sldId id="264" r:id="rId16"/>
   </p:sldIdLst>
   <p:sldSz cx="12192000" cy="6858000"/>
   <p:notesSz cx="6858000" cy="9144000"/>
@@ -116,6 +118,11 @@
       </a:defRPr>
     </a:lvl9pPr>
   </p:defaultTextStyle>
+  <p:extLst>
+    <p:ext uri="{EFAFB233-063F-42B5-8137-9DF3F51BA10A}">
+      <p15:sldGuideLst xmlns:p15="http://schemas.microsoft.com/office/powerpoint/2012/main"/>
+    </p:ext>
+  </p:extLst>
 </p:presentation>
 </file>
 
@@ -266,7 +273,7 @@
           <a:p>
             <a:fld id="{0890BF13-CD76-B343-9C9F-DD1BACEAD34C}" type="datetimeFigureOut">
               <a:rPr lang="en-US" smtClean="0"/>
-              <a:t>10/23/23</a:t>
+              <a:t>11/3/23</a:t>
             </a:fld>
             <a:endParaRPr lang="en-US"/>
           </a:p>
@@ -464,7 +471,7 @@
           <a:p>
             <a:fld id="{0890BF13-CD76-B343-9C9F-DD1BACEAD34C}" type="datetimeFigureOut">
               <a:rPr lang="en-US" smtClean="0"/>
-              <a:t>10/23/23</a:t>
+              <a:t>11/3/23</a:t>
             </a:fld>
             <a:endParaRPr lang="en-US"/>
           </a:p>
@@ -672,7 +679,7 @@
           <a:p>
             <a:fld id="{0890BF13-CD76-B343-9C9F-DD1BACEAD34C}" type="datetimeFigureOut">
               <a:rPr lang="en-US" smtClean="0"/>
-              <a:t>10/23/23</a:t>
+              <a:t>11/3/23</a:t>
             </a:fld>
             <a:endParaRPr lang="en-US"/>
           </a:p>
@@ -870,7 +877,7 @@
           <a:p>
             <a:fld id="{0890BF13-CD76-B343-9C9F-DD1BACEAD34C}" type="datetimeFigureOut">
               <a:rPr lang="en-US" smtClean="0"/>
-              <a:t>10/23/23</a:t>
+              <a:t>11/3/23</a:t>
             </a:fld>
             <a:endParaRPr lang="en-US"/>
           </a:p>
@@ -1145,7 +1152,7 @@
           <a:p>
             <a:fld id="{0890BF13-CD76-B343-9C9F-DD1BACEAD34C}" type="datetimeFigureOut">
               <a:rPr lang="en-US" smtClean="0"/>
-              <a:t>10/23/23</a:t>
+              <a:t>11/3/23</a:t>
             </a:fld>
             <a:endParaRPr lang="en-US"/>
           </a:p>
@@ -1410,7 +1417,7 @@
           <a:p>
             <a:fld id="{0890BF13-CD76-B343-9C9F-DD1BACEAD34C}" type="datetimeFigureOut">
               <a:rPr lang="en-US" smtClean="0"/>
-              <a:t>10/23/23</a:t>
+              <a:t>11/3/23</a:t>
             </a:fld>
             <a:endParaRPr lang="en-US"/>
           </a:p>
@@ -1822,7 +1829,7 @@
           <a:p>
             <a:fld id="{0890BF13-CD76-B343-9C9F-DD1BACEAD34C}" type="datetimeFigureOut">
               <a:rPr lang="en-US" smtClean="0"/>
-              <a:t>10/23/23</a:t>
+              <a:t>11/3/23</a:t>
             </a:fld>
             <a:endParaRPr lang="en-US"/>
           </a:p>
@@ -1963,7 +1970,7 @@
           <a:p>
             <a:fld id="{0890BF13-CD76-B343-9C9F-DD1BACEAD34C}" type="datetimeFigureOut">
               <a:rPr lang="en-US" smtClean="0"/>
-              <a:t>10/23/23</a:t>
+              <a:t>11/3/23</a:t>
             </a:fld>
             <a:endParaRPr lang="en-US"/>
           </a:p>
@@ -2076,7 +2083,7 @@
           <a:p>
             <a:fld id="{0890BF13-CD76-B343-9C9F-DD1BACEAD34C}" type="datetimeFigureOut">
               <a:rPr lang="en-US" smtClean="0"/>
-              <a:t>10/23/23</a:t>
+              <a:t>11/3/23</a:t>
             </a:fld>
             <a:endParaRPr lang="en-US"/>
           </a:p>
@@ -2387,7 +2394,7 @@
           <a:p>
             <a:fld id="{0890BF13-CD76-B343-9C9F-DD1BACEAD34C}" type="datetimeFigureOut">
               <a:rPr lang="en-US" smtClean="0"/>
-              <a:t>10/23/23</a:t>
+              <a:t>11/3/23</a:t>
             </a:fld>
             <a:endParaRPr lang="en-US"/>
           </a:p>
@@ -2675,7 +2682,7 @@
           <a:p>
             <a:fld id="{0890BF13-CD76-B343-9C9F-DD1BACEAD34C}" type="datetimeFigureOut">
               <a:rPr lang="en-US" smtClean="0"/>
-              <a:t>10/23/23</a:t>
+              <a:t>11/3/23</a:t>
             </a:fld>
             <a:endParaRPr lang="en-US"/>
           </a:p>
@@ -2916,7 +2923,7 @@
           <a:p>
             <a:fld id="{0890BF13-CD76-B343-9C9F-DD1BACEAD34C}" type="datetimeFigureOut">
               <a:rPr lang="en-US" smtClean="0"/>
-              <a:t>10/23/23</a:t>
+              <a:t>11/3/23</a:t>
             </a:fld>
             <a:endParaRPr lang="en-US"/>
           </a:p>
@@ -3439,8 +3446,8 @@
           </a:p>
         </p:txBody>
       </p:sp>
-      <mc:AlternateContent xmlns:mc="http://schemas.openxmlformats.org/markup-compatibility/2006">
-        <mc:Choice xmlns:a14="http://schemas.microsoft.com/office/drawing/2010/main" Requires="a14">
+      <mc:AlternateContent xmlns:mc="http://schemas.openxmlformats.org/markup-compatibility/2006" xmlns:a14="http://schemas.microsoft.com/office/drawing/2010/main">
+        <mc:Choice Requires="a14">
           <p:sp>
             <p:nvSpPr>
               <p:cNvPr id="6" name="TextBox 5">
@@ -4268,7 +4275,7 @@
             </p:txBody>
           </p:sp>
         </mc:Choice>
-        <mc:Fallback>
+        <mc:Fallback xmlns="">
           <p:sp>
             <p:nvSpPr>
               <p:cNvPr id="6" name="TextBox 5">
@@ -4313,8 +4320,8 @@
           </p:sp>
         </mc:Fallback>
       </mc:AlternateContent>
-      <mc:AlternateContent xmlns:mc="http://schemas.openxmlformats.org/markup-compatibility/2006">
-        <mc:Choice xmlns:a14="http://schemas.microsoft.com/office/drawing/2010/main" Requires="a14">
+      <mc:AlternateContent xmlns:mc="http://schemas.openxmlformats.org/markup-compatibility/2006" xmlns:a14="http://schemas.microsoft.com/office/drawing/2010/main">
+        <mc:Choice Requires="a14">
           <p:sp>
             <p:nvSpPr>
               <p:cNvPr id="7" name="TextBox 6">
@@ -4493,7 +4500,7 @@
             </p:txBody>
           </p:sp>
         </mc:Choice>
-        <mc:Fallback>
+        <mc:Fallback xmlns="">
           <p:sp>
             <p:nvSpPr>
               <p:cNvPr id="7" name="TextBox 6">
@@ -4538,8 +4545,8 @@
           </p:sp>
         </mc:Fallback>
       </mc:AlternateContent>
-      <mc:AlternateContent xmlns:mc="http://schemas.openxmlformats.org/markup-compatibility/2006">
-        <mc:Choice xmlns:a14="http://schemas.microsoft.com/office/drawing/2010/main" Requires="a14">
+      <mc:AlternateContent xmlns:mc="http://schemas.openxmlformats.org/markup-compatibility/2006" xmlns:a14="http://schemas.microsoft.com/office/drawing/2010/main">
+        <mc:Choice Requires="a14">
           <p:sp>
             <p:nvSpPr>
               <p:cNvPr id="8" name="TextBox 7">
@@ -4912,7 +4919,7 @@
             </p:txBody>
           </p:sp>
         </mc:Choice>
-        <mc:Fallback>
+        <mc:Fallback xmlns="">
           <p:sp>
             <p:nvSpPr>
               <p:cNvPr id="8" name="TextBox 7">
@@ -4989,6 +4996,2644 @@
       </p:grpSpPr>
       <p:sp>
         <p:nvSpPr>
+          <p:cNvPr id="4" name="Rectangle 3">
+            <a:extLst>
+              <a:ext uri="{FF2B5EF4-FFF2-40B4-BE49-F238E27FC236}">
+                <a16:creationId xmlns:a16="http://schemas.microsoft.com/office/drawing/2014/main" id="{16A34CC5-D468-DC2C-4173-55298FEA06BC}"/>
+              </a:ext>
+            </a:extLst>
+          </p:cNvPr>
+          <p:cNvSpPr/>
+          <p:nvPr/>
+        </p:nvSpPr>
+        <p:spPr>
+          <a:xfrm>
+            <a:off x="4007913" y="1372922"/>
+            <a:ext cx="3615401" cy="2753140"/>
+          </a:xfrm>
+          <a:prstGeom prst="rect">
+            <a:avLst/>
+          </a:prstGeom>
+          <a:noFill/>
+          <a:ln w="28575">
+            <a:solidFill>
+              <a:schemeClr val="tx1"/>
+            </a:solidFill>
+          </a:ln>
+        </p:spPr>
+        <p:style>
+          <a:lnRef idx="2">
+            <a:schemeClr val="accent1">
+              <a:shade val="15000"/>
+            </a:schemeClr>
+          </a:lnRef>
+          <a:fillRef idx="1">
+            <a:schemeClr val="accent1"/>
+          </a:fillRef>
+          <a:effectRef idx="0">
+            <a:schemeClr val="accent1"/>
+          </a:effectRef>
+          <a:fontRef idx="minor">
+            <a:schemeClr val="lt1"/>
+          </a:fontRef>
+        </p:style>
+        <p:txBody>
+          <a:bodyPr rtlCol="0" anchor="ctr"/>
+          <a:lstStyle/>
+          <a:p>
+            <a:pPr algn="ctr"/>
+            <a:endParaRPr lang="en-US"/>
+          </a:p>
+        </p:txBody>
+      </p:sp>
+      <p:sp>
+        <p:nvSpPr>
+          <p:cNvPr id="5" name="Rectangle 4">
+            <a:extLst>
+              <a:ext uri="{FF2B5EF4-FFF2-40B4-BE49-F238E27FC236}">
+                <a16:creationId xmlns:a16="http://schemas.microsoft.com/office/drawing/2014/main" id="{1A1CD94A-78A3-8921-FA50-3F1373822084}"/>
+              </a:ext>
+            </a:extLst>
+          </p:cNvPr>
+          <p:cNvSpPr/>
+          <p:nvPr/>
+        </p:nvSpPr>
+        <p:spPr>
+          <a:xfrm>
+            <a:off x="4034045" y="1097938"/>
+            <a:ext cx="3945835" cy="3001617"/>
+          </a:xfrm>
+          <a:prstGeom prst="rect">
+            <a:avLst/>
+          </a:prstGeom>
+          <a:solidFill>
+            <a:schemeClr val="bg1"/>
+          </a:solidFill>
+          <a:ln>
+            <a:noFill/>
+          </a:ln>
+        </p:spPr>
+        <p:style>
+          <a:lnRef idx="2">
+            <a:schemeClr val="accent1">
+              <a:shade val="15000"/>
+            </a:schemeClr>
+          </a:lnRef>
+          <a:fillRef idx="1">
+            <a:schemeClr val="accent1"/>
+          </a:fillRef>
+          <a:effectRef idx="0">
+            <a:schemeClr val="accent1"/>
+          </a:effectRef>
+          <a:fontRef idx="minor">
+            <a:schemeClr val="lt1"/>
+          </a:fontRef>
+        </p:style>
+        <p:txBody>
+          <a:bodyPr rtlCol="0" anchor="ctr"/>
+          <a:lstStyle/>
+          <a:p>
+            <a:pPr algn="ctr"/>
+            <a:endParaRPr lang="en-US" dirty="0"/>
+          </a:p>
+        </p:txBody>
+      </p:sp>
+      <p:sp>
+        <p:nvSpPr>
+          <p:cNvPr id="6" name="Triangle 5">
+            <a:extLst>
+              <a:ext uri="{FF2B5EF4-FFF2-40B4-BE49-F238E27FC236}">
+                <a16:creationId xmlns:a16="http://schemas.microsoft.com/office/drawing/2014/main" id="{242A78E4-3A56-A7EC-2F94-523AEE857056}"/>
+              </a:ext>
+            </a:extLst>
+          </p:cNvPr>
+          <p:cNvSpPr/>
+          <p:nvPr/>
+        </p:nvSpPr>
+        <p:spPr>
+          <a:xfrm>
+            <a:off x="3903573" y="1210513"/>
+            <a:ext cx="188801" cy="157163"/>
+          </a:xfrm>
+          <a:prstGeom prst="triangle">
+            <a:avLst/>
+          </a:prstGeom>
+        </p:spPr>
+        <p:style>
+          <a:lnRef idx="2">
+            <a:schemeClr val="dk1">
+              <a:shade val="15000"/>
+            </a:schemeClr>
+          </a:lnRef>
+          <a:fillRef idx="1">
+            <a:schemeClr val="dk1"/>
+          </a:fillRef>
+          <a:effectRef idx="0">
+            <a:schemeClr val="dk1"/>
+          </a:effectRef>
+          <a:fontRef idx="minor">
+            <a:schemeClr val="lt1"/>
+          </a:fontRef>
+        </p:style>
+        <p:txBody>
+          <a:bodyPr rtlCol="0" anchor="ctr"/>
+          <a:lstStyle/>
+          <a:p>
+            <a:pPr algn="ctr"/>
+            <a:endParaRPr lang="en-US"/>
+          </a:p>
+        </p:txBody>
+      </p:sp>
+      <p:sp>
+        <p:nvSpPr>
+          <p:cNvPr id="7" name="Triangle 6">
+            <a:extLst>
+              <a:ext uri="{FF2B5EF4-FFF2-40B4-BE49-F238E27FC236}">
+                <a16:creationId xmlns:a16="http://schemas.microsoft.com/office/drawing/2014/main" id="{DF1E8AB8-0BC9-70FE-A5E7-0CBC02D86F21}"/>
+              </a:ext>
+            </a:extLst>
+          </p:cNvPr>
+          <p:cNvSpPr/>
+          <p:nvPr/>
+        </p:nvSpPr>
+        <p:spPr>
+          <a:xfrm rot="5400000">
+            <a:off x="7601697" y="4040897"/>
+            <a:ext cx="188801" cy="157163"/>
+          </a:xfrm>
+          <a:prstGeom prst="triangle">
+            <a:avLst/>
+          </a:prstGeom>
+        </p:spPr>
+        <p:style>
+          <a:lnRef idx="2">
+            <a:schemeClr val="dk1">
+              <a:shade val="15000"/>
+            </a:schemeClr>
+          </a:lnRef>
+          <a:fillRef idx="1">
+            <a:schemeClr val="dk1"/>
+          </a:fillRef>
+          <a:effectRef idx="0">
+            <a:schemeClr val="dk1"/>
+          </a:effectRef>
+          <a:fontRef idx="minor">
+            <a:schemeClr val="lt1"/>
+          </a:fontRef>
+        </p:style>
+        <p:txBody>
+          <a:bodyPr rtlCol="0" anchor="ctr"/>
+          <a:lstStyle/>
+          <a:p>
+            <a:pPr algn="ctr"/>
+            <a:endParaRPr lang="en-US"/>
+          </a:p>
+        </p:txBody>
+      </p:sp>
+      <p:sp>
+        <p:nvSpPr>
+          <p:cNvPr id="25" name="Right Triangle 24">
+            <a:extLst>
+              <a:ext uri="{FF2B5EF4-FFF2-40B4-BE49-F238E27FC236}">
+                <a16:creationId xmlns:a16="http://schemas.microsoft.com/office/drawing/2014/main" id="{6C92C153-6DF3-44C5-69DA-B4C068C5716D}"/>
+              </a:ext>
+            </a:extLst>
+          </p:cNvPr>
+          <p:cNvSpPr/>
+          <p:nvPr/>
+        </p:nvSpPr>
+        <p:spPr>
+          <a:xfrm rot="16200000">
+            <a:off x="9156883" y="3967397"/>
+            <a:ext cx="2753139" cy="2544418"/>
+          </a:xfrm>
+          <a:prstGeom prst="rtTriangle">
+            <a:avLst/>
+          </a:prstGeom>
+          <a:solidFill>
+            <a:schemeClr val="accent4"/>
+          </a:solidFill>
+          <a:ln>
+            <a:solidFill>
+              <a:schemeClr val="accent4"/>
+            </a:solidFill>
+          </a:ln>
+        </p:spPr>
+        <p:style>
+          <a:lnRef idx="2">
+            <a:schemeClr val="accent1">
+              <a:shade val="15000"/>
+            </a:schemeClr>
+          </a:lnRef>
+          <a:fillRef idx="1">
+            <a:schemeClr val="accent1"/>
+          </a:fillRef>
+          <a:effectRef idx="0">
+            <a:schemeClr val="accent1"/>
+          </a:effectRef>
+          <a:fontRef idx="minor">
+            <a:schemeClr val="lt1"/>
+          </a:fontRef>
+        </p:style>
+        <p:txBody>
+          <a:bodyPr rtlCol="0" anchor="ctr"/>
+          <a:lstStyle/>
+          <a:p>
+            <a:pPr algn="ctr"/>
+            <a:endParaRPr lang="en-US"/>
+          </a:p>
+        </p:txBody>
+      </p:sp>
+      <p:sp>
+        <p:nvSpPr>
+          <p:cNvPr id="26" name="Rectangle 25">
+            <a:extLst>
+              <a:ext uri="{FF2B5EF4-FFF2-40B4-BE49-F238E27FC236}">
+                <a16:creationId xmlns:a16="http://schemas.microsoft.com/office/drawing/2014/main" id="{8CB73134-03B0-A073-9608-32691FD2F5F5}"/>
+              </a:ext>
+            </a:extLst>
+          </p:cNvPr>
+          <p:cNvSpPr/>
+          <p:nvPr/>
+        </p:nvSpPr>
+        <p:spPr>
+          <a:xfrm>
+            <a:off x="645173" y="444843"/>
+            <a:ext cx="10901654" cy="5968313"/>
+          </a:xfrm>
+          <a:prstGeom prst="rect">
+            <a:avLst/>
+          </a:prstGeom>
+          <a:noFill/>
+          <a:ln w="28575">
+            <a:solidFill>
+              <a:schemeClr val="tx1"/>
+            </a:solidFill>
+          </a:ln>
+        </p:spPr>
+        <p:style>
+          <a:lnRef idx="2">
+            <a:schemeClr val="accent1">
+              <a:shade val="15000"/>
+            </a:schemeClr>
+          </a:lnRef>
+          <a:fillRef idx="1">
+            <a:schemeClr val="accent1"/>
+          </a:fillRef>
+          <a:effectRef idx="0">
+            <a:schemeClr val="accent1"/>
+          </a:effectRef>
+          <a:fontRef idx="minor">
+            <a:schemeClr val="lt1"/>
+          </a:fontRef>
+        </p:style>
+        <p:txBody>
+          <a:bodyPr rtlCol="0" anchor="ctr"/>
+          <a:lstStyle/>
+          <a:p>
+            <a:pPr algn="ctr"/>
+            <a:endParaRPr lang="en-US"/>
+          </a:p>
+        </p:txBody>
+      </p:sp>
+      <p:cxnSp>
+        <p:nvCxnSpPr>
+          <p:cNvPr id="28" name="Straight Connector 27">
+            <a:extLst>
+              <a:ext uri="{FF2B5EF4-FFF2-40B4-BE49-F238E27FC236}">
+                <a16:creationId xmlns:a16="http://schemas.microsoft.com/office/drawing/2014/main" id="{B68AABA6-95EB-AE42-0035-81B10FAA1256}"/>
+              </a:ext>
+            </a:extLst>
+          </p:cNvPr>
+          <p:cNvCxnSpPr/>
+          <p:nvPr/>
+        </p:nvCxnSpPr>
+        <p:spPr>
+          <a:xfrm>
+            <a:off x="4007913" y="2357522"/>
+            <a:ext cx="3615401" cy="0"/>
+          </a:xfrm>
+          <a:prstGeom prst="line">
+            <a:avLst/>
+          </a:prstGeom>
+          <a:ln w="28575"/>
+        </p:spPr>
+        <p:style>
+          <a:lnRef idx="1">
+            <a:schemeClr val="dk1"/>
+          </a:lnRef>
+          <a:fillRef idx="0">
+            <a:schemeClr val="dk1"/>
+          </a:fillRef>
+          <a:effectRef idx="0">
+            <a:schemeClr val="dk1"/>
+          </a:effectRef>
+          <a:fontRef idx="minor">
+            <a:schemeClr val="tx1"/>
+          </a:fontRef>
+        </p:style>
+      </p:cxnSp>
+      <p:sp>
+        <p:nvSpPr>
+          <p:cNvPr id="29" name="Triangle 28">
+            <a:extLst>
+              <a:ext uri="{FF2B5EF4-FFF2-40B4-BE49-F238E27FC236}">
+                <a16:creationId xmlns:a16="http://schemas.microsoft.com/office/drawing/2014/main" id="{A2332928-F49A-BBE3-B84B-49F58D082733}"/>
+              </a:ext>
+            </a:extLst>
+          </p:cNvPr>
+          <p:cNvSpPr/>
+          <p:nvPr/>
+        </p:nvSpPr>
+        <p:spPr>
+          <a:xfrm rot="5400000">
+            <a:off x="7601698" y="2278940"/>
+            <a:ext cx="188801" cy="157163"/>
+          </a:xfrm>
+          <a:prstGeom prst="triangle">
+            <a:avLst/>
+          </a:prstGeom>
+        </p:spPr>
+        <p:style>
+          <a:lnRef idx="2">
+            <a:schemeClr val="dk1">
+              <a:shade val="15000"/>
+            </a:schemeClr>
+          </a:lnRef>
+          <a:fillRef idx="1">
+            <a:schemeClr val="dk1"/>
+          </a:fillRef>
+          <a:effectRef idx="0">
+            <a:schemeClr val="dk1"/>
+          </a:effectRef>
+          <a:fontRef idx="minor">
+            <a:schemeClr val="lt1"/>
+          </a:fontRef>
+        </p:style>
+        <p:txBody>
+          <a:bodyPr rtlCol="0" anchor="ctr"/>
+          <a:lstStyle/>
+          <a:p>
+            <a:pPr algn="ctr"/>
+            <a:endParaRPr lang="en-US"/>
+          </a:p>
+        </p:txBody>
+      </p:sp>
+      <p:cxnSp>
+        <p:nvCxnSpPr>
+          <p:cNvPr id="30" name="Straight Connector 29">
+            <a:extLst>
+              <a:ext uri="{FF2B5EF4-FFF2-40B4-BE49-F238E27FC236}">
+                <a16:creationId xmlns:a16="http://schemas.microsoft.com/office/drawing/2014/main" id="{97B737E4-2FE2-8FA8-D99D-2B98B39FAFC2}"/>
+              </a:ext>
+            </a:extLst>
+          </p:cNvPr>
+          <p:cNvCxnSpPr>
+            <a:cxnSpLocks/>
+          </p:cNvCxnSpPr>
+          <p:nvPr/>
+        </p:nvCxnSpPr>
+        <p:spPr>
+          <a:xfrm>
+            <a:off x="4007912" y="4099555"/>
+            <a:ext cx="0" cy="1106844"/>
+          </a:xfrm>
+          <a:prstGeom prst="line">
+            <a:avLst/>
+          </a:prstGeom>
+          <a:ln w="28575"/>
+        </p:spPr>
+        <p:style>
+          <a:lnRef idx="1">
+            <a:schemeClr val="dk1"/>
+          </a:lnRef>
+          <a:fillRef idx="0">
+            <a:schemeClr val="dk1"/>
+          </a:fillRef>
+          <a:effectRef idx="0">
+            <a:schemeClr val="dk1"/>
+          </a:effectRef>
+          <a:fontRef idx="minor">
+            <a:schemeClr val="tx1"/>
+          </a:fontRef>
+        </p:style>
+      </p:cxnSp>
+      <p:cxnSp>
+        <p:nvCxnSpPr>
+          <p:cNvPr id="36" name="Straight Connector 35">
+            <a:extLst>
+              <a:ext uri="{FF2B5EF4-FFF2-40B4-BE49-F238E27FC236}">
+                <a16:creationId xmlns:a16="http://schemas.microsoft.com/office/drawing/2014/main" id="{EAE324B6-16DD-0C1C-4C20-78A1E3C9A2E4}"/>
+              </a:ext>
+            </a:extLst>
+          </p:cNvPr>
+          <p:cNvCxnSpPr/>
+          <p:nvPr/>
+        </p:nvCxnSpPr>
+        <p:spPr>
+          <a:xfrm flipV="1">
+            <a:off x="4497872" y="1908315"/>
+            <a:ext cx="2763078" cy="2623930"/>
+          </a:xfrm>
+          <a:prstGeom prst="line">
+            <a:avLst/>
+          </a:prstGeom>
+          <a:ln w="28575">
+            <a:solidFill>
+              <a:schemeClr val="accent4"/>
+            </a:solidFill>
+          </a:ln>
+        </p:spPr>
+        <p:style>
+          <a:lnRef idx="1">
+            <a:schemeClr val="dk1"/>
+          </a:lnRef>
+          <a:fillRef idx="0">
+            <a:schemeClr val="dk1"/>
+          </a:fillRef>
+          <a:effectRef idx="0">
+            <a:schemeClr val="dk1"/>
+          </a:effectRef>
+          <a:fontRef idx="minor">
+            <a:schemeClr val="tx1"/>
+          </a:fontRef>
+        </p:style>
+      </p:cxnSp>
+      <p:sp>
+        <p:nvSpPr>
+          <p:cNvPr id="37" name="Triangle 36">
+            <a:extLst>
+              <a:ext uri="{FF2B5EF4-FFF2-40B4-BE49-F238E27FC236}">
+                <a16:creationId xmlns:a16="http://schemas.microsoft.com/office/drawing/2014/main" id="{7217D4D6-C5B4-A3A4-70EA-C44EE2171BE4}"/>
+              </a:ext>
+            </a:extLst>
+          </p:cNvPr>
+          <p:cNvSpPr/>
+          <p:nvPr/>
+        </p:nvSpPr>
+        <p:spPr>
+          <a:xfrm rot="2914344">
+            <a:off x="7223451" y="1786641"/>
+            <a:ext cx="188801" cy="157163"/>
+          </a:xfrm>
+          <a:prstGeom prst="triangle">
+            <a:avLst/>
+          </a:prstGeom>
+          <a:solidFill>
+            <a:schemeClr val="accent4"/>
+          </a:solidFill>
+          <a:ln>
+            <a:solidFill>
+              <a:schemeClr val="accent4"/>
+            </a:solidFill>
+          </a:ln>
+        </p:spPr>
+        <p:style>
+          <a:lnRef idx="2">
+            <a:schemeClr val="dk1">
+              <a:shade val="15000"/>
+            </a:schemeClr>
+          </a:lnRef>
+          <a:fillRef idx="1">
+            <a:schemeClr val="dk1"/>
+          </a:fillRef>
+          <a:effectRef idx="0">
+            <a:schemeClr val="dk1"/>
+          </a:effectRef>
+          <a:fontRef idx="minor">
+            <a:schemeClr val="lt1"/>
+          </a:fontRef>
+        </p:style>
+        <p:txBody>
+          <a:bodyPr rtlCol="0" anchor="ctr"/>
+          <a:lstStyle/>
+          <a:p>
+            <a:pPr algn="ctr"/>
+            <a:endParaRPr lang="en-US"/>
+          </a:p>
+        </p:txBody>
+      </p:sp>
+      <p:sp>
+        <p:nvSpPr>
+          <p:cNvPr id="38" name="Triangle 37">
+            <a:extLst>
+              <a:ext uri="{FF2B5EF4-FFF2-40B4-BE49-F238E27FC236}">
+                <a16:creationId xmlns:a16="http://schemas.microsoft.com/office/drawing/2014/main" id="{5C0ECFCD-3E44-6043-0E02-17C3C7F916AA}"/>
+              </a:ext>
+            </a:extLst>
+          </p:cNvPr>
+          <p:cNvSpPr/>
+          <p:nvPr/>
+        </p:nvSpPr>
+        <p:spPr>
+          <a:xfrm rot="13823034">
+            <a:off x="4377340" y="4483809"/>
+            <a:ext cx="188801" cy="157163"/>
+          </a:xfrm>
+          <a:prstGeom prst="triangle">
+            <a:avLst/>
+          </a:prstGeom>
+          <a:solidFill>
+            <a:schemeClr val="accent4"/>
+          </a:solidFill>
+          <a:ln>
+            <a:solidFill>
+              <a:schemeClr val="accent4"/>
+            </a:solidFill>
+          </a:ln>
+        </p:spPr>
+        <p:style>
+          <a:lnRef idx="2">
+            <a:schemeClr val="dk1">
+              <a:shade val="15000"/>
+            </a:schemeClr>
+          </a:lnRef>
+          <a:fillRef idx="1">
+            <a:schemeClr val="dk1"/>
+          </a:fillRef>
+          <a:effectRef idx="0">
+            <a:schemeClr val="dk1"/>
+          </a:effectRef>
+          <a:fontRef idx="minor">
+            <a:schemeClr val="lt1"/>
+          </a:fontRef>
+        </p:style>
+        <p:txBody>
+          <a:bodyPr rtlCol="0" anchor="ctr"/>
+          <a:lstStyle/>
+          <a:p>
+            <a:pPr algn="ctr"/>
+            <a:endParaRPr lang="en-US"/>
+          </a:p>
+        </p:txBody>
+      </p:sp>
+      <p:cxnSp>
+        <p:nvCxnSpPr>
+          <p:cNvPr id="42" name="Curved Connector 41">
+            <a:extLst>
+              <a:ext uri="{FF2B5EF4-FFF2-40B4-BE49-F238E27FC236}">
+                <a16:creationId xmlns:a16="http://schemas.microsoft.com/office/drawing/2014/main" id="{FBEDE246-6EC9-4AB2-69AE-D5651B2721BA}"/>
+              </a:ext>
+            </a:extLst>
+          </p:cNvPr>
+          <p:cNvCxnSpPr>
+            <a:cxnSpLocks/>
+          </p:cNvCxnSpPr>
+          <p:nvPr/>
+        </p:nvCxnSpPr>
+        <p:spPr>
+          <a:xfrm flipV="1">
+            <a:off x="4361416" y="2442924"/>
+            <a:ext cx="3035989" cy="1627441"/>
+          </a:xfrm>
+          <a:prstGeom prst="curvedConnector3">
+            <a:avLst/>
+          </a:prstGeom>
+          <a:ln w="38100">
+            <a:solidFill>
+              <a:schemeClr val="accent6"/>
+            </a:solidFill>
+            <a:headEnd type="triangle"/>
+            <a:tailEnd type="triangle"/>
+          </a:ln>
+        </p:spPr>
+        <p:style>
+          <a:lnRef idx="1">
+            <a:schemeClr val="accent1"/>
+          </a:lnRef>
+          <a:fillRef idx="0">
+            <a:schemeClr val="accent1"/>
+          </a:fillRef>
+          <a:effectRef idx="0">
+            <a:schemeClr val="accent1"/>
+          </a:effectRef>
+          <a:fontRef idx="minor">
+            <a:schemeClr val="tx1"/>
+          </a:fontRef>
+        </p:style>
+      </p:cxnSp>
+      <p:sp>
+        <p:nvSpPr>
+          <p:cNvPr id="44" name="TextBox 43">
+            <a:extLst>
+              <a:ext uri="{FF2B5EF4-FFF2-40B4-BE49-F238E27FC236}">
+                <a16:creationId xmlns:a16="http://schemas.microsoft.com/office/drawing/2014/main" id="{AF94A1D9-4036-ED20-18F2-2450F541B51F}"/>
+              </a:ext>
+            </a:extLst>
+          </p:cNvPr>
+          <p:cNvSpPr txBox="1"/>
+          <p:nvPr/>
+        </p:nvSpPr>
+        <p:spPr>
+          <a:xfrm>
+            <a:off x="6580369" y="1503958"/>
+            <a:ext cx="3057858" cy="369332"/>
+          </a:xfrm>
+          <a:prstGeom prst="rect">
+            <a:avLst/>
+          </a:prstGeom>
+          <a:noFill/>
+        </p:spPr>
+        <p:txBody>
+          <a:bodyPr wrap="square" rtlCol="0">
+            <a:spAutoFit/>
+          </a:bodyPr>
+          <a:lstStyle/>
+          <a:p>
+            <a:r>
+              <a:rPr lang="en-US" dirty="0">
+                <a:solidFill>
+                  <a:schemeClr val="accent4"/>
+                </a:solidFill>
+                <a:latin typeface="Garamond" panose="02020404030301010803" pitchFamily="18" charset="0"/>
+              </a:rPr>
+              <a:t>Linear Probability model</a:t>
+            </a:r>
+          </a:p>
+        </p:txBody>
+      </p:sp>
+      <p:sp>
+        <p:nvSpPr>
+          <p:cNvPr id="45" name="TextBox 44">
+            <a:extLst>
+              <a:ext uri="{FF2B5EF4-FFF2-40B4-BE49-F238E27FC236}">
+                <a16:creationId xmlns:a16="http://schemas.microsoft.com/office/drawing/2014/main" id="{045AB6F0-BBBF-B7C8-D26D-76737D338B3F}"/>
+              </a:ext>
+            </a:extLst>
+          </p:cNvPr>
+          <p:cNvSpPr txBox="1"/>
+          <p:nvPr/>
+        </p:nvSpPr>
+        <p:spPr>
+          <a:xfrm>
+            <a:off x="6705495" y="2551627"/>
+            <a:ext cx="3057858" cy="369332"/>
+          </a:xfrm>
+          <a:prstGeom prst="rect">
+            <a:avLst/>
+          </a:prstGeom>
+          <a:noFill/>
+        </p:spPr>
+        <p:txBody>
+          <a:bodyPr wrap="square" rtlCol="0">
+            <a:spAutoFit/>
+          </a:bodyPr>
+          <a:lstStyle/>
+          <a:p>
+            <a:r>
+              <a:rPr lang="en-US" dirty="0">
+                <a:solidFill>
+                  <a:schemeClr val="accent6"/>
+                </a:solidFill>
+                <a:latin typeface="Garamond" panose="02020404030301010803" pitchFamily="18" charset="0"/>
+              </a:rPr>
+              <a:t>Logistic Regression Model</a:t>
+            </a:r>
+          </a:p>
+        </p:txBody>
+      </p:sp>
+      <p:sp>
+        <p:nvSpPr>
+          <p:cNvPr id="47" name="TextBox 46">
+            <a:extLst>
+              <a:ext uri="{FF2B5EF4-FFF2-40B4-BE49-F238E27FC236}">
+                <a16:creationId xmlns:a16="http://schemas.microsoft.com/office/drawing/2014/main" id="{0C6692FC-E5CB-4372-C65D-EDFF70859979}"/>
+              </a:ext>
+            </a:extLst>
+          </p:cNvPr>
+          <p:cNvSpPr txBox="1"/>
+          <p:nvPr/>
+        </p:nvSpPr>
+        <p:spPr>
+          <a:xfrm>
+            <a:off x="3467140" y="2170441"/>
+            <a:ext cx="3057858" cy="369332"/>
+          </a:xfrm>
+          <a:prstGeom prst="rect">
+            <a:avLst/>
+          </a:prstGeom>
+          <a:noFill/>
+        </p:spPr>
+        <p:txBody>
+          <a:bodyPr wrap="square" rtlCol="0">
+            <a:spAutoFit/>
+          </a:bodyPr>
+          <a:lstStyle/>
+          <a:p>
+            <a:r>
+              <a:rPr lang="en-US" dirty="0">
+                <a:latin typeface="Garamond" panose="02020404030301010803" pitchFamily="18" charset="0"/>
+              </a:rPr>
+              <a:t>Y=1</a:t>
+            </a:r>
+          </a:p>
+        </p:txBody>
+      </p:sp>
+      <p:sp>
+        <p:nvSpPr>
+          <p:cNvPr id="49" name="TextBox 48">
+            <a:extLst>
+              <a:ext uri="{FF2B5EF4-FFF2-40B4-BE49-F238E27FC236}">
+                <a16:creationId xmlns:a16="http://schemas.microsoft.com/office/drawing/2014/main" id="{0D10B1A8-4DD2-847A-1C02-BC9F1C45C584}"/>
+              </a:ext>
+            </a:extLst>
+          </p:cNvPr>
+          <p:cNvSpPr txBox="1"/>
+          <p:nvPr/>
+        </p:nvSpPr>
+        <p:spPr>
+          <a:xfrm>
+            <a:off x="3467140" y="3955991"/>
+            <a:ext cx="3057858" cy="369332"/>
+          </a:xfrm>
+          <a:prstGeom prst="rect">
+            <a:avLst/>
+          </a:prstGeom>
+          <a:noFill/>
+        </p:spPr>
+        <p:txBody>
+          <a:bodyPr wrap="square" rtlCol="0">
+            <a:spAutoFit/>
+          </a:bodyPr>
+          <a:lstStyle/>
+          <a:p>
+            <a:r>
+              <a:rPr lang="en-US" dirty="0">
+                <a:latin typeface="Garamond" panose="02020404030301010803" pitchFamily="18" charset="0"/>
+              </a:rPr>
+              <a:t>Y=0</a:t>
+            </a:r>
+          </a:p>
+        </p:txBody>
+      </p:sp>
+      <p:sp>
+        <p:nvSpPr>
+          <p:cNvPr id="51" name="TextBox 50">
+            <a:extLst>
+              <a:ext uri="{FF2B5EF4-FFF2-40B4-BE49-F238E27FC236}">
+                <a16:creationId xmlns:a16="http://schemas.microsoft.com/office/drawing/2014/main" id="{69E1D732-1A4E-DFB8-8313-5D458D49F84A}"/>
+              </a:ext>
+            </a:extLst>
+          </p:cNvPr>
+          <p:cNvSpPr txBox="1"/>
+          <p:nvPr/>
+        </p:nvSpPr>
+        <p:spPr>
+          <a:xfrm>
+            <a:off x="2864077" y="654462"/>
+            <a:ext cx="6030666" cy="369332"/>
+          </a:xfrm>
+          <a:prstGeom prst="rect">
+            <a:avLst/>
+          </a:prstGeom>
+          <a:noFill/>
+        </p:spPr>
+        <p:txBody>
+          <a:bodyPr wrap="square">
+            <a:spAutoFit/>
+          </a:bodyPr>
+          <a:lstStyle/>
+          <a:p>
+            <a:pPr algn="ctr"/>
+            <a:r>
+              <a:rPr lang="en-US" b="1" dirty="0">
+                <a:latin typeface="Garamond" panose="02020404030301010803" pitchFamily="18" charset="0"/>
+              </a:rPr>
+              <a:t>Logistic Regression is a Discriminator/Categorizer:</a:t>
+            </a:r>
+          </a:p>
+        </p:txBody>
+      </p:sp>
+      <p:sp>
+        <p:nvSpPr>
+          <p:cNvPr id="52" name="Triangle 51">
+            <a:extLst>
+              <a:ext uri="{FF2B5EF4-FFF2-40B4-BE49-F238E27FC236}">
+                <a16:creationId xmlns:a16="http://schemas.microsoft.com/office/drawing/2014/main" id="{C7FE116B-947D-F8D9-5F56-8DA1E27AB1BF}"/>
+              </a:ext>
+            </a:extLst>
+          </p:cNvPr>
+          <p:cNvSpPr/>
+          <p:nvPr/>
+        </p:nvSpPr>
+        <p:spPr>
+          <a:xfrm rot="10800000">
+            <a:off x="3903572" y="5079100"/>
+            <a:ext cx="188801" cy="157163"/>
+          </a:xfrm>
+          <a:prstGeom prst="triangle">
+            <a:avLst/>
+          </a:prstGeom>
+        </p:spPr>
+        <p:style>
+          <a:lnRef idx="2">
+            <a:schemeClr val="dk1">
+              <a:shade val="15000"/>
+            </a:schemeClr>
+          </a:lnRef>
+          <a:fillRef idx="1">
+            <a:schemeClr val="dk1"/>
+          </a:fillRef>
+          <a:effectRef idx="0">
+            <a:schemeClr val="dk1"/>
+          </a:effectRef>
+          <a:fontRef idx="minor">
+            <a:schemeClr val="lt1"/>
+          </a:fontRef>
+        </p:style>
+        <p:txBody>
+          <a:bodyPr rtlCol="0" anchor="ctr"/>
+          <a:lstStyle/>
+          <a:p>
+            <a:pPr algn="ctr"/>
+            <a:endParaRPr lang="en-US"/>
+          </a:p>
+        </p:txBody>
+      </p:sp>
+      <p:sp>
+        <p:nvSpPr>
+          <p:cNvPr id="54" name="TextBox 53">
+            <a:extLst>
+              <a:ext uri="{FF2B5EF4-FFF2-40B4-BE49-F238E27FC236}">
+                <a16:creationId xmlns:a16="http://schemas.microsoft.com/office/drawing/2014/main" id="{57D97B64-5EE0-F9AD-AF0F-1B6878C31A24}"/>
+              </a:ext>
+            </a:extLst>
+          </p:cNvPr>
+          <p:cNvSpPr txBox="1"/>
+          <p:nvPr/>
+        </p:nvSpPr>
+        <p:spPr>
+          <a:xfrm>
+            <a:off x="7745982" y="3989033"/>
+            <a:ext cx="6097656" cy="369332"/>
+          </a:xfrm>
+          <a:prstGeom prst="rect">
+            <a:avLst/>
+          </a:prstGeom>
+          <a:noFill/>
+        </p:spPr>
+        <p:txBody>
+          <a:bodyPr wrap="square">
+            <a:spAutoFit/>
+          </a:bodyPr>
+          <a:lstStyle/>
+          <a:p>
+            <a:r>
+              <a:rPr lang="en-US" dirty="0">
+                <a:latin typeface="Garamond" panose="02020404030301010803" pitchFamily="18" charset="0"/>
+              </a:rPr>
+              <a:t>X</a:t>
+            </a:r>
+            <a:endParaRPr lang="en-US" dirty="0"/>
+          </a:p>
+        </p:txBody>
+      </p:sp>
+      <p:sp>
+        <p:nvSpPr>
+          <p:cNvPr id="56" name="TextBox 55">
+            <a:extLst>
+              <a:ext uri="{FF2B5EF4-FFF2-40B4-BE49-F238E27FC236}">
+                <a16:creationId xmlns:a16="http://schemas.microsoft.com/office/drawing/2014/main" id="{104B2542-553A-93D4-B983-D35A96641132}"/>
+              </a:ext>
+            </a:extLst>
+          </p:cNvPr>
+          <p:cNvSpPr txBox="1"/>
+          <p:nvPr/>
+        </p:nvSpPr>
+        <p:spPr>
+          <a:xfrm>
+            <a:off x="1362283" y="5389846"/>
+            <a:ext cx="9978264" cy="923330"/>
+          </a:xfrm>
+          <a:prstGeom prst="rect">
+            <a:avLst/>
+          </a:prstGeom>
+          <a:noFill/>
+        </p:spPr>
+        <p:txBody>
+          <a:bodyPr wrap="square">
+            <a:spAutoFit/>
+          </a:bodyPr>
+          <a:lstStyle/>
+          <a:p>
+            <a:r>
+              <a:rPr lang="en-US" b="1" i="0" dirty="0">
+                <a:solidFill>
+                  <a:srgbClr val="242424"/>
+                </a:solidFill>
+                <a:effectLst/>
+                <a:latin typeface="Garamond" panose="02020404030301010803" pitchFamily="18" charset="0"/>
+              </a:rPr>
+              <a:t>Logistic regression</a:t>
+            </a:r>
+            <a:r>
+              <a:rPr lang="en-US" b="0" i="0" dirty="0">
+                <a:solidFill>
+                  <a:srgbClr val="242424"/>
+                </a:solidFill>
+                <a:effectLst/>
+                <a:latin typeface="Garamond" panose="02020404030301010803" pitchFamily="18" charset="0"/>
+              </a:rPr>
+              <a:t> is used to describe data and to explain the relationship between </a:t>
+            </a:r>
+            <a:r>
+              <a:rPr lang="en-US" b="1" i="0" dirty="0">
+                <a:solidFill>
+                  <a:srgbClr val="242424"/>
+                </a:solidFill>
+                <a:effectLst/>
+                <a:latin typeface="Garamond" panose="02020404030301010803" pitchFamily="18" charset="0"/>
+              </a:rPr>
+              <a:t>one dependent binary variable</a:t>
+            </a:r>
+            <a:r>
+              <a:rPr lang="en-US" b="0" i="0" dirty="0">
+                <a:solidFill>
+                  <a:srgbClr val="242424"/>
+                </a:solidFill>
+                <a:effectLst/>
+                <a:latin typeface="Garamond" panose="02020404030301010803" pitchFamily="18" charset="0"/>
+              </a:rPr>
+              <a:t> and one or more nominal, ordinal, interval or ratio-level independent variables. There is no closed form solution but it is CONVEX!!!</a:t>
+            </a:r>
+            <a:endParaRPr lang="en-US" dirty="0">
+              <a:latin typeface="Garamond" panose="02020404030301010803" pitchFamily="18" charset="0"/>
+            </a:endParaRPr>
+          </a:p>
+        </p:txBody>
+      </p:sp>
+    </p:spTree>
+    <p:extLst>
+      <p:ext uri="{BB962C8B-B14F-4D97-AF65-F5344CB8AC3E}">
+        <p14:creationId xmlns:p14="http://schemas.microsoft.com/office/powerpoint/2010/main" val="3757511947"/>
+      </p:ext>
+    </p:extLst>
+  </p:cSld>
+  <p:clrMapOvr>
+    <a:masterClrMapping/>
+  </p:clrMapOvr>
+</p:sld>
+</file>
+
+<file path=ppt/slides/slide11.xml><?xml version="1.0" encoding="utf-8"?>
+<p:sld xmlns:a="http://schemas.openxmlformats.org/drawingml/2006/main" xmlns:r="http://schemas.openxmlformats.org/officeDocument/2006/relationships" xmlns:p="http://schemas.openxmlformats.org/presentationml/2006/main">
+  <p:cSld>
+    <p:spTree>
+      <p:nvGrpSpPr>
+        <p:cNvPr id="1" name=""/>
+        <p:cNvGrpSpPr/>
+        <p:nvPr/>
+      </p:nvGrpSpPr>
+      <p:grpSpPr>
+        <a:xfrm>
+          <a:off x="0" y="0"/>
+          <a:ext cx="0" cy="0"/>
+          <a:chOff x="0" y="0"/>
+          <a:chExt cx="0" cy="0"/>
+        </a:xfrm>
+      </p:grpSpPr>
+      <p:pic>
+        <p:nvPicPr>
+          <p:cNvPr id="7" name="Picture 6">
+            <a:extLst>
+              <a:ext uri="{FF2B5EF4-FFF2-40B4-BE49-F238E27FC236}">
+                <a16:creationId xmlns:a16="http://schemas.microsoft.com/office/drawing/2014/main" id="{D057A2BE-79B8-043B-6CBA-B97204A01CAD}"/>
+              </a:ext>
+            </a:extLst>
+          </p:cNvPr>
+          <p:cNvPicPr>
+            <a:picLocks noChangeAspect="1"/>
+          </p:cNvPicPr>
+          <p:nvPr/>
+        </p:nvPicPr>
+        <p:blipFill>
+          <a:blip r:embed="rId2"/>
+          <a:stretch>
+            <a:fillRect/>
+          </a:stretch>
+        </p:blipFill>
+        <p:spPr>
+          <a:xfrm>
+            <a:off x="5793940" y="3037818"/>
+            <a:ext cx="4383932" cy="3416445"/>
+          </a:xfrm>
+          <a:prstGeom prst="rect">
+            <a:avLst/>
+          </a:prstGeom>
+        </p:spPr>
+      </p:pic>
+      <p:pic>
+        <p:nvPicPr>
+          <p:cNvPr id="6" name="Picture 5">
+            <a:extLst>
+              <a:ext uri="{FF2B5EF4-FFF2-40B4-BE49-F238E27FC236}">
+                <a16:creationId xmlns:a16="http://schemas.microsoft.com/office/drawing/2014/main" id="{E36DB13D-6BED-E26F-7D11-7CA66EE6FB8F}"/>
+              </a:ext>
+            </a:extLst>
+          </p:cNvPr>
+          <p:cNvPicPr>
+            <a:picLocks noChangeAspect="1"/>
+          </p:cNvPicPr>
+          <p:nvPr/>
+        </p:nvPicPr>
+        <p:blipFill>
+          <a:blip r:embed="rId3"/>
+          <a:stretch>
+            <a:fillRect/>
+          </a:stretch>
+        </p:blipFill>
+        <p:spPr>
+          <a:xfrm>
+            <a:off x="1600200" y="3098313"/>
+            <a:ext cx="4198619" cy="3356960"/>
+          </a:xfrm>
+          <a:prstGeom prst="rect">
+            <a:avLst/>
+          </a:prstGeom>
+        </p:spPr>
+      </p:pic>
+      <p:sp>
+        <p:nvSpPr>
+          <p:cNvPr id="4" name="Right Triangle 3">
+            <a:extLst>
+              <a:ext uri="{FF2B5EF4-FFF2-40B4-BE49-F238E27FC236}">
+                <a16:creationId xmlns:a16="http://schemas.microsoft.com/office/drawing/2014/main" id="{580DCA4E-BC5E-8275-E612-6D34850A30AB}"/>
+              </a:ext>
+            </a:extLst>
+          </p:cNvPr>
+          <p:cNvSpPr/>
+          <p:nvPr/>
+        </p:nvSpPr>
+        <p:spPr>
+          <a:xfrm rot="16200000">
+            <a:off x="9156883" y="3967397"/>
+            <a:ext cx="2753139" cy="2544418"/>
+          </a:xfrm>
+          <a:prstGeom prst="rtTriangle">
+            <a:avLst/>
+          </a:prstGeom>
+          <a:solidFill>
+            <a:schemeClr val="accent4"/>
+          </a:solidFill>
+          <a:ln>
+            <a:solidFill>
+              <a:schemeClr val="accent4"/>
+            </a:solidFill>
+          </a:ln>
+        </p:spPr>
+        <p:style>
+          <a:lnRef idx="2">
+            <a:schemeClr val="accent1">
+              <a:shade val="15000"/>
+            </a:schemeClr>
+          </a:lnRef>
+          <a:fillRef idx="1">
+            <a:schemeClr val="accent1"/>
+          </a:fillRef>
+          <a:effectRef idx="0">
+            <a:schemeClr val="accent1"/>
+          </a:effectRef>
+          <a:fontRef idx="minor">
+            <a:schemeClr val="lt1"/>
+          </a:fontRef>
+        </p:style>
+        <p:txBody>
+          <a:bodyPr rtlCol="0" anchor="ctr"/>
+          <a:lstStyle/>
+          <a:p>
+            <a:pPr algn="ctr"/>
+            <a:endParaRPr lang="en-US"/>
+          </a:p>
+        </p:txBody>
+      </p:sp>
+      <p:sp>
+        <p:nvSpPr>
+          <p:cNvPr id="5" name="Rectangle 4">
+            <a:extLst>
+              <a:ext uri="{FF2B5EF4-FFF2-40B4-BE49-F238E27FC236}">
+                <a16:creationId xmlns:a16="http://schemas.microsoft.com/office/drawing/2014/main" id="{DFAC3E4F-3304-EEE3-8769-83324C3E5FDD}"/>
+              </a:ext>
+            </a:extLst>
+          </p:cNvPr>
+          <p:cNvSpPr/>
+          <p:nvPr/>
+        </p:nvSpPr>
+        <p:spPr>
+          <a:xfrm>
+            <a:off x="645173" y="444843"/>
+            <a:ext cx="10901654" cy="5968313"/>
+          </a:xfrm>
+          <a:prstGeom prst="rect">
+            <a:avLst/>
+          </a:prstGeom>
+          <a:noFill/>
+          <a:ln w="28575">
+            <a:solidFill>
+              <a:schemeClr val="tx1"/>
+            </a:solidFill>
+          </a:ln>
+        </p:spPr>
+        <p:style>
+          <a:lnRef idx="2">
+            <a:schemeClr val="accent1">
+              <a:shade val="15000"/>
+            </a:schemeClr>
+          </a:lnRef>
+          <a:fillRef idx="1">
+            <a:schemeClr val="accent1"/>
+          </a:fillRef>
+          <a:effectRef idx="0">
+            <a:schemeClr val="accent1"/>
+          </a:effectRef>
+          <a:fontRef idx="minor">
+            <a:schemeClr val="lt1"/>
+          </a:fontRef>
+        </p:style>
+        <p:txBody>
+          <a:bodyPr rtlCol="0" anchor="ctr"/>
+          <a:lstStyle/>
+          <a:p>
+            <a:pPr algn="ctr"/>
+            <a:endParaRPr lang="en-US"/>
+          </a:p>
+        </p:txBody>
+      </p:sp>
+      <p:sp>
+        <p:nvSpPr>
+          <p:cNvPr id="8" name="TextBox 7">
+            <a:extLst>
+              <a:ext uri="{FF2B5EF4-FFF2-40B4-BE49-F238E27FC236}">
+                <a16:creationId xmlns:a16="http://schemas.microsoft.com/office/drawing/2014/main" id="{93649506-C666-99CB-4337-8123C6BBF09B}"/>
+              </a:ext>
+            </a:extLst>
+          </p:cNvPr>
+          <p:cNvSpPr txBox="1"/>
+          <p:nvPr/>
+        </p:nvSpPr>
+        <p:spPr>
+          <a:xfrm>
+            <a:off x="763603" y="439682"/>
+            <a:ext cx="10664792" cy="372025"/>
+          </a:xfrm>
+          <a:prstGeom prst="rect">
+            <a:avLst/>
+          </a:prstGeom>
+          <a:noFill/>
+        </p:spPr>
+        <p:txBody>
+          <a:bodyPr wrap="square">
+            <a:spAutoFit/>
+          </a:bodyPr>
+          <a:lstStyle/>
+          <a:p>
+            <a:pPr>
+              <a:lnSpc>
+                <a:spcPct val="90000"/>
+              </a:lnSpc>
+              <a:spcAft>
+                <a:spcPts val="600"/>
+              </a:spcAft>
+            </a:pPr>
+            <a:r>
+              <a:rPr lang="en-US" sz="2000" dirty="0">
+                <a:latin typeface="Garamond" panose="02020404030301010803" pitchFamily="18" charset="0"/>
+              </a:rPr>
+              <a:t>Let’s bring this into the real world with an example: </a:t>
+            </a:r>
+            <a:r>
+              <a:rPr lang="en-US" sz="2000" b="1" dirty="0">
+                <a:latin typeface="Garamond" panose="02020404030301010803" pitchFamily="18" charset="0"/>
+              </a:rPr>
+              <a:t>Logistic Regression </a:t>
+            </a:r>
+          </a:p>
+        </p:txBody>
+      </p:sp>
+      <mc:AlternateContent xmlns:mc="http://schemas.openxmlformats.org/markup-compatibility/2006" xmlns:a14="http://schemas.microsoft.com/office/drawing/2010/main">
+        <mc:Choice Requires="a14">
+          <p:sp>
+            <p:nvSpPr>
+              <p:cNvPr id="10" name="TextBox 9">
+                <a:extLst>
+                  <a:ext uri="{FF2B5EF4-FFF2-40B4-BE49-F238E27FC236}">
+                    <a16:creationId xmlns:a16="http://schemas.microsoft.com/office/drawing/2014/main" id="{44BA7FA2-94E1-3CDF-35CE-D74A748EA909}"/>
+                  </a:ext>
+                </a:extLst>
+              </p:cNvPr>
+              <p:cNvSpPr txBox="1"/>
+              <p:nvPr/>
+            </p:nvSpPr>
+            <p:spPr>
+              <a:xfrm>
+                <a:off x="763603" y="852169"/>
+                <a:ext cx="10425097" cy="2284087"/>
+              </a:xfrm>
+              <a:prstGeom prst="rect">
+                <a:avLst/>
+              </a:prstGeom>
+              <a:noFill/>
+            </p:spPr>
+            <p:txBody>
+              <a:bodyPr wrap="square">
+                <a:spAutoFit/>
+              </a:bodyPr>
+              <a:lstStyle/>
+              <a:p>
+                <a:pPr marL="285750" indent="-285750" algn="ctr">
+                  <a:buFont typeface="Arial" panose="020B0604020202020204" pitchFamily="34" charset="0"/>
+                  <a:buChar char="•"/>
+                </a:pPr>
+                <a:r>
+                  <a:rPr lang="en-US" dirty="0">
+                    <a:latin typeface="Garamond" panose="02020404030301010803" pitchFamily="18" charset="0"/>
+                  </a:rPr>
+                  <a:t>Sigmoid function: </a:t>
+                </a:r>
+                <a14:m>
+                  <m:oMath xmlns:m="http://schemas.openxmlformats.org/officeDocument/2006/math">
+                    <m:r>
+                      <m:rPr>
+                        <m:sty m:val="p"/>
+                      </m:rPr>
+                      <a:rPr lang="el-GR" b="0" i="1" smtClean="0">
+                        <a:latin typeface="Cambria Math" panose="02040503050406030204" pitchFamily="18" charset="0"/>
+                        <a:ea typeface="Cambria Math" panose="02040503050406030204" pitchFamily="18" charset="0"/>
+                      </a:rPr>
+                      <m:t>σ</m:t>
+                    </m:r>
+                    <m:r>
+                      <a:rPr lang="en-US" b="0" i="0" smtClean="0">
+                        <a:latin typeface="Cambria Math" panose="02040503050406030204" pitchFamily="18" charset="0"/>
+                      </a:rPr>
+                      <m:t>(</m:t>
+                    </m:r>
+                    <m:r>
+                      <m:rPr>
+                        <m:sty m:val="p"/>
+                      </m:rPr>
+                      <a:rPr lang="en-US" b="0" i="0" smtClean="0">
+                        <a:latin typeface="Cambria Math" panose="02040503050406030204" pitchFamily="18" charset="0"/>
+                      </a:rPr>
+                      <m:t>z</m:t>
+                    </m:r>
+                    <m:r>
+                      <a:rPr lang="en-US" b="0" i="0" smtClean="0">
+                        <a:latin typeface="Cambria Math" panose="02040503050406030204" pitchFamily="18" charset="0"/>
+                      </a:rPr>
+                      <m:t>)= </m:t>
+                    </m:r>
+                    <m:f>
+                      <m:fPr>
+                        <m:ctrlPr>
+                          <a:rPr lang="en-US" i="1" smtClean="0">
+                            <a:latin typeface="Cambria Math" panose="02040503050406030204" pitchFamily="18" charset="0"/>
+                          </a:rPr>
+                        </m:ctrlPr>
+                      </m:fPr>
+                      <m:num>
+                        <m:r>
+                          <a:rPr lang="en-US" b="0" i="1" smtClean="0">
+                            <a:latin typeface="Cambria Math" panose="02040503050406030204" pitchFamily="18" charset="0"/>
+                          </a:rPr>
+                          <m:t>1</m:t>
+                        </m:r>
+                      </m:num>
+                      <m:den>
+                        <m:r>
+                          <a:rPr lang="en-US" b="0" i="1" smtClean="0">
+                            <a:latin typeface="Cambria Math" panose="02040503050406030204" pitchFamily="18" charset="0"/>
+                          </a:rPr>
+                          <m:t>1+</m:t>
+                        </m:r>
+                        <m:r>
+                          <m:rPr>
+                            <m:sty m:val="p"/>
+                          </m:rPr>
+                          <a:rPr lang="en-US" b="0" i="0" smtClean="0">
+                            <a:latin typeface="Cambria Math" panose="02040503050406030204" pitchFamily="18" charset="0"/>
+                          </a:rPr>
+                          <m:t>exp</m:t>
+                        </m:r>
+                        <m:r>
+                          <a:rPr lang="en-US" b="0" i="1" smtClean="0">
+                            <a:latin typeface="Cambria Math" panose="02040503050406030204" pitchFamily="18" charset="0"/>
+                          </a:rPr>
+                          <m:t>⁡(−</m:t>
+                        </m:r>
+                        <m:r>
+                          <a:rPr lang="en-US" b="0" i="1" smtClean="0">
+                            <a:latin typeface="Cambria Math" panose="02040503050406030204" pitchFamily="18" charset="0"/>
+                          </a:rPr>
+                          <m:t>𝑧</m:t>
+                        </m:r>
+                        <m:r>
+                          <a:rPr lang="en-US" b="0" i="1" smtClean="0">
+                            <a:latin typeface="Cambria Math" panose="02040503050406030204" pitchFamily="18" charset="0"/>
+                          </a:rPr>
+                          <m:t>)</m:t>
+                        </m:r>
+                      </m:den>
+                    </m:f>
+                  </m:oMath>
+                </a14:m>
+                <a:endParaRPr lang="en-US" sz="1800" dirty="0">
+                  <a:latin typeface="Garamond" panose="02020404030301010803" pitchFamily="18" charset="0"/>
+                </a:endParaRPr>
+              </a:p>
+              <a:p>
+                <a:pPr marL="285750" indent="-285750" algn="ctr">
+                  <a:buFont typeface="Arial" panose="020B0604020202020204" pitchFamily="34" charset="0"/>
+                  <a:buChar char="•"/>
+                </a:pPr>
+                <a:r>
+                  <a:rPr lang="en-US" sz="1800" dirty="0">
+                    <a:latin typeface="Garamond" panose="02020404030301010803" pitchFamily="18" charset="0"/>
+                  </a:rPr>
+                  <a:t>Model: </a:t>
+                </a:r>
+                <a14:m>
+                  <m:oMath xmlns:m="http://schemas.openxmlformats.org/officeDocument/2006/math">
+                    <m:acc>
+                      <m:accPr>
+                        <m:chr m:val="̂"/>
+                        <m:ctrlPr>
+                          <a:rPr lang="en-US" sz="1800" b="1" i="1" smtClean="0">
+                            <a:latin typeface="Cambria Math" panose="02040503050406030204" pitchFamily="18" charset="0"/>
+                          </a:rPr>
+                        </m:ctrlPr>
+                      </m:accPr>
+                      <m:e>
+                        <m:r>
+                          <a:rPr lang="en-US" sz="1800" b="1" i="1" smtClean="0">
+                            <a:latin typeface="Cambria Math" panose="02040503050406030204" pitchFamily="18" charset="0"/>
+                          </a:rPr>
+                          <m:t>𝒚</m:t>
+                        </m:r>
+                        <m:r>
+                          <a:rPr lang="en-US" sz="1800" b="1" i="1" smtClean="0">
+                            <a:latin typeface="Cambria Math" panose="02040503050406030204" pitchFamily="18" charset="0"/>
+                          </a:rPr>
+                          <m:t> </m:t>
+                        </m:r>
+                      </m:e>
+                    </m:acc>
+                    <m:r>
+                      <a:rPr lang="en-US" sz="1800" b="1" i="1" smtClean="0">
+                        <a:latin typeface="Cambria Math" panose="02040503050406030204" pitchFamily="18" charset="0"/>
+                      </a:rPr>
+                      <m:t>=</m:t>
+                    </m:r>
+                    <m:r>
+                      <m:rPr>
+                        <m:sty m:val="p"/>
+                      </m:rPr>
+                      <a:rPr lang="el-GR" b="0" i="1" smtClean="0">
+                        <a:latin typeface="Cambria Math" panose="02040503050406030204" pitchFamily="18" charset="0"/>
+                        <a:ea typeface="Cambria Math" panose="02040503050406030204" pitchFamily="18" charset="0"/>
+                      </a:rPr>
+                      <m:t>σ</m:t>
+                    </m:r>
+                    <m:r>
+                      <a:rPr lang="en-US" b="0" i="0" smtClean="0">
+                        <a:latin typeface="Cambria Math" panose="02040503050406030204" pitchFamily="18" charset="0"/>
+                      </a:rPr>
+                      <m:t>(</m:t>
+                    </m:r>
+                    <m:r>
+                      <a:rPr lang="en-US" sz="1800" b="1" i="1" smtClean="0">
+                        <a:latin typeface="Cambria Math" panose="02040503050406030204" pitchFamily="18" charset="0"/>
+                      </a:rPr>
+                      <m:t>𝒘𝑿</m:t>
+                    </m:r>
+                    <m:r>
+                      <a:rPr lang="en-US" sz="1800" b="1" i="1" smtClean="0">
+                        <a:latin typeface="Cambria Math" panose="02040503050406030204" pitchFamily="18" charset="0"/>
+                      </a:rPr>
+                      <m:t>+</m:t>
+                    </m:r>
+                    <m:r>
+                      <a:rPr lang="en-US" sz="1800" b="1" i="1" smtClean="0">
+                        <a:latin typeface="Cambria Math" panose="02040503050406030204" pitchFamily="18" charset="0"/>
+                      </a:rPr>
+                      <m:t>𝒃</m:t>
+                    </m:r>
+                    <m:r>
+                      <a:rPr lang="en-US" sz="1800" b="1" i="1" smtClean="0">
+                        <a:latin typeface="Cambria Math" panose="02040503050406030204" pitchFamily="18" charset="0"/>
+                      </a:rPr>
+                      <m:t>)</m:t>
+                    </m:r>
+                  </m:oMath>
+                </a14:m>
+                <a:endParaRPr lang="en-US" dirty="0"/>
+              </a:p>
+              <a:p>
+                <a:pPr marL="285750" indent="-285750" algn="ctr">
+                  <a:buFont typeface="Arial" panose="020B0604020202020204" pitchFamily="34" charset="0"/>
+                  <a:buChar char="•"/>
+                </a:pPr>
+                <a:r>
+                  <a:rPr lang="en-US" dirty="0">
+                    <a:latin typeface="Garamond" panose="02020404030301010803" pitchFamily="18" charset="0"/>
+                  </a:rPr>
+                  <a:t>Loss (</a:t>
+                </a:r>
+                <a14:m>
+                  <m:oMath xmlns:m="http://schemas.openxmlformats.org/officeDocument/2006/math">
+                    <m:r>
+                      <a:rPr lang="en-US" b="1" i="1" dirty="0" smtClean="0">
+                        <a:latin typeface="Cambria Math" panose="02040503050406030204" pitchFamily="18" charset="0"/>
+                      </a:rPr>
+                      <m:t>𝑳</m:t>
+                    </m:r>
+                  </m:oMath>
+                </a14:m>
+                <a:r>
+                  <a:rPr lang="en-US" dirty="0">
+                    <a:latin typeface="Garamond" panose="02020404030301010803" pitchFamily="18" charset="0"/>
+                  </a:rPr>
+                  <a:t>) function (mean squared error): </a:t>
+                </a:r>
+                <a14:m>
+                  <m:oMath xmlns:m="http://schemas.openxmlformats.org/officeDocument/2006/math">
+                    <m:r>
+                      <a:rPr lang="en-US" b="1" i="1" smtClean="0">
+                        <a:latin typeface="Cambria Math" panose="02040503050406030204" pitchFamily="18" charset="0"/>
+                      </a:rPr>
+                      <m:t>𝑳</m:t>
+                    </m:r>
+                    <m:d>
+                      <m:dPr>
+                        <m:ctrlPr>
+                          <a:rPr lang="en-US" b="1" i="1" smtClean="0">
+                            <a:latin typeface="Cambria Math" panose="02040503050406030204" pitchFamily="18" charset="0"/>
+                          </a:rPr>
+                        </m:ctrlPr>
+                      </m:dPr>
+                      <m:e>
+                        <m:r>
+                          <a:rPr lang="en-US" b="1" i="1" smtClean="0">
+                            <a:latin typeface="Cambria Math" panose="02040503050406030204" pitchFamily="18" charset="0"/>
+                          </a:rPr>
+                          <m:t>𝒘</m:t>
+                        </m:r>
+                        <m:r>
+                          <a:rPr lang="en-US" b="1" i="1" smtClean="0">
+                            <a:latin typeface="Cambria Math" panose="02040503050406030204" pitchFamily="18" charset="0"/>
+                          </a:rPr>
+                          <m:t>,</m:t>
+                        </m:r>
+                        <m:r>
+                          <a:rPr lang="en-US" b="1" i="1" smtClean="0">
+                            <a:latin typeface="Cambria Math" panose="02040503050406030204" pitchFamily="18" charset="0"/>
+                          </a:rPr>
+                          <m:t>𝒃</m:t>
+                        </m:r>
+                      </m:e>
+                    </m:d>
+                    <m:r>
+                      <a:rPr lang="en-US" b="1" i="1" smtClean="0">
+                        <a:latin typeface="Cambria Math" panose="02040503050406030204" pitchFamily="18" charset="0"/>
+                      </a:rPr>
+                      <m:t>=</m:t>
+                    </m:r>
+                    <m:f>
+                      <m:fPr>
+                        <m:ctrlPr>
+                          <a:rPr lang="en-US" b="1" i="1" smtClean="0">
+                            <a:latin typeface="Cambria Math" panose="02040503050406030204" pitchFamily="18" charset="0"/>
+                          </a:rPr>
+                        </m:ctrlPr>
+                      </m:fPr>
+                      <m:num>
+                        <m:r>
+                          <a:rPr lang="en-US" b="1" i="1" smtClean="0">
+                            <a:latin typeface="Cambria Math" panose="02040503050406030204" pitchFamily="18" charset="0"/>
+                          </a:rPr>
+                          <m:t>𝟏</m:t>
+                        </m:r>
+                      </m:num>
+                      <m:den>
+                        <m:r>
+                          <a:rPr lang="en-US" b="1" i="1" smtClean="0">
+                            <a:latin typeface="Cambria Math" panose="02040503050406030204" pitchFamily="18" charset="0"/>
+                          </a:rPr>
+                          <m:t>𝒏</m:t>
+                        </m:r>
+                      </m:den>
+                    </m:f>
+                    <m:nary>
+                      <m:naryPr>
+                        <m:chr m:val="∑"/>
+                        <m:ctrlPr>
+                          <a:rPr lang="en-US" b="1" i="1" smtClean="0">
+                            <a:latin typeface="Cambria Math" panose="02040503050406030204" pitchFamily="18" charset="0"/>
+                          </a:rPr>
+                        </m:ctrlPr>
+                      </m:naryPr>
+                      <m:sub>
+                        <m:r>
+                          <m:rPr>
+                            <m:brk m:alnAt="23"/>
+                          </m:rPr>
+                          <a:rPr lang="en-US" b="1" i="1" smtClean="0">
+                            <a:latin typeface="Cambria Math" panose="02040503050406030204" pitchFamily="18" charset="0"/>
+                          </a:rPr>
+                          <m:t>𝒌</m:t>
+                        </m:r>
+                        <m:r>
+                          <a:rPr lang="en-US" b="1" i="1" smtClean="0">
+                            <a:latin typeface="Cambria Math" panose="02040503050406030204" pitchFamily="18" charset="0"/>
+                          </a:rPr>
+                          <m:t>=</m:t>
+                        </m:r>
+                        <m:r>
+                          <a:rPr lang="en-US" b="1" i="1" smtClean="0">
+                            <a:latin typeface="Cambria Math" panose="02040503050406030204" pitchFamily="18" charset="0"/>
+                          </a:rPr>
+                          <m:t>𝟏</m:t>
+                        </m:r>
+                      </m:sub>
+                      <m:sup>
+                        <m:r>
+                          <a:rPr lang="en-US" b="1" i="1" smtClean="0">
+                            <a:latin typeface="Cambria Math" panose="02040503050406030204" pitchFamily="18" charset="0"/>
+                          </a:rPr>
+                          <m:t>𝒏</m:t>
+                        </m:r>
+                      </m:sup>
+                      <m:e>
+                        <m:r>
+                          <a:rPr lang="en-US" b="1" i="1" smtClean="0">
+                            <a:latin typeface="Cambria Math" panose="02040503050406030204" pitchFamily="18" charset="0"/>
+                          </a:rPr>
+                          <m:t>[</m:t>
+                        </m:r>
+                        <m:sSub>
+                          <m:sSubPr>
+                            <m:ctrlPr>
+                              <a:rPr lang="en-US" b="1" i="1" smtClean="0">
+                                <a:latin typeface="Cambria Math" panose="02040503050406030204" pitchFamily="18" charset="0"/>
+                              </a:rPr>
+                            </m:ctrlPr>
+                          </m:sSubPr>
+                          <m:e>
+                            <m:r>
+                              <a:rPr lang="en-US" b="1" i="1" smtClean="0">
+                                <a:latin typeface="Cambria Math" panose="02040503050406030204" pitchFamily="18" charset="0"/>
+                              </a:rPr>
+                              <m:t>𝒚</m:t>
+                            </m:r>
+                          </m:e>
+                          <m:sub>
+                            <m:r>
+                              <a:rPr lang="en-US" b="1" i="1" smtClean="0">
+                                <a:latin typeface="Cambria Math" panose="02040503050406030204" pitchFamily="18" charset="0"/>
+                              </a:rPr>
+                              <m:t>𝒌</m:t>
+                            </m:r>
+                          </m:sub>
+                        </m:sSub>
+                        <m:r>
+                          <a:rPr lang="en-US" b="1" i="1" smtClean="0">
+                            <a:latin typeface="Cambria Math" panose="02040503050406030204" pitchFamily="18" charset="0"/>
+                          </a:rPr>
+                          <m:t>𝒍𝒐𝒈</m:t>
+                        </m:r>
+                        <m:d>
+                          <m:dPr>
+                            <m:ctrlPr>
+                              <a:rPr lang="en-US" b="1" i="1" smtClean="0">
+                                <a:latin typeface="Cambria Math" panose="02040503050406030204" pitchFamily="18" charset="0"/>
+                              </a:rPr>
+                            </m:ctrlPr>
+                          </m:dPr>
+                          <m:e>
+                            <m:acc>
+                              <m:accPr>
+                                <m:chr m:val="̂"/>
+                                <m:ctrlPr>
+                                  <a:rPr lang="en-US" b="1" i="1">
+                                    <a:latin typeface="Cambria Math" panose="02040503050406030204" pitchFamily="18" charset="0"/>
+                                  </a:rPr>
+                                </m:ctrlPr>
+                              </m:accPr>
+                              <m:e>
+                                <m:sSub>
+                                  <m:sSubPr>
+                                    <m:ctrlPr>
+                                      <a:rPr lang="en-US" b="1" i="1" smtClean="0">
+                                        <a:latin typeface="Cambria Math" panose="02040503050406030204" pitchFamily="18" charset="0"/>
+                                      </a:rPr>
+                                    </m:ctrlPr>
+                                  </m:sSubPr>
+                                  <m:e>
+                                    <m:r>
+                                      <a:rPr lang="en-US" b="1" i="1" smtClean="0">
+                                        <a:latin typeface="Cambria Math" panose="02040503050406030204" pitchFamily="18" charset="0"/>
+                                      </a:rPr>
+                                      <m:t>𝒚</m:t>
+                                    </m:r>
+                                  </m:e>
+                                  <m:sub>
+                                    <m:r>
+                                      <a:rPr lang="en-US" b="1" i="1" smtClean="0">
+                                        <a:latin typeface="Cambria Math" panose="02040503050406030204" pitchFamily="18" charset="0"/>
+                                      </a:rPr>
+                                      <m:t>𝒌</m:t>
+                                    </m:r>
+                                  </m:sub>
+                                </m:sSub>
+                              </m:e>
+                            </m:acc>
+                          </m:e>
+                        </m:d>
+                        <m:r>
+                          <a:rPr lang="en-US" b="1" i="1" smtClean="0">
+                            <a:latin typeface="Cambria Math" panose="02040503050406030204" pitchFamily="18" charset="0"/>
+                          </a:rPr>
+                          <m:t>+</m:t>
+                        </m:r>
+                        <m:sSub>
+                          <m:sSubPr>
+                            <m:ctrlPr>
+                              <a:rPr lang="en-US" b="1" i="1" smtClean="0">
+                                <a:latin typeface="Cambria Math" panose="02040503050406030204" pitchFamily="18" charset="0"/>
+                              </a:rPr>
+                            </m:ctrlPr>
+                          </m:sSubPr>
+                          <m:e>
+                            <m:r>
+                              <a:rPr lang="en-US" b="1" i="1" smtClean="0">
+                                <a:latin typeface="Cambria Math" panose="02040503050406030204" pitchFamily="18" charset="0"/>
+                              </a:rPr>
+                              <m:t>(</m:t>
+                            </m:r>
+                            <m:r>
+                              <a:rPr lang="en-US" b="1" i="1" smtClean="0">
+                                <a:latin typeface="Cambria Math" panose="02040503050406030204" pitchFamily="18" charset="0"/>
+                              </a:rPr>
+                              <m:t>𝟏</m:t>
+                            </m:r>
+                            <m:r>
+                              <a:rPr lang="en-US" b="1" i="1" smtClean="0">
+                                <a:latin typeface="Cambria Math" panose="02040503050406030204" pitchFamily="18" charset="0"/>
+                              </a:rPr>
+                              <m:t>−</m:t>
+                            </m:r>
+                            <m:r>
+                              <a:rPr lang="en-US" b="1" i="1" smtClean="0">
+                                <a:latin typeface="Cambria Math" panose="02040503050406030204" pitchFamily="18" charset="0"/>
+                              </a:rPr>
+                              <m:t>𝒚</m:t>
+                            </m:r>
+                          </m:e>
+                          <m:sub>
+                            <m:r>
+                              <a:rPr lang="en-US" b="1" i="1" smtClean="0">
+                                <a:latin typeface="Cambria Math" panose="02040503050406030204" pitchFamily="18" charset="0"/>
+                              </a:rPr>
+                              <m:t>𝒌</m:t>
+                            </m:r>
+                          </m:sub>
+                        </m:sSub>
+                        <m:r>
+                          <a:rPr lang="en-US" b="1" i="1" smtClean="0">
+                            <a:latin typeface="Cambria Math" panose="02040503050406030204" pitchFamily="18" charset="0"/>
+                          </a:rPr>
+                          <m:t>)</m:t>
+                        </m:r>
+                        <m:r>
+                          <a:rPr lang="en-US" b="1" i="1" smtClean="0">
+                            <a:latin typeface="Cambria Math" panose="02040503050406030204" pitchFamily="18" charset="0"/>
+                          </a:rPr>
+                          <m:t>𝒍𝒐𝒈</m:t>
+                        </m:r>
+                        <m:d>
+                          <m:dPr>
+                            <m:ctrlPr>
+                              <a:rPr lang="en-US" b="1" i="1" smtClean="0">
+                                <a:latin typeface="Cambria Math" panose="02040503050406030204" pitchFamily="18" charset="0"/>
+                              </a:rPr>
+                            </m:ctrlPr>
+                          </m:dPr>
+                          <m:e>
+                            <m:r>
+                              <a:rPr lang="en-US" b="1" i="1" smtClean="0">
+                                <a:latin typeface="Cambria Math" panose="02040503050406030204" pitchFamily="18" charset="0"/>
+                              </a:rPr>
+                              <m:t>𝟏</m:t>
+                            </m:r>
+                            <m:r>
+                              <a:rPr lang="en-US" b="1" i="1" smtClean="0">
+                                <a:latin typeface="Cambria Math" panose="02040503050406030204" pitchFamily="18" charset="0"/>
+                              </a:rPr>
+                              <m:t>−</m:t>
+                            </m:r>
+                            <m:acc>
+                              <m:accPr>
+                                <m:chr m:val="̂"/>
+                                <m:ctrlPr>
+                                  <a:rPr lang="en-US" b="1" i="1">
+                                    <a:latin typeface="Cambria Math" panose="02040503050406030204" pitchFamily="18" charset="0"/>
+                                  </a:rPr>
+                                </m:ctrlPr>
+                              </m:accPr>
+                              <m:e>
+                                <m:sSub>
+                                  <m:sSubPr>
+                                    <m:ctrlPr>
+                                      <a:rPr lang="en-US" b="1" i="1" smtClean="0">
+                                        <a:latin typeface="Cambria Math" panose="02040503050406030204" pitchFamily="18" charset="0"/>
+                                      </a:rPr>
+                                    </m:ctrlPr>
+                                  </m:sSubPr>
+                                  <m:e>
+                                    <m:r>
+                                      <a:rPr lang="en-US" b="1" i="1" smtClean="0">
+                                        <a:latin typeface="Cambria Math" panose="02040503050406030204" pitchFamily="18" charset="0"/>
+                                      </a:rPr>
+                                      <m:t>𝒚</m:t>
+                                    </m:r>
+                                  </m:e>
+                                  <m:sub>
+                                    <m:r>
+                                      <a:rPr lang="en-US" b="1" i="1" smtClean="0">
+                                        <a:latin typeface="Cambria Math" panose="02040503050406030204" pitchFamily="18" charset="0"/>
+                                      </a:rPr>
+                                      <m:t>𝒌</m:t>
+                                    </m:r>
+                                  </m:sub>
+                                </m:sSub>
+                              </m:e>
+                            </m:acc>
+                          </m:e>
+                        </m:d>
+                        <m:r>
+                          <a:rPr lang="en-US" b="1" i="1" smtClean="0">
+                            <a:latin typeface="Cambria Math" panose="02040503050406030204" pitchFamily="18" charset="0"/>
+                          </a:rPr>
+                          <m:t>]</m:t>
+                        </m:r>
+                      </m:e>
+                    </m:nary>
+                  </m:oMath>
+                </a14:m>
+                <a:endParaRPr lang="en-US" b="1" dirty="0">
+                  <a:latin typeface="Garamond" panose="02020404030301010803" pitchFamily="18" charset="0"/>
+                </a:endParaRPr>
+              </a:p>
+              <a:p>
+                <a:pPr marL="285750" indent="-285750" algn="ctr">
+                  <a:buFont typeface="Arial" panose="020B0604020202020204" pitchFamily="34" charset="0"/>
+                  <a:buChar char="•"/>
+                </a:pPr>
+                <a:r>
+                  <a:rPr lang="en-US" dirty="0">
+                    <a:latin typeface="Garamond" panose="02020404030301010803" pitchFamily="18" charset="0"/>
+                  </a:rPr>
+                  <a:t>Gradient </a:t>
+                </a:r>
+                <a:r>
+                  <a:rPr lang="en-US" dirty="0" err="1">
+                    <a:latin typeface="Garamond" panose="02020404030301010803" pitchFamily="18" charset="0"/>
+                  </a:rPr>
+                  <a:t>w.r.t.</a:t>
+                </a:r>
+                <a:r>
+                  <a:rPr lang="en-US" dirty="0">
+                    <a:latin typeface="Garamond" panose="02020404030301010803" pitchFamily="18" charset="0"/>
+                  </a:rPr>
+                  <a:t> </a:t>
+                </a:r>
+                <a14:m>
+                  <m:oMath xmlns:m="http://schemas.openxmlformats.org/officeDocument/2006/math">
+                    <m:r>
+                      <a:rPr lang="en-US" i="1" dirty="0" smtClean="0">
+                        <a:latin typeface="Cambria Math" panose="02040503050406030204" pitchFamily="18" charset="0"/>
+                      </a:rPr>
+                      <m:t>𝑤</m:t>
+                    </m:r>
+                    <m:r>
+                      <a:rPr lang="en-US" b="1" i="0" dirty="0" smtClean="0">
+                        <a:latin typeface="Cambria Math" panose="02040503050406030204" pitchFamily="18" charset="0"/>
+                      </a:rPr>
+                      <m:t> </m:t>
+                    </m:r>
+                  </m:oMath>
+                </a14:m>
+                <a:r>
+                  <a:rPr lang="en-US" b="1" dirty="0">
+                    <a:latin typeface="Garamond" panose="02020404030301010803" pitchFamily="18" charset="0"/>
+                  </a:rPr>
+                  <a:t>:  </a:t>
+                </a:r>
+                <a14:m>
+                  <m:oMath xmlns:m="http://schemas.openxmlformats.org/officeDocument/2006/math">
+                    <m:f>
+                      <m:fPr>
+                        <m:ctrlPr>
+                          <a:rPr lang="en-US" b="1" i="1" smtClean="0">
+                            <a:latin typeface="Cambria Math" panose="02040503050406030204" pitchFamily="18" charset="0"/>
+                          </a:rPr>
+                        </m:ctrlPr>
+                      </m:fPr>
+                      <m:num>
+                        <m:r>
+                          <a:rPr lang="en-US" b="1" i="1" smtClean="0">
+                            <a:latin typeface="Cambria Math" panose="02040503050406030204" pitchFamily="18" charset="0"/>
+                            <a:ea typeface="Cambria Math" panose="02040503050406030204" pitchFamily="18" charset="0"/>
+                          </a:rPr>
+                          <m:t>𝝏</m:t>
+                        </m:r>
+                        <m:r>
+                          <a:rPr lang="en-US" b="1" i="1" smtClean="0">
+                            <a:latin typeface="Cambria Math" panose="02040503050406030204" pitchFamily="18" charset="0"/>
+                          </a:rPr>
+                          <m:t>𝑳</m:t>
+                        </m:r>
+                      </m:num>
+                      <m:den>
+                        <m:r>
+                          <a:rPr lang="en-US" b="1" i="1" smtClean="0">
+                            <a:latin typeface="Cambria Math" panose="02040503050406030204" pitchFamily="18" charset="0"/>
+                            <a:ea typeface="Cambria Math" panose="02040503050406030204" pitchFamily="18" charset="0"/>
+                          </a:rPr>
+                          <m:t>𝝏</m:t>
+                        </m:r>
+                        <m:r>
+                          <a:rPr lang="en-US" b="1" i="1" smtClean="0">
+                            <a:latin typeface="Cambria Math" panose="02040503050406030204" pitchFamily="18" charset="0"/>
+                          </a:rPr>
+                          <m:t>𝒘</m:t>
+                        </m:r>
+                      </m:den>
+                    </m:f>
+                    <m:r>
+                      <a:rPr lang="en-US" b="1" i="1" smtClean="0">
+                        <a:latin typeface="Cambria Math" panose="02040503050406030204" pitchFamily="18" charset="0"/>
+                      </a:rPr>
+                      <m:t>=</m:t>
+                    </m:r>
+                    <m:f>
+                      <m:fPr>
+                        <m:ctrlPr>
+                          <a:rPr lang="en-US" b="1" i="1" smtClean="0">
+                            <a:latin typeface="Cambria Math" panose="02040503050406030204" pitchFamily="18" charset="0"/>
+                          </a:rPr>
+                        </m:ctrlPr>
+                      </m:fPr>
+                      <m:num>
+                        <m:r>
+                          <a:rPr lang="en-US" b="1" i="1" smtClean="0">
+                            <a:latin typeface="Cambria Math" panose="02040503050406030204" pitchFamily="18" charset="0"/>
+                          </a:rPr>
+                          <m:t>𝟏</m:t>
+                        </m:r>
+                      </m:num>
+                      <m:den>
+                        <m:r>
+                          <a:rPr lang="en-US" b="1" i="1" smtClean="0">
+                            <a:latin typeface="Cambria Math" panose="02040503050406030204" pitchFamily="18" charset="0"/>
+                          </a:rPr>
+                          <m:t>𝒌</m:t>
+                        </m:r>
+                      </m:den>
+                    </m:f>
+                    <m:nary>
+                      <m:naryPr>
+                        <m:chr m:val="∑"/>
+                        <m:ctrlPr>
+                          <a:rPr lang="en-US" b="1" i="1" smtClean="0">
+                            <a:latin typeface="Cambria Math" panose="02040503050406030204" pitchFamily="18" charset="0"/>
+                          </a:rPr>
+                        </m:ctrlPr>
+                      </m:naryPr>
+                      <m:sub>
+                        <m:r>
+                          <m:rPr>
+                            <m:brk m:alnAt="23"/>
+                          </m:rPr>
+                          <a:rPr lang="en-US" b="1" i="1" smtClean="0">
+                            <a:latin typeface="Cambria Math" panose="02040503050406030204" pitchFamily="18" charset="0"/>
+                          </a:rPr>
+                          <m:t>𝒌</m:t>
+                        </m:r>
+                        <m:r>
+                          <a:rPr lang="en-US" b="1" i="1" smtClean="0">
+                            <a:latin typeface="Cambria Math" panose="02040503050406030204" pitchFamily="18" charset="0"/>
+                          </a:rPr>
+                          <m:t>=</m:t>
+                        </m:r>
+                        <m:r>
+                          <a:rPr lang="en-US" b="1" i="1" smtClean="0">
+                            <a:latin typeface="Cambria Math" panose="02040503050406030204" pitchFamily="18" charset="0"/>
+                          </a:rPr>
+                          <m:t>𝟏</m:t>
+                        </m:r>
+                      </m:sub>
+                      <m:sup>
+                        <m:r>
+                          <a:rPr lang="en-US" b="1" i="1" smtClean="0">
+                            <a:latin typeface="Cambria Math" panose="02040503050406030204" pitchFamily="18" charset="0"/>
+                          </a:rPr>
+                          <m:t>𝒏</m:t>
+                        </m:r>
+                      </m:sup>
+                      <m:e>
+                        <m:r>
+                          <a:rPr lang="en-US" b="1" i="1" smtClean="0">
+                            <a:latin typeface="Cambria Math" panose="02040503050406030204" pitchFamily="18" charset="0"/>
+                          </a:rPr>
+                          <m:t>[</m:t>
+                        </m:r>
+                        <m:d>
+                          <m:dPr>
+                            <m:ctrlPr>
+                              <a:rPr lang="en-US" b="1" i="1" smtClean="0">
+                                <a:latin typeface="Cambria Math" panose="02040503050406030204" pitchFamily="18" charset="0"/>
+                              </a:rPr>
+                            </m:ctrlPr>
+                          </m:dPr>
+                          <m:e>
+                            <m:sSub>
+                              <m:sSubPr>
+                                <m:ctrlPr>
+                                  <a:rPr lang="en-US" b="1" i="1" smtClean="0">
+                                    <a:latin typeface="Cambria Math" panose="02040503050406030204" pitchFamily="18" charset="0"/>
+                                  </a:rPr>
+                                </m:ctrlPr>
+                              </m:sSubPr>
+                              <m:e>
+                                <m:r>
+                                  <a:rPr lang="en-US" b="1" i="1" smtClean="0">
+                                    <a:latin typeface="Cambria Math" panose="02040503050406030204" pitchFamily="18" charset="0"/>
+                                  </a:rPr>
+                                  <m:t>𝑿</m:t>
+                                </m:r>
+                              </m:e>
+                              <m:sub>
+                                <m:r>
+                                  <a:rPr lang="en-US" b="1" i="1" smtClean="0">
+                                    <a:latin typeface="Cambria Math" panose="02040503050406030204" pitchFamily="18" charset="0"/>
+                                  </a:rPr>
+                                  <m:t>𝒌</m:t>
+                                </m:r>
+                              </m:sub>
+                            </m:sSub>
+                          </m:e>
+                        </m:d>
+                        <m:r>
+                          <a:rPr lang="en-US" b="1" i="1" smtClean="0">
+                            <a:latin typeface="Cambria Math" panose="02040503050406030204" pitchFamily="18" charset="0"/>
+                          </a:rPr>
+                          <m:t>(</m:t>
+                        </m:r>
+                      </m:e>
+                    </m:nary>
+                    <m:r>
+                      <a:rPr lang="el-GR" b="1" i="1" smtClean="0">
+                        <a:latin typeface="Cambria Math" panose="02040503050406030204" pitchFamily="18" charset="0"/>
+                        <a:ea typeface="Cambria Math" panose="02040503050406030204" pitchFamily="18" charset="0"/>
+                      </a:rPr>
+                      <m:t>𝝈</m:t>
+                    </m:r>
+                    <m:d>
+                      <m:dPr>
+                        <m:ctrlPr>
+                          <a:rPr lang="en-US" b="1" i="1" smtClean="0">
+                            <a:latin typeface="Cambria Math" panose="02040503050406030204" pitchFamily="18" charset="0"/>
+                            <a:ea typeface="Cambria Math" panose="02040503050406030204" pitchFamily="18" charset="0"/>
+                          </a:rPr>
+                        </m:ctrlPr>
+                      </m:dPr>
+                      <m:e>
+                        <m:r>
+                          <a:rPr lang="en-US" b="1" i="1" smtClean="0">
+                            <a:latin typeface="Cambria Math" panose="02040503050406030204" pitchFamily="18" charset="0"/>
+                          </a:rPr>
+                          <m:t>𝒘</m:t>
+                        </m:r>
+                        <m:sSub>
+                          <m:sSubPr>
+                            <m:ctrlPr>
+                              <a:rPr lang="en-US" b="1" i="1" smtClean="0">
+                                <a:latin typeface="Cambria Math" panose="02040503050406030204" pitchFamily="18" charset="0"/>
+                              </a:rPr>
+                            </m:ctrlPr>
+                          </m:sSubPr>
+                          <m:e>
+                            <m:r>
+                              <a:rPr lang="en-US" b="1" i="1" smtClean="0">
+                                <a:latin typeface="Cambria Math" panose="02040503050406030204" pitchFamily="18" charset="0"/>
+                              </a:rPr>
+                              <m:t>𝑿</m:t>
+                            </m:r>
+                          </m:e>
+                          <m:sub>
+                            <m:r>
+                              <a:rPr lang="en-US" b="1" i="1" smtClean="0">
+                                <a:latin typeface="Cambria Math" panose="02040503050406030204" pitchFamily="18" charset="0"/>
+                              </a:rPr>
+                              <m:t>𝒌</m:t>
+                            </m:r>
+                          </m:sub>
+                        </m:sSub>
+                        <m:r>
+                          <a:rPr lang="en-US" b="1" i="1" smtClean="0">
+                            <a:latin typeface="Cambria Math" panose="02040503050406030204" pitchFamily="18" charset="0"/>
+                          </a:rPr>
+                          <m:t>+</m:t>
+                        </m:r>
+                        <m:r>
+                          <a:rPr lang="en-US" b="1" i="1" smtClean="0">
+                            <a:latin typeface="Cambria Math" panose="02040503050406030204" pitchFamily="18" charset="0"/>
+                          </a:rPr>
+                          <m:t>𝒃</m:t>
+                        </m:r>
+                      </m:e>
+                    </m:d>
+                    <m:r>
+                      <a:rPr lang="en-US" b="1" i="0" smtClean="0">
+                        <a:latin typeface="Cambria Math" panose="02040503050406030204" pitchFamily="18" charset="0"/>
+                      </a:rPr>
+                      <m:t>−</m:t>
+                    </m:r>
+                    <m:sSub>
+                      <m:sSubPr>
+                        <m:ctrlPr>
+                          <a:rPr lang="en-US" b="1" i="1" smtClean="0">
+                            <a:latin typeface="Cambria Math" panose="02040503050406030204" pitchFamily="18" charset="0"/>
+                          </a:rPr>
+                        </m:ctrlPr>
+                      </m:sSubPr>
+                      <m:e>
+                        <m:r>
+                          <a:rPr lang="en-US" b="1" i="1" smtClean="0">
+                            <a:latin typeface="Cambria Math" panose="02040503050406030204" pitchFamily="18" charset="0"/>
+                          </a:rPr>
+                          <m:t>𝒚</m:t>
+                        </m:r>
+                      </m:e>
+                      <m:sub>
+                        <m:r>
+                          <a:rPr lang="en-US" b="1" i="1" smtClean="0">
+                            <a:latin typeface="Cambria Math" panose="02040503050406030204" pitchFamily="18" charset="0"/>
+                          </a:rPr>
+                          <m:t>𝒌</m:t>
+                        </m:r>
+                      </m:sub>
+                    </m:sSub>
+                    <m:r>
+                      <a:rPr lang="en-US" b="1" i="1" smtClean="0">
+                        <a:latin typeface="Cambria Math" panose="02040503050406030204" pitchFamily="18" charset="0"/>
+                      </a:rPr>
+                      <m:t>)]</m:t>
+                    </m:r>
+                  </m:oMath>
+                </a14:m>
+                <a:endParaRPr lang="en-US" dirty="0">
+                  <a:latin typeface="Garamond" panose="02020404030301010803" pitchFamily="18" charset="0"/>
+                </a:endParaRPr>
+              </a:p>
+              <a:p>
+                <a:pPr algn="ctr"/>
+                <a:r>
+                  <a:rPr lang="en-US" dirty="0">
+                    <a:latin typeface="Garamond" panose="02020404030301010803" pitchFamily="18" charset="0"/>
+                  </a:rPr>
+                  <a:t>Gradient </a:t>
+                </a:r>
+                <a:r>
+                  <a:rPr lang="en-US" dirty="0" err="1">
+                    <a:latin typeface="Garamond" panose="02020404030301010803" pitchFamily="18" charset="0"/>
+                  </a:rPr>
+                  <a:t>w.r.t.</a:t>
+                </a:r>
+                <a:r>
+                  <a:rPr lang="en-US" dirty="0">
+                    <a:latin typeface="Garamond" panose="02020404030301010803" pitchFamily="18" charset="0"/>
+                  </a:rPr>
+                  <a:t> </a:t>
+                </a:r>
+                <a14:m>
+                  <m:oMath xmlns:m="http://schemas.openxmlformats.org/officeDocument/2006/math">
+                    <m:r>
+                      <a:rPr lang="en-US" i="1" dirty="0" smtClean="0">
+                        <a:latin typeface="Cambria Math" panose="02040503050406030204" pitchFamily="18" charset="0"/>
+                      </a:rPr>
+                      <m:t>𝑏</m:t>
+                    </m:r>
+                    <m:r>
+                      <a:rPr lang="en-US" b="1" i="0" dirty="0" smtClean="0">
+                        <a:latin typeface="Cambria Math" panose="02040503050406030204" pitchFamily="18" charset="0"/>
+                      </a:rPr>
+                      <m:t> </m:t>
+                    </m:r>
+                  </m:oMath>
+                </a14:m>
+                <a:r>
+                  <a:rPr lang="en-US" b="1" dirty="0">
+                    <a:latin typeface="Garamond" panose="02020404030301010803" pitchFamily="18" charset="0"/>
+                  </a:rPr>
+                  <a:t>:  </a:t>
+                </a:r>
+                <a14:m>
+                  <m:oMath xmlns:m="http://schemas.openxmlformats.org/officeDocument/2006/math">
+                    <m:f>
+                      <m:fPr>
+                        <m:ctrlPr>
+                          <a:rPr lang="en-US" b="1" i="1" smtClean="0">
+                            <a:latin typeface="Cambria Math" panose="02040503050406030204" pitchFamily="18" charset="0"/>
+                          </a:rPr>
+                        </m:ctrlPr>
+                      </m:fPr>
+                      <m:num>
+                        <m:r>
+                          <a:rPr lang="en-US" b="1" i="1" smtClean="0">
+                            <a:latin typeface="Cambria Math" panose="02040503050406030204" pitchFamily="18" charset="0"/>
+                            <a:ea typeface="Cambria Math" panose="02040503050406030204" pitchFamily="18" charset="0"/>
+                          </a:rPr>
+                          <m:t>𝝏</m:t>
+                        </m:r>
+                        <m:r>
+                          <a:rPr lang="en-US" b="1" i="1" smtClean="0">
+                            <a:latin typeface="Cambria Math" panose="02040503050406030204" pitchFamily="18" charset="0"/>
+                          </a:rPr>
+                          <m:t>𝑳</m:t>
+                        </m:r>
+                      </m:num>
+                      <m:den>
+                        <m:r>
+                          <a:rPr lang="en-US" b="1" i="1" smtClean="0">
+                            <a:latin typeface="Cambria Math" panose="02040503050406030204" pitchFamily="18" charset="0"/>
+                            <a:ea typeface="Cambria Math" panose="02040503050406030204" pitchFamily="18" charset="0"/>
+                          </a:rPr>
+                          <m:t>𝝏</m:t>
+                        </m:r>
+                        <m:r>
+                          <a:rPr lang="en-US" b="1" i="1" smtClean="0">
+                            <a:latin typeface="Cambria Math" panose="02040503050406030204" pitchFamily="18" charset="0"/>
+                            <a:ea typeface="Cambria Math" panose="02040503050406030204" pitchFamily="18" charset="0"/>
+                          </a:rPr>
+                          <m:t>𝒃</m:t>
+                        </m:r>
+                      </m:den>
+                    </m:f>
+                    <m:r>
+                      <a:rPr lang="en-US" b="1" i="1" smtClean="0">
+                        <a:latin typeface="Cambria Math" panose="02040503050406030204" pitchFamily="18" charset="0"/>
+                      </a:rPr>
+                      <m:t>=</m:t>
+                    </m:r>
+                    <m:f>
+                      <m:fPr>
+                        <m:ctrlPr>
+                          <a:rPr lang="en-US" b="1" i="1" smtClean="0">
+                            <a:latin typeface="Cambria Math" panose="02040503050406030204" pitchFamily="18" charset="0"/>
+                          </a:rPr>
+                        </m:ctrlPr>
+                      </m:fPr>
+                      <m:num>
+                        <m:r>
+                          <a:rPr lang="en-US" b="1" i="1" smtClean="0">
+                            <a:latin typeface="Cambria Math" panose="02040503050406030204" pitchFamily="18" charset="0"/>
+                          </a:rPr>
+                          <m:t>𝟏</m:t>
+                        </m:r>
+                      </m:num>
+                      <m:den>
+                        <m:r>
+                          <a:rPr lang="en-US" b="1" i="1" smtClean="0">
+                            <a:latin typeface="Cambria Math" panose="02040503050406030204" pitchFamily="18" charset="0"/>
+                          </a:rPr>
+                          <m:t>𝒌</m:t>
+                        </m:r>
+                      </m:den>
+                    </m:f>
+                    <m:nary>
+                      <m:naryPr>
+                        <m:chr m:val="∑"/>
+                        <m:ctrlPr>
+                          <a:rPr lang="en-US" b="1" i="1" smtClean="0">
+                            <a:latin typeface="Cambria Math" panose="02040503050406030204" pitchFamily="18" charset="0"/>
+                          </a:rPr>
+                        </m:ctrlPr>
+                      </m:naryPr>
+                      <m:sub>
+                        <m:r>
+                          <m:rPr>
+                            <m:brk m:alnAt="23"/>
+                          </m:rPr>
+                          <a:rPr lang="en-US" b="1" i="1" smtClean="0">
+                            <a:latin typeface="Cambria Math" panose="02040503050406030204" pitchFamily="18" charset="0"/>
+                          </a:rPr>
+                          <m:t>𝒌</m:t>
+                        </m:r>
+                        <m:r>
+                          <a:rPr lang="en-US" b="1" i="1" smtClean="0">
+                            <a:latin typeface="Cambria Math" panose="02040503050406030204" pitchFamily="18" charset="0"/>
+                          </a:rPr>
+                          <m:t>=</m:t>
+                        </m:r>
+                        <m:r>
+                          <a:rPr lang="en-US" b="1" i="1" smtClean="0">
+                            <a:latin typeface="Cambria Math" panose="02040503050406030204" pitchFamily="18" charset="0"/>
+                          </a:rPr>
+                          <m:t>𝟏</m:t>
+                        </m:r>
+                      </m:sub>
+                      <m:sup>
+                        <m:r>
+                          <a:rPr lang="en-US" b="1" i="1" smtClean="0">
+                            <a:latin typeface="Cambria Math" panose="02040503050406030204" pitchFamily="18" charset="0"/>
+                          </a:rPr>
+                          <m:t>𝒏</m:t>
+                        </m:r>
+                      </m:sup>
+                      <m:e>
+                        <m:r>
+                          <a:rPr lang="en-US" b="1" i="1" smtClean="0">
+                            <a:latin typeface="Cambria Math" panose="02040503050406030204" pitchFamily="18" charset="0"/>
+                          </a:rPr>
+                          <m:t> [</m:t>
+                        </m:r>
+                      </m:e>
+                    </m:nary>
+                    <m:r>
+                      <a:rPr lang="el-GR" b="1" i="1" smtClean="0">
+                        <a:latin typeface="Cambria Math" panose="02040503050406030204" pitchFamily="18" charset="0"/>
+                        <a:ea typeface="Cambria Math" panose="02040503050406030204" pitchFamily="18" charset="0"/>
+                      </a:rPr>
+                      <m:t>𝝈</m:t>
+                    </m:r>
+                    <m:d>
+                      <m:dPr>
+                        <m:ctrlPr>
+                          <a:rPr lang="en-US" b="1" i="1" smtClean="0">
+                            <a:latin typeface="Cambria Math" panose="02040503050406030204" pitchFamily="18" charset="0"/>
+                            <a:ea typeface="Cambria Math" panose="02040503050406030204" pitchFamily="18" charset="0"/>
+                          </a:rPr>
+                        </m:ctrlPr>
+                      </m:dPr>
+                      <m:e>
+                        <m:r>
+                          <a:rPr lang="en-US" b="1" i="1" smtClean="0">
+                            <a:latin typeface="Cambria Math" panose="02040503050406030204" pitchFamily="18" charset="0"/>
+                          </a:rPr>
+                          <m:t>𝒘</m:t>
+                        </m:r>
+                        <m:sSub>
+                          <m:sSubPr>
+                            <m:ctrlPr>
+                              <a:rPr lang="en-US" b="1" i="1" smtClean="0">
+                                <a:latin typeface="Cambria Math" panose="02040503050406030204" pitchFamily="18" charset="0"/>
+                              </a:rPr>
+                            </m:ctrlPr>
+                          </m:sSubPr>
+                          <m:e>
+                            <m:r>
+                              <a:rPr lang="en-US" b="1" i="1" smtClean="0">
+                                <a:latin typeface="Cambria Math" panose="02040503050406030204" pitchFamily="18" charset="0"/>
+                              </a:rPr>
+                              <m:t>𝑿</m:t>
+                            </m:r>
+                          </m:e>
+                          <m:sub>
+                            <m:r>
+                              <a:rPr lang="en-US" b="1" i="1" smtClean="0">
+                                <a:latin typeface="Cambria Math" panose="02040503050406030204" pitchFamily="18" charset="0"/>
+                              </a:rPr>
+                              <m:t>𝒌</m:t>
+                            </m:r>
+                          </m:sub>
+                        </m:sSub>
+                        <m:r>
+                          <a:rPr lang="en-US" b="1" i="1" smtClean="0">
+                            <a:latin typeface="Cambria Math" panose="02040503050406030204" pitchFamily="18" charset="0"/>
+                          </a:rPr>
+                          <m:t>+</m:t>
+                        </m:r>
+                        <m:r>
+                          <a:rPr lang="en-US" b="1" i="1" smtClean="0">
+                            <a:latin typeface="Cambria Math" panose="02040503050406030204" pitchFamily="18" charset="0"/>
+                          </a:rPr>
+                          <m:t>𝒃</m:t>
+                        </m:r>
+                      </m:e>
+                    </m:d>
+                    <m:r>
+                      <a:rPr lang="en-US" b="1" i="0" smtClean="0">
+                        <a:latin typeface="Cambria Math" panose="02040503050406030204" pitchFamily="18" charset="0"/>
+                      </a:rPr>
+                      <m:t>−</m:t>
+                    </m:r>
+                    <m:sSub>
+                      <m:sSubPr>
+                        <m:ctrlPr>
+                          <a:rPr lang="en-US" b="1" i="1" smtClean="0">
+                            <a:latin typeface="Cambria Math" panose="02040503050406030204" pitchFamily="18" charset="0"/>
+                          </a:rPr>
+                        </m:ctrlPr>
+                      </m:sSubPr>
+                      <m:e>
+                        <m:r>
+                          <a:rPr lang="en-US" b="1" i="1" smtClean="0">
+                            <a:latin typeface="Cambria Math" panose="02040503050406030204" pitchFamily="18" charset="0"/>
+                          </a:rPr>
+                          <m:t>𝒚</m:t>
+                        </m:r>
+                      </m:e>
+                      <m:sub>
+                        <m:r>
+                          <a:rPr lang="en-US" b="1" i="1" smtClean="0">
+                            <a:latin typeface="Cambria Math" panose="02040503050406030204" pitchFamily="18" charset="0"/>
+                          </a:rPr>
+                          <m:t>𝒌</m:t>
+                        </m:r>
+                      </m:sub>
+                    </m:sSub>
+                    <m:r>
+                      <m:rPr>
+                        <m:nor/>
+                      </m:rPr>
+                      <a:rPr lang="en-US" b="1" i="0" smtClean="0">
+                        <a:latin typeface="Cambria Math" panose="02040503050406030204" pitchFamily="18" charset="0"/>
+                      </a:rPr>
+                      <m:t>]</m:t>
+                    </m:r>
+                  </m:oMath>
+                </a14:m>
+                <a:endParaRPr lang="en-US" b="1" dirty="0">
+                  <a:latin typeface="Garamond" panose="02020404030301010803" pitchFamily="18" charset="0"/>
+                </a:endParaRPr>
+              </a:p>
+              <a:p>
+                <a:pPr algn="ctr"/>
+                <a:endParaRPr lang="en-US" b="1" dirty="0">
+                  <a:latin typeface="Garamond" panose="02020404030301010803" pitchFamily="18" charset="0"/>
+                </a:endParaRPr>
+              </a:p>
+            </p:txBody>
+          </p:sp>
+        </mc:Choice>
+        <mc:Fallback xmlns="">
+          <p:sp>
+            <p:nvSpPr>
+              <p:cNvPr id="10" name="TextBox 9">
+                <a:extLst>
+                  <a:ext uri="{FF2B5EF4-FFF2-40B4-BE49-F238E27FC236}">
+                    <a16:creationId xmlns:a16="http://schemas.microsoft.com/office/drawing/2014/main" id="{44BA7FA2-94E1-3CDF-35CE-D74A748EA909}"/>
+                  </a:ext>
+                </a:extLst>
+              </p:cNvPr>
+              <p:cNvSpPr txBox="1">
+                <a:spLocks noRot="1" noChangeAspect="1" noMove="1" noResize="1" noEditPoints="1" noAdjustHandles="1" noChangeArrowheads="1" noChangeShapeType="1" noTextEdit="1"/>
+              </p:cNvSpPr>
+              <p:nvPr/>
+            </p:nvSpPr>
+            <p:spPr>
+              <a:xfrm>
+                <a:off x="763603" y="852169"/>
+                <a:ext cx="10425097" cy="2284087"/>
+              </a:xfrm>
+              <a:prstGeom prst="rect">
+                <a:avLst/>
+              </a:prstGeom>
+              <a:blipFill>
+                <a:blip r:embed="rId4"/>
+                <a:stretch>
+                  <a:fillRect b="-12778"/>
+                </a:stretch>
+              </a:blipFill>
+            </p:spPr>
+            <p:txBody>
+              <a:bodyPr/>
+              <a:lstStyle/>
+              <a:p>
+                <a:r>
+                  <a:rPr lang="en-US">
+                    <a:noFill/>
+                  </a:rPr>
+                  <a:t> </a:t>
+                </a:r>
+              </a:p>
+            </p:txBody>
+          </p:sp>
+        </mc:Fallback>
+      </mc:AlternateContent>
+      <p:sp>
+        <p:nvSpPr>
+          <p:cNvPr id="3" name="TextBox 2">
+            <a:extLst>
+              <a:ext uri="{FF2B5EF4-FFF2-40B4-BE49-F238E27FC236}">
+                <a16:creationId xmlns:a16="http://schemas.microsoft.com/office/drawing/2014/main" id="{F92CAC8A-3255-FDD9-AD57-967F0FC72BFF}"/>
+              </a:ext>
+            </a:extLst>
+          </p:cNvPr>
+          <p:cNvSpPr txBox="1"/>
+          <p:nvPr/>
+        </p:nvSpPr>
+        <p:spPr>
+          <a:xfrm>
+            <a:off x="190004" y="-502567"/>
+            <a:ext cx="10587789" cy="369332"/>
+          </a:xfrm>
+          <a:prstGeom prst="rect">
+            <a:avLst/>
+          </a:prstGeom>
+          <a:noFill/>
+        </p:spPr>
+        <p:txBody>
+          <a:bodyPr wrap="square">
+            <a:spAutoFit/>
+          </a:bodyPr>
+          <a:lstStyle/>
+          <a:p>
+            <a:r>
+              <a:rPr lang="en-US" dirty="0"/>
+              <a:t>https://</a:t>
+            </a:r>
+            <a:r>
+              <a:rPr lang="en-US" dirty="0" err="1"/>
+              <a:t>towardsdatascience.com</a:t>
+            </a:r>
+            <a:r>
+              <a:rPr lang="en-US" dirty="0"/>
+              <a:t>/logistic-regression-from-scratch-in-python-ec66603592e2</a:t>
+            </a:r>
+          </a:p>
+        </p:txBody>
+      </p:sp>
+      <p:cxnSp>
+        <p:nvCxnSpPr>
+          <p:cNvPr id="12" name="Straight Connector 11">
+            <a:extLst>
+              <a:ext uri="{FF2B5EF4-FFF2-40B4-BE49-F238E27FC236}">
+                <a16:creationId xmlns:a16="http://schemas.microsoft.com/office/drawing/2014/main" id="{192CAB3F-8A7C-4D5A-EE47-C92C164F6F22}"/>
+              </a:ext>
+            </a:extLst>
+          </p:cNvPr>
+          <p:cNvCxnSpPr>
+            <a:cxnSpLocks/>
+          </p:cNvCxnSpPr>
+          <p:nvPr/>
+        </p:nvCxnSpPr>
+        <p:spPr>
+          <a:xfrm>
+            <a:off x="6295241" y="4578609"/>
+            <a:ext cx="3712359" cy="0"/>
+          </a:xfrm>
+          <a:prstGeom prst="line">
+            <a:avLst/>
+          </a:prstGeom>
+          <a:ln w="28575"/>
+        </p:spPr>
+        <p:style>
+          <a:lnRef idx="1">
+            <a:schemeClr val="dk1"/>
+          </a:lnRef>
+          <a:fillRef idx="0">
+            <a:schemeClr val="dk1"/>
+          </a:fillRef>
+          <a:effectRef idx="0">
+            <a:schemeClr val="dk1"/>
+          </a:effectRef>
+          <a:fontRef idx="minor">
+            <a:schemeClr val="tx1"/>
+          </a:fontRef>
+        </p:style>
+      </p:cxnSp>
+      <p:sp>
+        <p:nvSpPr>
+          <p:cNvPr id="13" name="Down Arrow 12">
+            <a:extLst>
+              <a:ext uri="{FF2B5EF4-FFF2-40B4-BE49-F238E27FC236}">
+                <a16:creationId xmlns:a16="http://schemas.microsoft.com/office/drawing/2014/main" id="{94DDD5CA-301B-027C-E056-E1EE6D0F3A9C}"/>
+              </a:ext>
+            </a:extLst>
+          </p:cNvPr>
+          <p:cNvSpPr/>
+          <p:nvPr/>
+        </p:nvSpPr>
+        <p:spPr>
+          <a:xfrm>
+            <a:off x="6784215" y="4647663"/>
+            <a:ext cx="228600" cy="276225"/>
+          </a:xfrm>
+          <a:prstGeom prst="downArrow">
+            <a:avLst/>
+          </a:prstGeom>
+          <a:solidFill>
+            <a:srgbClr val="2E9386"/>
+          </a:solidFill>
+        </p:spPr>
+        <p:style>
+          <a:lnRef idx="2">
+            <a:schemeClr val="accent1">
+              <a:shade val="15000"/>
+            </a:schemeClr>
+          </a:lnRef>
+          <a:fillRef idx="1">
+            <a:schemeClr val="accent1"/>
+          </a:fillRef>
+          <a:effectRef idx="0">
+            <a:schemeClr val="accent1"/>
+          </a:effectRef>
+          <a:fontRef idx="minor">
+            <a:schemeClr val="lt1"/>
+          </a:fontRef>
+        </p:style>
+        <p:txBody>
+          <a:bodyPr rtlCol="0" anchor="ctr"/>
+          <a:lstStyle/>
+          <a:p>
+            <a:pPr algn="ctr"/>
+            <a:endParaRPr lang="en-US"/>
+          </a:p>
+        </p:txBody>
+      </p:sp>
+      <p:sp>
+        <p:nvSpPr>
+          <p:cNvPr id="14" name="Down Arrow 13">
+            <a:extLst>
+              <a:ext uri="{FF2B5EF4-FFF2-40B4-BE49-F238E27FC236}">
+                <a16:creationId xmlns:a16="http://schemas.microsoft.com/office/drawing/2014/main" id="{FD8B25B9-CDD9-C378-2580-BA23CB1BAEBF}"/>
+              </a:ext>
+            </a:extLst>
+          </p:cNvPr>
+          <p:cNvSpPr/>
+          <p:nvPr/>
+        </p:nvSpPr>
+        <p:spPr>
+          <a:xfrm rot="10800000">
+            <a:off x="9604973" y="4184826"/>
+            <a:ext cx="228600" cy="276225"/>
+          </a:xfrm>
+          <a:prstGeom prst="downArrow">
+            <a:avLst/>
+          </a:prstGeom>
+          <a:solidFill>
+            <a:srgbClr val="7E1F9C"/>
+          </a:solidFill>
+        </p:spPr>
+        <p:style>
+          <a:lnRef idx="2">
+            <a:schemeClr val="accent1">
+              <a:shade val="15000"/>
+            </a:schemeClr>
+          </a:lnRef>
+          <a:fillRef idx="1">
+            <a:schemeClr val="accent1"/>
+          </a:fillRef>
+          <a:effectRef idx="0">
+            <a:schemeClr val="accent1"/>
+          </a:effectRef>
+          <a:fontRef idx="minor">
+            <a:schemeClr val="lt1"/>
+          </a:fontRef>
+        </p:style>
+        <p:txBody>
+          <a:bodyPr rtlCol="0" anchor="ctr"/>
+          <a:lstStyle/>
+          <a:p>
+            <a:pPr algn="ctr"/>
+            <a:endParaRPr lang="en-US"/>
+          </a:p>
+        </p:txBody>
+      </p:sp>
+    </p:spTree>
+    <p:extLst>
+      <p:ext uri="{BB962C8B-B14F-4D97-AF65-F5344CB8AC3E}">
+        <p14:creationId xmlns:p14="http://schemas.microsoft.com/office/powerpoint/2010/main" val="1796820509"/>
+      </p:ext>
+    </p:extLst>
+  </p:cSld>
+  <p:clrMapOvr>
+    <a:masterClrMapping/>
+  </p:clrMapOvr>
+</p:sld>
+</file>
+
+<file path=ppt/slides/slide12.xml><?xml version="1.0" encoding="utf-8"?>
+<p:sld xmlns:a="http://schemas.openxmlformats.org/drawingml/2006/main" xmlns:r="http://schemas.openxmlformats.org/officeDocument/2006/relationships" xmlns:p="http://schemas.openxmlformats.org/presentationml/2006/main">
+  <p:cSld>
+    <p:spTree>
+      <p:nvGrpSpPr>
+        <p:cNvPr id="1" name=""/>
+        <p:cNvGrpSpPr/>
+        <p:nvPr/>
+      </p:nvGrpSpPr>
+      <p:grpSpPr>
+        <a:xfrm>
+          <a:off x="0" y="0"/>
+          <a:ext cx="0" cy="0"/>
+          <a:chOff x="0" y="0"/>
+          <a:chExt cx="0" cy="0"/>
+        </a:xfrm>
+      </p:grpSpPr>
+      <p:sp>
+        <p:nvSpPr>
           <p:cNvPr id="4" name="Right Triangle 3">
             <a:extLst>
               <a:ext uri="{FF2B5EF4-FFF2-40B4-BE49-F238E27FC236}">
@@ -5143,7 +7788,7 @@
 </p:sld>
 </file>
 
-<file path=ppt/slides/slide11.xml><?xml version="1.0" encoding="utf-8"?>
+<file path=ppt/slides/slide13.xml><?xml version="1.0" encoding="utf-8"?>
 <p:sld xmlns:a="http://schemas.openxmlformats.org/drawingml/2006/main" xmlns:r="http://schemas.openxmlformats.org/officeDocument/2006/relationships" xmlns:p="http://schemas.openxmlformats.org/presentationml/2006/main">
   <p:cSld>
     <p:spTree>
@@ -5316,7 +7961,7 @@
 </p:sld>
 </file>
 
-<file path=ppt/slides/slide12.xml><?xml version="1.0" encoding="utf-8"?>
+<file path=ppt/slides/slide14.xml><?xml version="1.0" encoding="utf-8"?>
 <p:sld xmlns:a="http://schemas.openxmlformats.org/drawingml/2006/main" xmlns:r="http://schemas.openxmlformats.org/officeDocument/2006/relationships" xmlns:p="http://schemas.openxmlformats.org/presentationml/2006/main">
   <p:cSld>
     <p:spTree>
@@ -5396,7 +8041,7 @@
 </p:sld>
 </file>
 
-<file path=ppt/slides/slide13.xml><?xml version="1.0" encoding="utf-8"?>
+<file path=ppt/slides/slide15.xml><?xml version="1.0" encoding="utf-8"?>
 <p:sld xmlns:a="http://schemas.openxmlformats.org/drawingml/2006/main" xmlns:r="http://schemas.openxmlformats.org/officeDocument/2006/relationships" xmlns:p="http://schemas.openxmlformats.org/presentationml/2006/main">
   <p:cSld>
     <p:spTree>
@@ -5497,8 +8142,8 @@
           </a:p>
         </p:txBody>
       </p:sp>
-      <mc:AlternateContent xmlns:mc="http://schemas.openxmlformats.org/markup-compatibility/2006">
-        <mc:Choice xmlns:a14="http://schemas.microsoft.com/office/drawing/2010/main" Requires="a14">
+      <mc:AlternateContent xmlns:mc="http://schemas.openxmlformats.org/markup-compatibility/2006" xmlns:a14="http://schemas.microsoft.com/office/drawing/2010/main">
+        <mc:Choice Requires="a14">
           <p:sp>
             <p:nvSpPr>
               <p:cNvPr id="12" name="TextBox 11">
@@ -5938,7 +8583,7 @@
             </p:txBody>
           </p:sp>
         </mc:Choice>
-        <mc:Fallback>
+        <mc:Fallback xmlns="">
           <p:sp>
             <p:nvSpPr>
               <p:cNvPr id="12" name="TextBox 11">
@@ -5983,8 +8628,8 @@
           </p:sp>
         </mc:Fallback>
       </mc:AlternateContent>
-      <mc:AlternateContent xmlns:mc="http://schemas.openxmlformats.org/markup-compatibility/2006">
-        <mc:Choice xmlns:a14="http://schemas.microsoft.com/office/drawing/2010/main" Requires="a14">
+      <mc:AlternateContent xmlns:mc="http://schemas.openxmlformats.org/markup-compatibility/2006" xmlns:a14="http://schemas.microsoft.com/office/drawing/2010/main">
+        <mc:Choice Requires="a14">
           <p:sp>
             <p:nvSpPr>
               <p:cNvPr id="13" name="TextBox 12">
@@ -6263,7 +8908,7 @@
             </p:txBody>
           </p:sp>
         </mc:Choice>
-        <mc:Fallback>
+        <mc:Fallback xmlns="">
           <p:sp>
             <p:nvSpPr>
               <p:cNvPr id="13" name="TextBox 12">
@@ -6427,8 +9072,8 @@
           <a:chExt cx="0" cy="0"/>
         </a:xfrm>
       </p:grpSpPr>
-      <mc:AlternateContent xmlns:mc="http://schemas.openxmlformats.org/markup-compatibility/2006">
-        <mc:Choice xmlns:a14="http://schemas.microsoft.com/office/drawing/2010/main" Requires="a14">
+      <mc:AlternateContent xmlns:mc="http://schemas.openxmlformats.org/markup-compatibility/2006" xmlns:a14="http://schemas.microsoft.com/office/drawing/2010/main">
+        <mc:Choice Requires="a14">
           <p:sp>
             <p:nvSpPr>
               <p:cNvPr id="26" name="TextBox 25">
@@ -6602,7 +9247,7 @@
             </p:txBody>
           </p:sp>
         </mc:Choice>
-        <mc:Fallback>
+        <mc:Fallback xmlns="">
           <p:sp>
             <p:nvSpPr>
               <p:cNvPr id="26" name="TextBox 25">
@@ -8714,8 +11359,8 @@
           </a:p>
         </p:txBody>
       </p:sp>
-      <mc:AlternateContent xmlns:mc="http://schemas.openxmlformats.org/markup-compatibility/2006">
-        <mc:Choice xmlns:a14="http://schemas.microsoft.com/office/drawing/2010/main" Requires="a14">
+      <mc:AlternateContent xmlns:mc="http://schemas.openxmlformats.org/markup-compatibility/2006" xmlns:a14="http://schemas.microsoft.com/office/drawing/2010/main">
+        <mc:Choice Requires="a14">
           <p:sp>
             <p:nvSpPr>
               <p:cNvPr id="33" name="TextBox 32">
@@ -8993,7 +11638,7 @@
             </p:txBody>
           </p:sp>
         </mc:Choice>
-        <mc:Fallback>
+        <mc:Fallback xmlns="">
           <p:sp>
             <p:nvSpPr>
               <p:cNvPr id="33" name="TextBox 32">
@@ -9038,8 +11683,8 @@
           </p:sp>
         </mc:Fallback>
       </mc:AlternateContent>
-      <mc:AlternateContent xmlns:mc="http://schemas.openxmlformats.org/markup-compatibility/2006">
-        <mc:Choice xmlns:a14="http://schemas.microsoft.com/office/drawing/2010/main" Requires="a14">
+      <mc:AlternateContent xmlns:mc="http://schemas.openxmlformats.org/markup-compatibility/2006" xmlns:a14="http://schemas.microsoft.com/office/drawing/2010/main">
+        <mc:Choice Requires="a14">
           <p:sp>
             <p:nvSpPr>
               <p:cNvPr id="35" name="TextBox 34">
@@ -9109,7 +11754,7 @@
             </p:txBody>
           </p:sp>
         </mc:Choice>
-        <mc:Fallback>
+        <mc:Fallback xmlns="">
           <p:sp>
             <p:nvSpPr>
               <p:cNvPr id="35" name="TextBox 34">
@@ -9154,8 +11799,8 @@
           </p:sp>
         </mc:Fallback>
       </mc:AlternateContent>
-      <mc:AlternateContent xmlns:mc="http://schemas.openxmlformats.org/markup-compatibility/2006">
-        <mc:Choice xmlns:a14="http://schemas.microsoft.com/office/drawing/2010/main" Requires="a14">
+      <mc:AlternateContent xmlns:mc="http://schemas.openxmlformats.org/markup-compatibility/2006" xmlns:a14="http://schemas.microsoft.com/office/drawing/2010/main">
+        <mc:Choice Requires="a14">
           <p:sp>
             <p:nvSpPr>
               <p:cNvPr id="38" name="TextBox 37">
@@ -9375,7 +12020,7 @@
             </p:txBody>
           </p:sp>
         </mc:Choice>
-        <mc:Fallback>
+        <mc:Fallback xmlns="">
           <p:sp>
             <p:nvSpPr>
               <p:cNvPr id="38" name="TextBox 37">
@@ -10054,8 +12699,8 @@
           </a:fontRef>
         </p:style>
       </p:cxnSp>
-      <mc:AlternateContent xmlns:mc="http://schemas.openxmlformats.org/markup-compatibility/2006">
-        <mc:Choice xmlns:a14="http://schemas.microsoft.com/office/drawing/2010/main" Requires="a14">
+      <mc:AlternateContent xmlns:mc="http://schemas.openxmlformats.org/markup-compatibility/2006" xmlns:a14="http://schemas.microsoft.com/office/drawing/2010/main">
+        <mc:Choice Requires="a14">
           <p:sp>
             <p:nvSpPr>
               <p:cNvPr id="36" name="TextBox 35">
@@ -10133,7 +12778,7 @@
             </p:txBody>
           </p:sp>
         </mc:Choice>
-        <mc:Fallback>
+        <mc:Fallback xmlns="">
           <p:sp>
             <p:nvSpPr>
               <p:cNvPr id="36" name="TextBox 35">
@@ -10178,8 +12823,8 @@
           </p:sp>
         </mc:Fallback>
       </mc:AlternateContent>
-      <mc:AlternateContent xmlns:mc="http://schemas.openxmlformats.org/markup-compatibility/2006">
-        <mc:Choice xmlns:a14="http://schemas.microsoft.com/office/drawing/2010/main" Requires="a14">
+      <mc:AlternateContent xmlns:mc="http://schemas.openxmlformats.org/markup-compatibility/2006" xmlns:a14="http://schemas.microsoft.com/office/drawing/2010/main">
+        <mc:Choice Requires="a14">
           <p:sp>
             <p:nvSpPr>
               <p:cNvPr id="37" name="TextBox 36">
@@ -10257,7 +12902,7 @@
             </p:txBody>
           </p:sp>
         </mc:Choice>
-        <mc:Fallback>
+        <mc:Fallback xmlns="">
           <p:sp>
             <p:nvSpPr>
               <p:cNvPr id="37" name="TextBox 36">
@@ -10345,8 +12990,8 @@
           </a:p>
         </p:txBody>
       </p:sp>
-      <mc:AlternateContent xmlns:mc="http://schemas.openxmlformats.org/markup-compatibility/2006">
-        <mc:Choice xmlns:a14="http://schemas.microsoft.com/office/drawing/2010/main" Requires="a14">
+      <mc:AlternateContent xmlns:mc="http://schemas.openxmlformats.org/markup-compatibility/2006" xmlns:a14="http://schemas.microsoft.com/office/drawing/2010/main">
+        <mc:Choice Requires="a14">
           <p:sp>
             <p:nvSpPr>
               <p:cNvPr id="45" name="TextBox 44">
@@ -10600,7 +13245,7 @@
             </p:txBody>
           </p:sp>
         </mc:Choice>
-        <mc:Fallback>
+        <mc:Fallback xmlns="">
           <p:sp>
             <p:nvSpPr>
               <p:cNvPr id="45" name="TextBox 44">
@@ -10818,8 +13463,8 @@
           </a:p>
         </p:txBody>
       </p:sp>
-      <mc:AlternateContent xmlns:mc="http://schemas.openxmlformats.org/markup-compatibility/2006">
-        <mc:Choice xmlns:a14="http://schemas.microsoft.com/office/drawing/2010/main" Requires="a14">
+      <mc:AlternateContent xmlns:mc="http://schemas.openxmlformats.org/markup-compatibility/2006" xmlns:a14="http://schemas.microsoft.com/office/drawing/2010/main">
+        <mc:Choice Requires="a14">
           <p:sp>
             <p:nvSpPr>
               <p:cNvPr id="33" name="TextBox 32">
@@ -10960,7 +13605,7 @@
             </p:txBody>
           </p:sp>
         </mc:Choice>
-        <mc:Fallback>
+        <mc:Fallback xmlns="">
           <p:sp>
             <p:nvSpPr>
               <p:cNvPr id="33" name="TextBox 32">
@@ -11093,8 +13738,8 @@
           </a:fontRef>
         </p:style>
       </p:cxnSp>
-      <mc:AlternateContent xmlns:mc="http://schemas.openxmlformats.org/markup-compatibility/2006">
-        <mc:Choice xmlns:a14="http://schemas.microsoft.com/office/drawing/2010/main" Requires="a14">
+      <mc:AlternateContent xmlns:mc="http://schemas.openxmlformats.org/markup-compatibility/2006" xmlns:a14="http://schemas.microsoft.com/office/drawing/2010/main">
+        <mc:Choice Requires="a14">
           <p:sp>
             <p:nvSpPr>
               <p:cNvPr id="4" name="TextBox 3">
@@ -11689,7 +14334,7 @@
             </p:txBody>
           </p:sp>
         </mc:Choice>
-        <mc:Fallback>
+        <mc:Fallback xmlns="">
           <p:sp>
             <p:nvSpPr>
               <p:cNvPr id="4" name="TextBox 3">
@@ -11734,8 +14379,8 @@
           </p:sp>
         </mc:Fallback>
       </mc:AlternateContent>
-      <mc:AlternateContent xmlns:mc="http://schemas.openxmlformats.org/markup-compatibility/2006">
-        <mc:Choice xmlns:a14="http://schemas.microsoft.com/office/drawing/2010/main" Requires="a14">
+      <mc:AlternateContent xmlns:mc="http://schemas.openxmlformats.org/markup-compatibility/2006" xmlns:a14="http://schemas.microsoft.com/office/drawing/2010/main">
+        <mc:Choice Requires="a14">
           <p:sp>
             <p:nvSpPr>
               <p:cNvPr id="5" name="TextBox 4">
@@ -11957,7 +14602,7 @@
             </p:txBody>
           </p:sp>
         </mc:Choice>
-        <mc:Fallback>
+        <mc:Fallback xmlns="">
           <p:sp>
             <p:nvSpPr>
               <p:cNvPr id="5" name="TextBox 4">
@@ -12227,8 +14872,8 @@
           </a:p>
         </p:txBody>
       </p:sp>
-      <mc:AlternateContent xmlns:mc="http://schemas.openxmlformats.org/markup-compatibility/2006">
-        <mc:Choice xmlns:a14="http://schemas.microsoft.com/office/drawing/2010/main" Requires="a14">
+      <mc:AlternateContent xmlns:mc="http://schemas.openxmlformats.org/markup-compatibility/2006" xmlns:a14="http://schemas.microsoft.com/office/drawing/2010/main">
+        <mc:Choice Requires="a14">
           <p:sp>
             <p:nvSpPr>
               <p:cNvPr id="10" name="TextBox 9">
@@ -13573,7 +16218,7 @@
             </p:txBody>
           </p:sp>
         </mc:Choice>
-        <mc:Fallback>
+        <mc:Fallback xmlns="">
           <p:sp>
             <p:nvSpPr>
               <p:cNvPr id="10" name="TextBox 9">
@@ -13618,8 +16263,8 @@
           </p:sp>
         </mc:Fallback>
       </mc:AlternateContent>
-      <mc:AlternateContent xmlns:mc="http://schemas.openxmlformats.org/markup-compatibility/2006">
-        <mc:Choice xmlns:a14="http://schemas.microsoft.com/office/drawing/2010/main" Requires="a14">
+      <mc:AlternateContent xmlns:mc="http://schemas.openxmlformats.org/markup-compatibility/2006" xmlns:a14="http://schemas.microsoft.com/office/drawing/2010/main">
+        <mc:Choice Requires="a14">
           <p:sp>
             <p:nvSpPr>
               <p:cNvPr id="11" name="TextBox 10">
@@ -13648,7 +16293,6 @@
               </a:bodyPr>
               <a:lstStyle/>
               <a:p>
-                <a:pPr/>
                 <a:r>
                   <a:rPr lang="en-US" sz="1800" u="sng" dirty="0">
                     <a:latin typeface="Garamond" panose="02020404030301010803" pitchFamily="18" charset="0"/>
@@ -13657,7 +16301,6 @@
                 </a:r>
               </a:p>
               <a:p>
-                <a:pPr/>
                 <a:r>
                   <a:rPr lang="en-US" dirty="0">
                     <a:latin typeface="Garamond" panose="02020404030301010803" pitchFamily="18" charset="0"/>
@@ -13686,7 +16329,6 @@
                 </a:endParaRPr>
               </a:p>
               <a:p>
-                <a:pPr/>
                 <a:r>
                   <a:rPr lang="en-US" dirty="0">
                     <a:latin typeface="Garamond" panose="02020404030301010803" pitchFamily="18" charset="0"/>
@@ -13695,7 +16337,6 @@
                 </a:r>
               </a:p>
               <a:p>
-                <a:pPr/>
                 <a:r>
                   <a:rPr lang="en-US" dirty="0">
                     <a:latin typeface="Garamond" panose="02020404030301010803" pitchFamily="18" charset="0"/>
@@ -13704,7 +16345,6 @@
                 </a:r>
               </a:p>
               <a:p>
-                <a:pPr/>
                 <a:r>
                   <a:rPr lang="en-US" b="1" dirty="0">
                     <a:latin typeface="Garamond" panose="02020404030301010803" pitchFamily="18" charset="0"/>
@@ -13725,7 +16365,6 @@
                 </a:r>
               </a:p>
               <a:p>
-                <a:pPr/>
                 <a:r>
                   <a:rPr lang="en-US" dirty="0">
                     <a:latin typeface="Garamond" panose="02020404030301010803" pitchFamily="18" charset="0"/>
@@ -13770,7 +16409,6 @@
                 </a:r>
               </a:p>
               <a:p>
-                <a:pPr/>
                 <a:r>
                   <a:rPr lang="en-US" dirty="0">
                     <a:latin typeface="Garamond" panose="02020404030301010803" pitchFamily="18" charset="0"/>
@@ -13779,7 +16417,6 @@
                 </a:r>
               </a:p>
               <a:p>
-                <a:pPr/>
                 <a:r>
                   <a:rPr lang="en-US" dirty="0">
                     <a:latin typeface="Garamond" panose="02020404030301010803" pitchFamily="18" charset="0"/>
@@ -13887,7 +16524,6 @@
                 </a:endParaRPr>
               </a:p>
               <a:p>
-                <a:pPr/>
                 <a:r>
                   <a:rPr lang="en-US" dirty="0">
                     <a:latin typeface="Garamond" panose="02020404030301010803" pitchFamily="18" charset="0"/>
@@ -13994,7 +16630,6 @@
                 </a:endParaRPr>
               </a:p>
               <a:p>
-                <a:pPr/>
                 <a:r>
                   <a:rPr lang="en-US" dirty="0">
                     <a:latin typeface="Garamond" panose="02020404030301010803" pitchFamily="18" charset="0"/>
@@ -14195,7 +16830,6 @@
                 </a:r>
               </a:p>
               <a:p>
-                <a:pPr/>
                 <a:r>
                   <a:rPr lang="en-US" dirty="0">
                     <a:latin typeface="Garamond" panose="02020404030301010803" pitchFamily="18" charset="0"/>
@@ -14245,13 +16879,7 @@
                       <a:rPr lang="en-US" b="1" i="1" smtClean="0">
                         <a:latin typeface="Cambria Math" panose="02040503050406030204" pitchFamily="18" charset="0"/>
                       </a:rPr>
-                      <m:t> </m:t>
-                    </m:r>
-                    <m:r>
-                      <a:rPr lang="en-US" b="1" i="1" smtClean="0">
-                        <a:latin typeface="Cambria Math" panose="02040503050406030204" pitchFamily="18" charset="0"/>
-                      </a:rPr>
-                      <m:t>(−</m:t>
+                      <m:t> (−</m:t>
                     </m:r>
                     <m:r>
                       <a:rPr lang="en-US" b="1" i="1" smtClean="0">
@@ -14355,7 +16983,6 @@
                 </a:endParaRPr>
               </a:p>
               <a:p>
-                <a:pPr/>
                 <a:r>
                   <a:rPr lang="en-US" dirty="0">
                     <a:latin typeface="Garamond" panose="02020404030301010803" pitchFamily="18" charset="0"/>
@@ -14523,7 +17150,7 @@
             </p:txBody>
           </p:sp>
         </mc:Choice>
-        <mc:Fallback>
+        <mc:Fallback xmlns="">
           <p:sp>
             <p:nvSpPr>
               <p:cNvPr id="11" name="TextBox 10">
@@ -15716,8 +18343,8 @@
           </a:p>
         </p:txBody>
       </p:sp>
-      <mc:AlternateContent xmlns:mc="http://schemas.openxmlformats.org/markup-compatibility/2006">
-        <mc:Choice xmlns:a14="http://schemas.microsoft.com/office/drawing/2010/main" Requires="a14">
+      <mc:AlternateContent xmlns:mc="http://schemas.openxmlformats.org/markup-compatibility/2006" xmlns:a14="http://schemas.microsoft.com/office/drawing/2010/main">
+        <mc:Choice Requires="a14">
           <p:sp>
             <p:nvSpPr>
               <p:cNvPr id="29" name="TextBox 28">
@@ -15884,7 +18511,7 @@
             </p:txBody>
           </p:sp>
         </mc:Choice>
-        <mc:Fallback>
+        <mc:Fallback xmlns="">
           <p:sp>
             <p:nvSpPr>
               <p:cNvPr id="29" name="TextBox 28">
@@ -16002,72 +18629,12 @@
           <a:chExt cx="0" cy="0"/>
         </a:xfrm>
       </p:grpSpPr>
-      <p:pic>
-        <p:nvPicPr>
-          <p:cNvPr id="7" name="Picture 6">
-            <a:extLst>
-              <a:ext uri="{FF2B5EF4-FFF2-40B4-BE49-F238E27FC236}">
-                <a16:creationId xmlns:a16="http://schemas.microsoft.com/office/drawing/2014/main" id="{D057A2BE-79B8-043B-6CBA-B97204A01CAD}"/>
-              </a:ext>
-            </a:extLst>
-          </p:cNvPr>
-          <p:cNvPicPr>
-            <a:picLocks noChangeAspect="1"/>
-          </p:cNvPicPr>
-          <p:nvPr/>
-        </p:nvPicPr>
-        <p:blipFill>
-          <a:blip r:embed="rId2"/>
-          <a:stretch>
-            <a:fillRect/>
-          </a:stretch>
-        </p:blipFill>
-        <p:spPr>
-          <a:xfrm>
-            <a:off x="5793940" y="3037818"/>
-            <a:ext cx="4383932" cy="3416445"/>
-          </a:xfrm>
-          <a:prstGeom prst="rect">
-            <a:avLst/>
-          </a:prstGeom>
-        </p:spPr>
-      </p:pic>
-      <p:pic>
-        <p:nvPicPr>
-          <p:cNvPr id="6" name="Picture 5">
-            <a:extLst>
-              <a:ext uri="{FF2B5EF4-FFF2-40B4-BE49-F238E27FC236}">
-                <a16:creationId xmlns:a16="http://schemas.microsoft.com/office/drawing/2014/main" id="{E36DB13D-6BED-E26F-7D11-7CA66EE6FB8F}"/>
-              </a:ext>
-            </a:extLst>
-          </p:cNvPr>
-          <p:cNvPicPr>
-            <a:picLocks noChangeAspect="1"/>
-          </p:cNvPicPr>
-          <p:nvPr/>
-        </p:nvPicPr>
-        <p:blipFill>
-          <a:blip r:embed="rId3"/>
-          <a:stretch>
-            <a:fillRect/>
-          </a:stretch>
-        </p:blipFill>
-        <p:spPr>
-          <a:xfrm>
-            <a:off x="1600200" y="3098313"/>
-            <a:ext cx="4198619" cy="3356960"/>
-          </a:xfrm>
-          <a:prstGeom prst="rect">
-            <a:avLst/>
-          </a:prstGeom>
-        </p:spPr>
-      </p:pic>
       <p:sp>
         <p:nvSpPr>
           <p:cNvPr id="4" name="Right Triangle 3">
             <a:extLst>
               <a:ext uri="{FF2B5EF4-FFF2-40B4-BE49-F238E27FC236}">
-                <a16:creationId xmlns:a16="http://schemas.microsoft.com/office/drawing/2014/main" id="{580DCA4E-BC5E-8275-E612-6D34850A30AB}"/>
+                <a16:creationId xmlns:a16="http://schemas.microsoft.com/office/drawing/2014/main" id="{9722BE54-9107-17E6-6314-EBC52062F49C}"/>
               </a:ext>
             </a:extLst>
           </p:cNvPr>
@@ -16121,7 +18688,7 @@
           <p:cNvPr id="5" name="Rectangle 4">
             <a:extLst>
               <a:ext uri="{FF2B5EF4-FFF2-40B4-BE49-F238E27FC236}">
-                <a16:creationId xmlns:a16="http://schemas.microsoft.com/office/drawing/2014/main" id="{DFAC3E4F-3304-EEE3-8769-83324C3E5FDD}"/>
+                <a16:creationId xmlns:a16="http://schemas.microsoft.com/office/drawing/2014/main" id="{647EFD3C-134B-4D99-9050-3BD18B51EBB8}"/>
               </a:ext>
             </a:extLst>
           </p:cNvPr>
@@ -16170,10 +18737,10 @@
       </p:sp>
       <p:sp>
         <p:nvSpPr>
-          <p:cNvPr id="8" name="TextBox 7">
+          <p:cNvPr id="7" name="TextBox 6">
             <a:extLst>
               <a:ext uri="{FF2B5EF4-FFF2-40B4-BE49-F238E27FC236}">
-                <a16:creationId xmlns:a16="http://schemas.microsoft.com/office/drawing/2014/main" id="{93649506-C666-99CB-4337-8123C6BBF09B}"/>
+                <a16:creationId xmlns:a16="http://schemas.microsoft.com/office/drawing/2014/main" id="{B5642561-EC48-CA67-BF8E-67BC2016E5D7}"/>
               </a:ext>
             </a:extLst>
           </p:cNvPr>
@@ -16182,8 +18749,8 @@
         </p:nvSpPr>
         <p:spPr>
           <a:xfrm>
-            <a:off x="763603" y="439682"/>
-            <a:ext cx="10664792" cy="372025"/>
+            <a:off x="645172" y="579616"/>
+            <a:ext cx="11160489" cy="483915"/>
           </a:xfrm>
           <a:prstGeom prst="rect">
             <a:avLst/>
@@ -16205,1239 +18772,20 @@
               </a:spcAft>
             </a:pPr>
             <a:r>
-              <a:rPr lang="en-US" sz="2000" dirty="0">
+              <a:rPr lang="en-US" sz="2800" b="1" dirty="0">
                 <a:latin typeface="Garamond" panose="02020404030301010803" pitchFamily="18" charset="0"/>
               </a:rPr>
-              <a:t>Let’s bring this into the real world with an example: </a:t>
-            </a:r>
-            <a:r>
-              <a:rPr lang="en-US" sz="2000" b="1" dirty="0">
-                <a:latin typeface="Garamond" panose="02020404030301010803" pitchFamily="18" charset="0"/>
-              </a:rPr>
-              <a:t>Logistic Regression </a:t>
+              <a:t>Why is SGD a powerful idea?</a:t>
             </a:r>
           </a:p>
         </p:txBody>
       </p:sp>
-      <mc:AlternateContent xmlns:mc="http://schemas.openxmlformats.org/markup-compatibility/2006">
-        <mc:Choice xmlns:a14="http://schemas.microsoft.com/office/drawing/2010/main" Requires="a14">
-          <p:sp>
-            <p:nvSpPr>
-              <p:cNvPr id="10" name="TextBox 9">
-                <a:extLst>
-                  <a:ext uri="{FF2B5EF4-FFF2-40B4-BE49-F238E27FC236}">
-                    <a16:creationId xmlns:a16="http://schemas.microsoft.com/office/drawing/2014/main" id="{44BA7FA2-94E1-3CDF-35CE-D74A748EA909}"/>
-                  </a:ext>
-                </a:extLst>
-              </p:cNvPr>
-              <p:cNvSpPr txBox="1"/>
-              <p:nvPr/>
-            </p:nvSpPr>
-            <p:spPr>
-              <a:xfrm>
-                <a:off x="763603" y="852169"/>
-                <a:ext cx="10425097" cy="2284087"/>
-              </a:xfrm>
-              <a:prstGeom prst="rect">
-                <a:avLst/>
-              </a:prstGeom>
-              <a:noFill/>
-            </p:spPr>
-            <p:txBody>
-              <a:bodyPr wrap="square">
-                <a:spAutoFit/>
-              </a:bodyPr>
-              <a:lstStyle/>
-              <a:p>
-                <a:pPr marL="285750" indent="-285750" algn="ctr">
-                  <a:buFont typeface="Arial" panose="020B0604020202020204" pitchFamily="34" charset="0"/>
-                  <a:buChar char="•"/>
-                </a:pPr>
-                <a:r>
-                  <a:rPr lang="en-US" dirty="0">
-                    <a:latin typeface="Garamond" panose="02020404030301010803" pitchFamily="18" charset="0"/>
-                  </a:rPr>
-                  <a:t>Sigmoid function: </a:t>
-                </a:r>
-                <a14:m>
-                  <m:oMath xmlns:m="http://schemas.openxmlformats.org/officeDocument/2006/math">
-                    <m:r>
-                      <m:rPr>
-                        <m:sty m:val="p"/>
-                      </m:rPr>
-                      <a:rPr lang="el-GR" b="0" i="1" smtClean="0">
-                        <a:latin typeface="Cambria Math" panose="02040503050406030204" pitchFamily="18" charset="0"/>
-                        <a:ea typeface="Cambria Math" panose="02040503050406030204" pitchFamily="18" charset="0"/>
-                      </a:rPr>
-                      <m:t>σ</m:t>
-                    </m:r>
-                    <m:r>
-                      <a:rPr lang="en-US" b="0" i="0" smtClean="0">
-                        <a:latin typeface="Cambria Math" panose="02040503050406030204" pitchFamily="18" charset="0"/>
-                      </a:rPr>
-                      <m:t>(</m:t>
-                    </m:r>
-                    <m:r>
-                      <m:rPr>
-                        <m:sty m:val="p"/>
-                      </m:rPr>
-                      <a:rPr lang="en-US" b="0" i="0" smtClean="0">
-                        <a:latin typeface="Cambria Math" panose="02040503050406030204" pitchFamily="18" charset="0"/>
-                      </a:rPr>
-                      <m:t>z</m:t>
-                    </m:r>
-                    <m:r>
-                      <a:rPr lang="en-US" b="0" i="0" smtClean="0">
-                        <a:latin typeface="Cambria Math" panose="02040503050406030204" pitchFamily="18" charset="0"/>
-                      </a:rPr>
-                      <m:t>)= </m:t>
-                    </m:r>
-                    <m:f>
-                      <m:fPr>
-                        <m:ctrlPr>
-                          <a:rPr lang="en-US" i="1" smtClean="0">
-                            <a:latin typeface="Cambria Math" panose="02040503050406030204" pitchFamily="18" charset="0"/>
-                          </a:rPr>
-                        </m:ctrlPr>
-                      </m:fPr>
-                      <m:num>
-                        <m:r>
-                          <a:rPr lang="en-US" b="0" i="1" smtClean="0">
-                            <a:latin typeface="Cambria Math" panose="02040503050406030204" pitchFamily="18" charset="0"/>
-                          </a:rPr>
-                          <m:t>1</m:t>
-                        </m:r>
-                      </m:num>
-                      <m:den>
-                        <m:r>
-                          <a:rPr lang="en-US" b="0" i="1" smtClean="0">
-                            <a:latin typeface="Cambria Math" panose="02040503050406030204" pitchFamily="18" charset="0"/>
-                          </a:rPr>
-                          <m:t>1+</m:t>
-                        </m:r>
-                        <m:r>
-                          <m:rPr>
-                            <m:sty m:val="p"/>
-                          </m:rPr>
-                          <a:rPr lang="en-US" b="0" i="0" smtClean="0">
-                            <a:latin typeface="Cambria Math" panose="02040503050406030204" pitchFamily="18" charset="0"/>
-                          </a:rPr>
-                          <m:t>exp</m:t>
-                        </m:r>
-                        <m:r>
-                          <a:rPr lang="en-US" b="0" i="1" smtClean="0">
-                            <a:latin typeface="Cambria Math" panose="02040503050406030204" pitchFamily="18" charset="0"/>
-                          </a:rPr>
-                          <m:t>⁡(−</m:t>
-                        </m:r>
-                        <m:r>
-                          <a:rPr lang="en-US" b="0" i="1" smtClean="0">
-                            <a:latin typeface="Cambria Math" panose="02040503050406030204" pitchFamily="18" charset="0"/>
-                          </a:rPr>
-                          <m:t>𝑧</m:t>
-                        </m:r>
-                        <m:r>
-                          <a:rPr lang="en-US" b="0" i="1" smtClean="0">
-                            <a:latin typeface="Cambria Math" panose="02040503050406030204" pitchFamily="18" charset="0"/>
-                          </a:rPr>
-                          <m:t>)</m:t>
-                        </m:r>
-                      </m:den>
-                    </m:f>
-                  </m:oMath>
-                </a14:m>
-                <a:endParaRPr lang="en-US" sz="1800" dirty="0">
-                  <a:latin typeface="Garamond" panose="02020404030301010803" pitchFamily="18" charset="0"/>
-                </a:endParaRPr>
-              </a:p>
-              <a:p>
-                <a:pPr marL="285750" indent="-285750" algn="ctr">
-                  <a:buFont typeface="Arial" panose="020B0604020202020204" pitchFamily="34" charset="0"/>
-                  <a:buChar char="•"/>
-                </a:pPr>
-                <a:r>
-                  <a:rPr lang="en-US" sz="1800" dirty="0">
-                    <a:latin typeface="Garamond" panose="02020404030301010803" pitchFamily="18" charset="0"/>
-                  </a:rPr>
-                  <a:t>Model: </a:t>
-                </a:r>
-                <a14:m>
-                  <m:oMath xmlns:m="http://schemas.openxmlformats.org/officeDocument/2006/math">
-                    <m:acc>
-                      <m:accPr>
-                        <m:chr m:val="̂"/>
-                        <m:ctrlPr>
-                          <a:rPr lang="en-US" sz="1800" b="1" i="1" smtClean="0">
-                            <a:latin typeface="Cambria Math" panose="02040503050406030204" pitchFamily="18" charset="0"/>
-                          </a:rPr>
-                        </m:ctrlPr>
-                      </m:accPr>
-                      <m:e>
-                        <m:r>
-                          <a:rPr lang="en-US" sz="1800" b="1" i="1" smtClean="0">
-                            <a:latin typeface="Cambria Math" panose="02040503050406030204" pitchFamily="18" charset="0"/>
-                          </a:rPr>
-                          <m:t>𝒚</m:t>
-                        </m:r>
-                        <m:r>
-                          <a:rPr lang="en-US" sz="1800" b="1" i="1" smtClean="0">
-                            <a:latin typeface="Cambria Math" panose="02040503050406030204" pitchFamily="18" charset="0"/>
-                          </a:rPr>
-                          <m:t> </m:t>
-                        </m:r>
-                      </m:e>
-                    </m:acc>
-                    <m:r>
-                      <a:rPr lang="en-US" sz="1800" b="1" i="1" smtClean="0">
-                        <a:latin typeface="Cambria Math" panose="02040503050406030204" pitchFamily="18" charset="0"/>
-                      </a:rPr>
-                      <m:t>=</m:t>
-                    </m:r>
-                    <m:r>
-                      <m:rPr>
-                        <m:sty m:val="p"/>
-                      </m:rPr>
-                      <a:rPr lang="el-GR" b="0" i="1" smtClean="0">
-                        <a:latin typeface="Cambria Math" panose="02040503050406030204" pitchFamily="18" charset="0"/>
-                        <a:ea typeface="Cambria Math" panose="02040503050406030204" pitchFamily="18" charset="0"/>
-                      </a:rPr>
-                      <m:t>σ</m:t>
-                    </m:r>
-                    <m:r>
-                      <a:rPr lang="en-US" b="0" i="0" smtClean="0">
-                        <a:latin typeface="Cambria Math" panose="02040503050406030204" pitchFamily="18" charset="0"/>
-                      </a:rPr>
-                      <m:t>(</m:t>
-                    </m:r>
-                    <m:r>
-                      <a:rPr lang="en-US" sz="1800" b="1" i="1" smtClean="0">
-                        <a:latin typeface="Cambria Math" panose="02040503050406030204" pitchFamily="18" charset="0"/>
-                      </a:rPr>
-                      <m:t>𝒘𝑿</m:t>
-                    </m:r>
-                    <m:r>
-                      <a:rPr lang="en-US" sz="1800" b="1" i="1" smtClean="0">
-                        <a:latin typeface="Cambria Math" panose="02040503050406030204" pitchFamily="18" charset="0"/>
-                      </a:rPr>
-                      <m:t>+</m:t>
-                    </m:r>
-                    <m:r>
-                      <a:rPr lang="en-US" sz="1800" b="1" i="1" smtClean="0">
-                        <a:latin typeface="Cambria Math" panose="02040503050406030204" pitchFamily="18" charset="0"/>
-                      </a:rPr>
-                      <m:t>𝒃</m:t>
-                    </m:r>
-                    <m:r>
-                      <a:rPr lang="en-US" sz="1800" b="1" i="1" smtClean="0">
-                        <a:latin typeface="Cambria Math" panose="02040503050406030204" pitchFamily="18" charset="0"/>
-                      </a:rPr>
-                      <m:t>)</m:t>
-                    </m:r>
-                  </m:oMath>
-                </a14:m>
-                <a:endParaRPr lang="en-US" dirty="0"/>
-              </a:p>
-              <a:p>
-                <a:pPr marL="285750" indent="-285750" algn="ctr">
-                  <a:buFont typeface="Arial" panose="020B0604020202020204" pitchFamily="34" charset="0"/>
-                  <a:buChar char="•"/>
-                </a:pPr>
-                <a:r>
-                  <a:rPr lang="en-US" dirty="0">
-                    <a:latin typeface="Garamond" panose="02020404030301010803" pitchFamily="18" charset="0"/>
-                  </a:rPr>
-                  <a:t>Loss (</a:t>
-                </a:r>
-                <a14:m>
-                  <m:oMath xmlns:m="http://schemas.openxmlformats.org/officeDocument/2006/math">
-                    <m:r>
-                      <a:rPr lang="en-US" b="1" i="1" dirty="0" smtClean="0">
-                        <a:latin typeface="Cambria Math" panose="02040503050406030204" pitchFamily="18" charset="0"/>
-                      </a:rPr>
-                      <m:t>𝑳</m:t>
-                    </m:r>
-                  </m:oMath>
-                </a14:m>
-                <a:r>
-                  <a:rPr lang="en-US" dirty="0">
-                    <a:latin typeface="Garamond" panose="02020404030301010803" pitchFamily="18" charset="0"/>
-                  </a:rPr>
-                  <a:t>) function (mean squared error): </a:t>
-                </a:r>
-                <a14:m>
-                  <m:oMath xmlns:m="http://schemas.openxmlformats.org/officeDocument/2006/math">
-                    <m:r>
-                      <a:rPr lang="en-US" b="1" i="1" smtClean="0">
-                        <a:latin typeface="Cambria Math" panose="02040503050406030204" pitchFamily="18" charset="0"/>
-                      </a:rPr>
-                      <m:t>𝑳</m:t>
-                    </m:r>
-                    <m:d>
-                      <m:dPr>
-                        <m:ctrlPr>
-                          <a:rPr lang="en-US" b="1" i="1" smtClean="0">
-                            <a:latin typeface="Cambria Math" panose="02040503050406030204" pitchFamily="18" charset="0"/>
-                          </a:rPr>
-                        </m:ctrlPr>
-                      </m:dPr>
-                      <m:e>
-                        <m:r>
-                          <a:rPr lang="en-US" b="1" i="1" smtClean="0">
-                            <a:latin typeface="Cambria Math" panose="02040503050406030204" pitchFamily="18" charset="0"/>
-                          </a:rPr>
-                          <m:t>𝒘</m:t>
-                        </m:r>
-                        <m:r>
-                          <a:rPr lang="en-US" b="1" i="1" smtClean="0">
-                            <a:latin typeface="Cambria Math" panose="02040503050406030204" pitchFamily="18" charset="0"/>
-                          </a:rPr>
-                          <m:t>,</m:t>
-                        </m:r>
-                        <m:r>
-                          <a:rPr lang="en-US" b="1" i="1" smtClean="0">
-                            <a:latin typeface="Cambria Math" panose="02040503050406030204" pitchFamily="18" charset="0"/>
-                          </a:rPr>
-                          <m:t>𝒃</m:t>
-                        </m:r>
-                      </m:e>
-                    </m:d>
-                    <m:r>
-                      <a:rPr lang="en-US" b="1" i="1" smtClean="0">
-                        <a:latin typeface="Cambria Math" panose="02040503050406030204" pitchFamily="18" charset="0"/>
-                      </a:rPr>
-                      <m:t>=</m:t>
-                    </m:r>
-                    <m:f>
-                      <m:fPr>
-                        <m:ctrlPr>
-                          <a:rPr lang="en-US" b="1" i="1" smtClean="0">
-                            <a:latin typeface="Cambria Math" panose="02040503050406030204" pitchFamily="18" charset="0"/>
-                          </a:rPr>
-                        </m:ctrlPr>
-                      </m:fPr>
-                      <m:num>
-                        <m:r>
-                          <a:rPr lang="en-US" b="1" i="1" smtClean="0">
-                            <a:latin typeface="Cambria Math" panose="02040503050406030204" pitchFamily="18" charset="0"/>
-                          </a:rPr>
-                          <m:t>𝟏</m:t>
-                        </m:r>
-                      </m:num>
-                      <m:den>
-                        <m:r>
-                          <a:rPr lang="en-US" b="1" i="1" smtClean="0">
-                            <a:latin typeface="Cambria Math" panose="02040503050406030204" pitchFamily="18" charset="0"/>
-                          </a:rPr>
-                          <m:t>𝒏</m:t>
-                        </m:r>
-                      </m:den>
-                    </m:f>
-                    <m:nary>
-                      <m:naryPr>
-                        <m:chr m:val="∑"/>
-                        <m:ctrlPr>
-                          <a:rPr lang="en-US" b="1" i="1" smtClean="0">
-                            <a:latin typeface="Cambria Math" panose="02040503050406030204" pitchFamily="18" charset="0"/>
-                          </a:rPr>
-                        </m:ctrlPr>
-                      </m:naryPr>
-                      <m:sub>
-                        <m:r>
-                          <m:rPr>
-                            <m:brk m:alnAt="23"/>
-                          </m:rPr>
-                          <a:rPr lang="en-US" b="1" i="1" smtClean="0">
-                            <a:latin typeface="Cambria Math" panose="02040503050406030204" pitchFamily="18" charset="0"/>
-                          </a:rPr>
-                          <m:t>𝒌</m:t>
-                        </m:r>
-                        <m:r>
-                          <a:rPr lang="en-US" b="1" i="1" smtClean="0">
-                            <a:latin typeface="Cambria Math" panose="02040503050406030204" pitchFamily="18" charset="0"/>
-                          </a:rPr>
-                          <m:t>=</m:t>
-                        </m:r>
-                        <m:r>
-                          <a:rPr lang="en-US" b="1" i="1" smtClean="0">
-                            <a:latin typeface="Cambria Math" panose="02040503050406030204" pitchFamily="18" charset="0"/>
-                          </a:rPr>
-                          <m:t>𝟏</m:t>
-                        </m:r>
-                      </m:sub>
-                      <m:sup>
-                        <m:r>
-                          <a:rPr lang="en-US" b="1" i="1" smtClean="0">
-                            <a:latin typeface="Cambria Math" panose="02040503050406030204" pitchFamily="18" charset="0"/>
-                          </a:rPr>
-                          <m:t>𝒏</m:t>
-                        </m:r>
-                      </m:sup>
-                      <m:e>
-                        <m:r>
-                          <a:rPr lang="en-US" b="1" i="1" smtClean="0">
-                            <a:latin typeface="Cambria Math" panose="02040503050406030204" pitchFamily="18" charset="0"/>
-                          </a:rPr>
-                          <m:t>[</m:t>
-                        </m:r>
-                        <m:sSub>
-                          <m:sSubPr>
-                            <m:ctrlPr>
-                              <a:rPr lang="en-US" b="1" i="1" smtClean="0">
-                                <a:latin typeface="Cambria Math" panose="02040503050406030204" pitchFamily="18" charset="0"/>
-                              </a:rPr>
-                            </m:ctrlPr>
-                          </m:sSubPr>
-                          <m:e>
-                            <m:r>
-                              <a:rPr lang="en-US" b="1" i="1" smtClean="0">
-                                <a:latin typeface="Cambria Math" panose="02040503050406030204" pitchFamily="18" charset="0"/>
-                              </a:rPr>
-                              <m:t>𝒚</m:t>
-                            </m:r>
-                          </m:e>
-                          <m:sub>
-                            <m:r>
-                              <a:rPr lang="en-US" b="1" i="1" smtClean="0">
-                                <a:latin typeface="Cambria Math" panose="02040503050406030204" pitchFamily="18" charset="0"/>
-                              </a:rPr>
-                              <m:t>𝒌</m:t>
-                            </m:r>
-                          </m:sub>
-                        </m:sSub>
-                        <m:r>
-                          <a:rPr lang="en-US" b="1" i="1" smtClean="0">
-                            <a:latin typeface="Cambria Math" panose="02040503050406030204" pitchFamily="18" charset="0"/>
-                          </a:rPr>
-                          <m:t>𝒍𝒐𝒈</m:t>
-                        </m:r>
-                        <m:d>
-                          <m:dPr>
-                            <m:ctrlPr>
-                              <a:rPr lang="en-US" b="1" i="1" smtClean="0">
-                                <a:latin typeface="Cambria Math" panose="02040503050406030204" pitchFamily="18" charset="0"/>
-                              </a:rPr>
-                            </m:ctrlPr>
-                          </m:dPr>
-                          <m:e>
-                            <m:acc>
-                              <m:accPr>
-                                <m:chr m:val="̂"/>
-                                <m:ctrlPr>
-                                  <a:rPr lang="en-US" b="1" i="1">
-                                    <a:latin typeface="Cambria Math" panose="02040503050406030204" pitchFamily="18" charset="0"/>
-                                  </a:rPr>
-                                </m:ctrlPr>
-                              </m:accPr>
-                              <m:e>
-                                <m:sSub>
-                                  <m:sSubPr>
-                                    <m:ctrlPr>
-                                      <a:rPr lang="en-US" b="1" i="1" smtClean="0">
-                                        <a:latin typeface="Cambria Math" panose="02040503050406030204" pitchFamily="18" charset="0"/>
-                                      </a:rPr>
-                                    </m:ctrlPr>
-                                  </m:sSubPr>
-                                  <m:e>
-                                    <m:r>
-                                      <a:rPr lang="en-US" b="1" i="1" smtClean="0">
-                                        <a:latin typeface="Cambria Math" panose="02040503050406030204" pitchFamily="18" charset="0"/>
-                                      </a:rPr>
-                                      <m:t>𝒚</m:t>
-                                    </m:r>
-                                  </m:e>
-                                  <m:sub>
-                                    <m:r>
-                                      <a:rPr lang="en-US" b="1" i="1" smtClean="0">
-                                        <a:latin typeface="Cambria Math" panose="02040503050406030204" pitchFamily="18" charset="0"/>
-                                      </a:rPr>
-                                      <m:t>𝒌</m:t>
-                                    </m:r>
-                                  </m:sub>
-                                </m:sSub>
-                              </m:e>
-                            </m:acc>
-                          </m:e>
-                        </m:d>
-                        <m:r>
-                          <a:rPr lang="en-US" b="1" i="1" smtClean="0">
-                            <a:latin typeface="Cambria Math" panose="02040503050406030204" pitchFamily="18" charset="0"/>
-                          </a:rPr>
-                          <m:t>+</m:t>
-                        </m:r>
-                        <m:sSub>
-                          <m:sSubPr>
-                            <m:ctrlPr>
-                              <a:rPr lang="en-US" b="1" i="1" smtClean="0">
-                                <a:latin typeface="Cambria Math" panose="02040503050406030204" pitchFamily="18" charset="0"/>
-                              </a:rPr>
-                            </m:ctrlPr>
-                          </m:sSubPr>
-                          <m:e>
-                            <m:r>
-                              <a:rPr lang="en-US" b="1" i="1" smtClean="0">
-                                <a:latin typeface="Cambria Math" panose="02040503050406030204" pitchFamily="18" charset="0"/>
-                              </a:rPr>
-                              <m:t>(</m:t>
-                            </m:r>
-                            <m:r>
-                              <a:rPr lang="en-US" b="1" i="1" smtClean="0">
-                                <a:latin typeface="Cambria Math" panose="02040503050406030204" pitchFamily="18" charset="0"/>
-                              </a:rPr>
-                              <m:t>𝟏</m:t>
-                            </m:r>
-                            <m:r>
-                              <a:rPr lang="en-US" b="1" i="1" smtClean="0">
-                                <a:latin typeface="Cambria Math" panose="02040503050406030204" pitchFamily="18" charset="0"/>
-                              </a:rPr>
-                              <m:t>−</m:t>
-                            </m:r>
-                            <m:r>
-                              <a:rPr lang="en-US" b="1" i="1" smtClean="0">
-                                <a:latin typeface="Cambria Math" panose="02040503050406030204" pitchFamily="18" charset="0"/>
-                              </a:rPr>
-                              <m:t>𝒚</m:t>
-                            </m:r>
-                          </m:e>
-                          <m:sub>
-                            <m:r>
-                              <a:rPr lang="en-US" b="1" i="1" smtClean="0">
-                                <a:latin typeface="Cambria Math" panose="02040503050406030204" pitchFamily="18" charset="0"/>
-                              </a:rPr>
-                              <m:t>𝒌</m:t>
-                            </m:r>
-                          </m:sub>
-                        </m:sSub>
-                        <m:r>
-                          <a:rPr lang="en-US" b="1" i="1" smtClean="0">
-                            <a:latin typeface="Cambria Math" panose="02040503050406030204" pitchFamily="18" charset="0"/>
-                          </a:rPr>
-                          <m:t>)</m:t>
-                        </m:r>
-                        <m:r>
-                          <a:rPr lang="en-US" b="1" i="1" smtClean="0">
-                            <a:latin typeface="Cambria Math" panose="02040503050406030204" pitchFamily="18" charset="0"/>
-                          </a:rPr>
-                          <m:t>𝒍𝒐𝒈</m:t>
-                        </m:r>
-                        <m:d>
-                          <m:dPr>
-                            <m:ctrlPr>
-                              <a:rPr lang="en-US" b="1" i="1" smtClean="0">
-                                <a:latin typeface="Cambria Math" panose="02040503050406030204" pitchFamily="18" charset="0"/>
-                              </a:rPr>
-                            </m:ctrlPr>
-                          </m:dPr>
-                          <m:e>
-                            <m:r>
-                              <a:rPr lang="en-US" b="1" i="1" smtClean="0">
-                                <a:latin typeface="Cambria Math" panose="02040503050406030204" pitchFamily="18" charset="0"/>
-                              </a:rPr>
-                              <m:t>𝟏</m:t>
-                            </m:r>
-                            <m:r>
-                              <a:rPr lang="en-US" b="1" i="1" smtClean="0">
-                                <a:latin typeface="Cambria Math" panose="02040503050406030204" pitchFamily="18" charset="0"/>
-                              </a:rPr>
-                              <m:t>−</m:t>
-                            </m:r>
-                            <m:acc>
-                              <m:accPr>
-                                <m:chr m:val="̂"/>
-                                <m:ctrlPr>
-                                  <a:rPr lang="en-US" b="1" i="1">
-                                    <a:latin typeface="Cambria Math" panose="02040503050406030204" pitchFamily="18" charset="0"/>
-                                  </a:rPr>
-                                </m:ctrlPr>
-                              </m:accPr>
-                              <m:e>
-                                <m:sSub>
-                                  <m:sSubPr>
-                                    <m:ctrlPr>
-                                      <a:rPr lang="en-US" b="1" i="1" smtClean="0">
-                                        <a:latin typeface="Cambria Math" panose="02040503050406030204" pitchFamily="18" charset="0"/>
-                                      </a:rPr>
-                                    </m:ctrlPr>
-                                  </m:sSubPr>
-                                  <m:e>
-                                    <m:r>
-                                      <a:rPr lang="en-US" b="1" i="1" smtClean="0">
-                                        <a:latin typeface="Cambria Math" panose="02040503050406030204" pitchFamily="18" charset="0"/>
-                                      </a:rPr>
-                                      <m:t>𝒚</m:t>
-                                    </m:r>
-                                  </m:e>
-                                  <m:sub>
-                                    <m:r>
-                                      <a:rPr lang="en-US" b="1" i="1" smtClean="0">
-                                        <a:latin typeface="Cambria Math" panose="02040503050406030204" pitchFamily="18" charset="0"/>
-                                      </a:rPr>
-                                      <m:t>𝒌</m:t>
-                                    </m:r>
-                                  </m:sub>
-                                </m:sSub>
-                              </m:e>
-                            </m:acc>
-                          </m:e>
-                        </m:d>
-                        <m:r>
-                          <a:rPr lang="en-US" b="1" i="1" smtClean="0">
-                            <a:latin typeface="Cambria Math" panose="02040503050406030204" pitchFamily="18" charset="0"/>
-                          </a:rPr>
-                          <m:t>]</m:t>
-                        </m:r>
-                      </m:e>
-                    </m:nary>
-                  </m:oMath>
-                </a14:m>
-                <a:endParaRPr lang="en-US" b="1" dirty="0">
-                  <a:latin typeface="Garamond" panose="02020404030301010803" pitchFamily="18" charset="0"/>
-                </a:endParaRPr>
-              </a:p>
-              <a:p>
-                <a:pPr marL="285750" indent="-285750" algn="ctr">
-                  <a:buFont typeface="Arial" panose="020B0604020202020204" pitchFamily="34" charset="0"/>
-                  <a:buChar char="•"/>
-                </a:pPr>
-                <a:r>
-                  <a:rPr lang="en-US" dirty="0">
-                    <a:latin typeface="Garamond" panose="02020404030301010803" pitchFamily="18" charset="0"/>
-                  </a:rPr>
-                  <a:t>Gradient </a:t>
-                </a:r>
-                <a:r>
-                  <a:rPr lang="en-US" dirty="0" err="1">
-                    <a:latin typeface="Garamond" panose="02020404030301010803" pitchFamily="18" charset="0"/>
-                  </a:rPr>
-                  <a:t>w.r.t.</a:t>
-                </a:r>
-                <a:r>
-                  <a:rPr lang="en-US" dirty="0">
-                    <a:latin typeface="Garamond" panose="02020404030301010803" pitchFamily="18" charset="0"/>
-                  </a:rPr>
-                  <a:t> </a:t>
-                </a:r>
-                <a14:m>
-                  <m:oMath xmlns:m="http://schemas.openxmlformats.org/officeDocument/2006/math">
-                    <m:r>
-                      <a:rPr lang="en-US" i="1" dirty="0" smtClean="0">
-                        <a:latin typeface="Cambria Math" panose="02040503050406030204" pitchFamily="18" charset="0"/>
-                      </a:rPr>
-                      <m:t>𝑤</m:t>
-                    </m:r>
-                    <m:r>
-                      <a:rPr lang="en-US" b="1" i="0" dirty="0" smtClean="0">
-                        <a:latin typeface="Cambria Math" panose="02040503050406030204" pitchFamily="18" charset="0"/>
-                      </a:rPr>
-                      <m:t> </m:t>
-                    </m:r>
-                  </m:oMath>
-                </a14:m>
-                <a:r>
-                  <a:rPr lang="en-US" b="1" dirty="0">
-                    <a:latin typeface="Garamond" panose="02020404030301010803" pitchFamily="18" charset="0"/>
-                  </a:rPr>
-                  <a:t>:  </a:t>
-                </a:r>
-                <a14:m>
-                  <m:oMath xmlns:m="http://schemas.openxmlformats.org/officeDocument/2006/math">
-                    <m:f>
-                      <m:fPr>
-                        <m:ctrlPr>
-                          <a:rPr lang="en-US" b="1" i="1" smtClean="0">
-                            <a:latin typeface="Cambria Math" panose="02040503050406030204" pitchFamily="18" charset="0"/>
-                          </a:rPr>
-                        </m:ctrlPr>
-                      </m:fPr>
-                      <m:num>
-                        <m:r>
-                          <a:rPr lang="en-US" b="1" i="1" smtClean="0">
-                            <a:latin typeface="Cambria Math" panose="02040503050406030204" pitchFamily="18" charset="0"/>
-                            <a:ea typeface="Cambria Math" panose="02040503050406030204" pitchFamily="18" charset="0"/>
-                          </a:rPr>
-                          <m:t>𝝏</m:t>
-                        </m:r>
-                        <m:r>
-                          <a:rPr lang="en-US" b="1" i="1" smtClean="0">
-                            <a:latin typeface="Cambria Math" panose="02040503050406030204" pitchFamily="18" charset="0"/>
-                          </a:rPr>
-                          <m:t>𝑳</m:t>
-                        </m:r>
-                      </m:num>
-                      <m:den>
-                        <m:r>
-                          <a:rPr lang="en-US" b="1" i="1" smtClean="0">
-                            <a:latin typeface="Cambria Math" panose="02040503050406030204" pitchFamily="18" charset="0"/>
-                            <a:ea typeface="Cambria Math" panose="02040503050406030204" pitchFamily="18" charset="0"/>
-                          </a:rPr>
-                          <m:t>𝝏</m:t>
-                        </m:r>
-                        <m:r>
-                          <a:rPr lang="en-US" b="1" i="1" smtClean="0">
-                            <a:latin typeface="Cambria Math" panose="02040503050406030204" pitchFamily="18" charset="0"/>
-                          </a:rPr>
-                          <m:t>𝒘</m:t>
-                        </m:r>
-                      </m:den>
-                    </m:f>
-                    <m:r>
-                      <a:rPr lang="en-US" b="1" i="1" smtClean="0">
-                        <a:latin typeface="Cambria Math" panose="02040503050406030204" pitchFamily="18" charset="0"/>
-                      </a:rPr>
-                      <m:t>=</m:t>
-                    </m:r>
-                    <m:f>
-                      <m:fPr>
-                        <m:ctrlPr>
-                          <a:rPr lang="en-US" b="1" i="1" smtClean="0">
-                            <a:latin typeface="Cambria Math" panose="02040503050406030204" pitchFamily="18" charset="0"/>
-                          </a:rPr>
-                        </m:ctrlPr>
-                      </m:fPr>
-                      <m:num>
-                        <m:r>
-                          <a:rPr lang="en-US" b="1" i="1" smtClean="0">
-                            <a:latin typeface="Cambria Math" panose="02040503050406030204" pitchFamily="18" charset="0"/>
-                          </a:rPr>
-                          <m:t>𝟏</m:t>
-                        </m:r>
-                      </m:num>
-                      <m:den>
-                        <m:r>
-                          <a:rPr lang="en-US" b="1" i="1" smtClean="0">
-                            <a:latin typeface="Cambria Math" panose="02040503050406030204" pitchFamily="18" charset="0"/>
-                          </a:rPr>
-                          <m:t>𝒌</m:t>
-                        </m:r>
-                      </m:den>
-                    </m:f>
-                    <m:nary>
-                      <m:naryPr>
-                        <m:chr m:val="∑"/>
-                        <m:ctrlPr>
-                          <a:rPr lang="en-US" b="1" i="1" smtClean="0">
-                            <a:latin typeface="Cambria Math" panose="02040503050406030204" pitchFamily="18" charset="0"/>
-                          </a:rPr>
-                        </m:ctrlPr>
-                      </m:naryPr>
-                      <m:sub>
-                        <m:r>
-                          <m:rPr>
-                            <m:brk m:alnAt="23"/>
-                          </m:rPr>
-                          <a:rPr lang="en-US" b="1" i="1" smtClean="0">
-                            <a:latin typeface="Cambria Math" panose="02040503050406030204" pitchFamily="18" charset="0"/>
-                          </a:rPr>
-                          <m:t>𝒌</m:t>
-                        </m:r>
-                        <m:r>
-                          <a:rPr lang="en-US" b="1" i="1" smtClean="0">
-                            <a:latin typeface="Cambria Math" panose="02040503050406030204" pitchFamily="18" charset="0"/>
-                          </a:rPr>
-                          <m:t>=</m:t>
-                        </m:r>
-                        <m:r>
-                          <a:rPr lang="en-US" b="1" i="1" smtClean="0">
-                            <a:latin typeface="Cambria Math" panose="02040503050406030204" pitchFamily="18" charset="0"/>
-                          </a:rPr>
-                          <m:t>𝟏</m:t>
-                        </m:r>
-                      </m:sub>
-                      <m:sup>
-                        <m:r>
-                          <a:rPr lang="en-US" b="1" i="1" smtClean="0">
-                            <a:latin typeface="Cambria Math" panose="02040503050406030204" pitchFamily="18" charset="0"/>
-                          </a:rPr>
-                          <m:t>𝒏</m:t>
-                        </m:r>
-                      </m:sup>
-                      <m:e>
-                        <m:r>
-                          <a:rPr lang="en-US" b="1" i="1" smtClean="0">
-                            <a:latin typeface="Cambria Math" panose="02040503050406030204" pitchFamily="18" charset="0"/>
-                          </a:rPr>
-                          <m:t>[</m:t>
-                        </m:r>
-                        <m:d>
-                          <m:dPr>
-                            <m:ctrlPr>
-                              <a:rPr lang="en-US" b="1" i="1" smtClean="0">
-                                <a:latin typeface="Cambria Math" panose="02040503050406030204" pitchFamily="18" charset="0"/>
-                              </a:rPr>
-                            </m:ctrlPr>
-                          </m:dPr>
-                          <m:e>
-                            <m:sSub>
-                              <m:sSubPr>
-                                <m:ctrlPr>
-                                  <a:rPr lang="en-US" b="1" i="1" smtClean="0">
-                                    <a:latin typeface="Cambria Math" panose="02040503050406030204" pitchFamily="18" charset="0"/>
-                                  </a:rPr>
-                                </m:ctrlPr>
-                              </m:sSubPr>
-                              <m:e>
-                                <m:r>
-                                  <a:rPr lang="en-US" b="1" i="1" smtClean="0">
-                                    <a:latin typeface="Cambria Math" panose="02040503050406030204" pitchFamily="18" charset="0"/>
-                                  </a:rPr>
-                                  <m:t>𝑿</m:t>
-                                </m:r>
-                              </m:e>
-                              <m:sub>
-                                <m:r>
-                                  <a:rPr lang="en-US" b="1" i="1" smtClean="0">
-                                    <a:latin typeface="Cambria Math" panose="02040503050406030204" pitchFamily="18" charset="0"/>
-                                  </a:rPr>
-                                  <m:t>𝒌</m:t>
-                                </m:r>
-                              </m:sub>
-                            </m:sSub>
-                          </m:e>
-                        </m:d>
-                        <m:r>
-                          <a:rPr lang="en-US" b="1" i="1" smtClean="0">
-                            <a:latin typeface="Cambria Math" panose="02040503050406030204" pitchFamily="18" charset="0"/>
-                          </a:rPr>
-                          <m:t>(</m:t>
-                        </m:r>
-                      </m:e>
-                    </m:nary>
-                    <m:r>
-                      <a:rPr lang="el-GR" b="1" i="1" smtClean="0">
-                        <a:latin typeface="Cambria Math" panose="02040503050406030204" pitchFamily="18" charset="0"/>
-                        <a:ea typeface="Cambria Math" panose="02040503050406030204" pitchFamily="18" charset="0"/>
-                      </a:rPr>
-                      <m:t>𝝈</m:t>
-                    </m:r>
-                    <m:d>
-                      <m:dPr>
-                        <m:ctrlPr>
-                          <a:rPr lang="en-US" b="1" i="1" smtClean="0">
-                            <a:latin typeface="Cambria Math" panose="02040503050406030204" pitchFamily="18" charset="0"/>
-                            <a:ea typeface="Cambria Math" panose="02040503050406030204" pitchFamily="18" charset="0"/>
-                          </a:rPr>
-                        </m:ctrlPr>
-                      </m:dPr>
-                      <m:e>
-                        <m:r>
-                          <a:rPr lang="en-US" b="1" i="1" smtClean="0">
-                            <a:latin typeface="Cambria Math" panose="02040503050406030204" pitchFamily="18" charset="0"/>
-                          </a:rPr>
-                          <m:t>𝒘</m:t>
-                        </m:r>
-                        <m:sSub>
-                          <m:sSubPr>
-                            <m:ctrlPr>
-                              <a:rPr lang="en-US" b="1" i="1" smtClean="0">
-                                <a:latin typeface="Cambria Math" panose="02040503050406030204" pitchFamily="18" charset="0"/>
-                              </a:rPr>
-                            </m:ctrlPr>
-                          </m:sSubPr>
-                          <m:e>
-                            <m:r>
-                              <a:rPr lang="en-US" b="1" i="1" smtClean="0">
-                                <a:latin typeface="Cambria Math" panose="02040503050406030204" pitchFamily="18" charset="0"/>
-                              </a:rPr>
-                              <m:t>𝑿</m:t>
-                            </m:r>
-                          </m:e>
-                          <m:sub>
-                            <m:r>
-                              <a:rPr lang="en-US" b="1" i="1" smtClean="0">
-                                <a:latin typeface="Cambria Math" panose="02040503050406030204" pitchFamily="18" charset="0"/>
-                              </a:rPr>
-                              <m:t>𝒌</m:t>
-                            </m:r>
-                          </m:sub>
-                        </m:sSub>
-                        <m:r>
-                          <a:rPr lang="en-US" b="1" i="1" smtClean="0">
-                            <a:latin typeface="Cambria Math" panose="02040503050406030204" pitchFamily="18" charset="0"/>
-                          </a:rPr>
-                          <m:t>+</m:t>
-                        </m:r>
-                        <m:r>
-                          <a:rPr lang="en-US" b="1" i="1" smtClean="0">
-                            <a:latin typeface="Cambria Math" panose="02040503050406030204" pitchFamily="18" charset="0"/>
-                          </a:rPr>
-                          <m:t>𝒃</m:t>
-                        </m:r>
-                      </m:e>
-                    </m:d>
-                    <m:r>
-                      <a:rPr lang="en-US" b="1" i="0" smtClean="0">
-                        <a:latin typeface="Cambria Math" panose="02040503050406030204" pitchFamily="18" charset="0"/>
-                      </a:rPr>
-                      <m:t>−</m:t>
-                    </m:r>
-                    <m:sSub>
-                      <m:sSubPr>
-                        <m:ctrlPr>
-                          <a:rPr lang="en-US" b="1" i="1" smtClean="0">
-                            <a:latin typeface="Cambria Math" panose="02040503050406030204" pitchFamily="18" charset="0"/>
-                          </a:rPr>
-                        </m:ctrlPr>
-                      </m:sSubPr>
-                      <m:e>
-                        <m:r>
-                          <a:rPr lang="en-US" b="1" i="1" smtClean="0">
-                            <a:latin typeface="Cambria Math" panose="02040503050406030204" pitchFamily="18" charset="0"/>
-                          </a:rPr>
-                          <m:t>𝒚</m:t>
-                        </m:r>
-                      </m:e>
-                      <m:sub>
-                        <m:r>
-                          <a:rPr lang="en-US" b="1" i="1" smtClean="0">
-                            <a:latin typeface="Cambria Math" panose="02040503050406030204" pitchFamily="18" charset="0"/>
-                          </a:rPr>
-                          <m:t>𝒌</m:t>
-                        </m:r>
-                      </m:sub>
-                    </m:sSub>
-                    <m:r>
-                      <a:rPr lang="en-US" b="1" i="1" smtClean="0">
-                        <a:latin typeface="Cambria Math" panose="02040503050406030204" pitchFamily="18" charset="0"/>
-                      </a:rPr>
-                      <m:t>)]</m:t>
-                    </m:r>
-                  </m:oMath>
-                </a14:m>
-                <a:endParaRPr lang="en-US" dirty="0">
-                  <a:latin typeface="Garamond" panose="02020404030301010803" pitchFamily="18" charset="0"/>
-                </a:endParaRPr>
-              </a:p>
-              <a:p>
-                <a:pPr algn="ctr"/>
-                <a:r>
-                  <a:rPr lang="en-US" dirty="0">
-                    <a:latin typeface="Garamond" panose="02020404030301010803" pitchFamily="18" charset="0"/>
-                  </a:rPr>
-                  <a:t>Gradient </a:t>
-                </a:r>
-                <a:r>
-                  <a:rPr lang="en-US" dirty="0" err="1">
-                    <a:latin typeface="Garamond" panose="02020404030301010803" pitchFamily="18" charset="0"/>
-                  </a:rPr>
-                  <a:t>w.r.t.</a:t>
-                </a:r>
-                <a:r>
-                  <a:rPr lang="en-US" dirty="0">
-                    <a:latin typeface="Garamond" panose="02020404030301010803" pitchFamily="18" charset="0"/>
-                  </a:rPr>
-                  <a:t> </a:t>
-                </a:r>
-                <a14:m>
-                  <m:oMath xmlns:m="http://schemas.openxmlformats.org/officeDocument/2006/math">
-                    <m:r>
-                      <a:rPr lang="en-US" i="1" dirty="0" smtClean="0">
-                        <a:latin typeface="Cambria Math" panose="02040503050406030204" pitchFamily="18" charset="0"/>
-                      </a:rPr>
-                      <m:t>𝑏</m:t>
-                    </m:r>
-                    <m:r>
-                      <a:rPr lang="en-US" b="1" i="0" dirty="0" smtClean="0">
-                        <a:latin typeface="Cambria Math" panose="02040503050406030204" pitchFamily="18" charset="0"/>
-                      </a:rPr>
-                      <m:t> </m:t>
-                    </m:r>
-                  </m:oMath>
-                </a14:m>
-                <a:r>
-                  <a:rPr lang="en-US" b="1" dirty="0">
-                    <a:latin typeface="Garamond" panose="02020404030301010803" pitchFamily="18" charset="0"/>
-                  </a:rPr>
-                  <a:t>:  </a:t>
-                </a:r>
-                <a14:m>
-                  <m:oMath xmlns:m="http://schemas.openxmlformats.org/officeDocument/2006/math">
-                    <m:f>
-                      <m:fPr>
-                        <m:ctrlPr>
-                          <a:rPr lang="en-US" b="1" i="1" smtClean="0">
-                            <a:latin typeface="Cambria Math" panose="02040503050406030204" pitchFamily="18" charset="0"/>
-                          </a:rPr>
-                        </m:ctrlPr>
-                      </m:fPr>
-                      <m:num>
-                        <m:r>
-                          <a:rPr lang="en-US" b="1" i="1" smtClean="0">
-                            <a:latin typeface="Cambria Math" panose="02040503050406030204" pitchFamily="18" charset="0"/>
-                            <a:ea typeface="Cambria Math" panose="02040503050406030204" pitchFamily="18" charset="0"/>
-                          </a:rPr>
-                          <m:t>𝝏</m:t>
-                        </m:r>
-                        <m:r>
-                          <a:rPr lang="en-US" b="1" i="1" smtClean="0">
-                            <a:latin typeface="Cambria Math" panose="02040503050406030204" pitchFamily="18" charset="0"/>
-                          </a:rPr>
-                          <m:t>𝑳</m:t>
-                        </m:r>
-                      </m:num>
-                      <m:den>
-                        <m:r>
-                          <a:rPr lang="en-US" b="1" i="1" smtClean="0">
-                            <a:latin typeface="Cambria Math" panose="02040503050406030204" pitchFamily="18" charset="0"/>
-                            <a:ea typeface="Cambria Math" panose="02040503050406030204" pitchFamily="18" charset="0"/>
-                          </a:rPr>
-                          <m:t>𝝏</m:t>
-                        </m:r>
-                        <m:r>
-                          <a:rPr lang="en-US" b="1" i="1" smtClean="0">
-                            <a:latin typeface="Cambria Math" panose="02040503050406030204" pitchFamily="18" charset="0"/>
-                            <a:ea typeface="Cambria Math" panose="02040503050406030204" pitchFamily="18" charset="0"/>
-                          </a:rPr>
-                          <m:t>𝒃</m:t>
-                        </m:r>
-                      </m:den>
-                    </m:f>
-                    <m:r>
-                      <a:rPr lang="en-US" b="1" i="1" smtClean="0">
-                        <a:latin typeface="Cambria Math" panose="02040503050406030204" pitchFamily="18" charset="0"/>
-                      </a:rPr>
-                      <m:t>=</m:t>
-                    </m:r>
-                    <m:f>
-                      <m:fPr>
-                        <m:ctrlPr>
-                          <a:rPr lang="en-US" b="1" i="1" smtClean="0">
-                            <a:latin typeface="Cambria Math" panose="02040503050406030204" pitchFamily="18" charset="0"/>
-                          </a:rPr>
-                        </m:ctrlPr>
-                      </m:fPr>
-                      <m:num>
-                        <m:r>
-                          <a:rPr lang="en-US" b="1" i="1" smtClean="0">
-                            <a:latin typeface="Cambria Math" panose="02040503050406030204" pitchFamily="18" charset="0"/>
-                          </a:rPr>
-                          <m:t>𝟏</m:t>
-                        </m:r>
-                      </m:num>
-                      <m:den>
-                        <m:r>
-                          <a:rPr lang="en-US" b="1" i="1" smtClean="0">
-                            <a:latin typeface="Cambria Math" panose="02040503050406030204" pitchFamily="18" charset="0"/>
-                          </a:rPr>
-                          <m:t>𝒌</m:t>
-                        </m:r>
-                      </m:den>
-                    </m:f>
-                    <m:nary>
-                      <m:naryPr>
-                        <m:chr m:val="∑"/>
-                        <m:ctrlPr>
-                          <a:rPr lang="en-US" b="1" i="1" smtClean="0">
-                            <a:latin typeface="Cambria Math" panose="02040503050406030204" pitchFamily="18" charset="0"/>
-                          </a:rPr>
-                        </m:ctrlPr>
-                      </m:naryPr>
-                      <m:sub>
-                        <m:r>
-                          <m:rPr>
-                            <m:brk m:alnAt="23"/>
-                          </m:rPr>
-                          <a:rPr lang="en-US" b="1" i="1" smtClean="0">
-                            <a:latin typeface="Cambria Math" panose="02040503050406030204" pitchFamily="18" charset="0"/>
-                          </a:rPr>
-                          <m:t>𝒌</m:t>
-                        </m:r>
-                        <m:r>
-                          <a:rPr lang="en-US" b="1" i="1" smtClean="0">
-                            <a:latin typeface="Cambria Math" panose="02040503050406030204" pitchFamily="18" charset="0"/>
-                          </a:rPr>
-                          <m:t>=</m:t>
-                        </m:r>
-                        <m:r>
-                          <a:rPr lang="en-US" b="1" i="1" smtClean="0">
-                            <a:latin typeface="Cambria Math" panose="02040503050406030204" pitchFamily="18" charset="0"/>
-                          </a:rPr>
-                          <m:t>𝟏</m:t>
-                        </m:r>
-                      </m:sub>
-                      <m:sup>
-                        <m:r>
-                          <a:rPr lang="en-US" b="1" i="1" smtClean="0">
-                            <a:latin typeface="Cambria Math" panose="02040503050406030204" pitchFamily="18" charset="0"/>
-                          </a:rPr>
-                          <m:t>𝒏</m:t>
-                        </m:r>
-                      </m:sup>
-                      <m:e>
-                        <m:r>
-                          <a:rPr lang="en-US" b="1" i="1" smtClean="0">
-                            <a:latin typeface="Cambria Math" panose="02040503050406030204" pitchFamily="18" charset="0"/>
-                          </a:rPr>
-                          <m:t> [</m:t>
-                        </m:r>
-                      </m:e>
-                    </m:nary>
-                    <m:r>
-                      <a:rPr lang="el-GR" b="1" i="1" smtClean="0">
-                        <a:latin typeface="Cambria Math" panose="02040503050406030204" pitchFamily="18" charset="0"/>
-                        <a:ea typeface="Cambria Math" panose="02040503050406030204" pitchFamily="18" charset="0"/>
-                      </a:rPr>
-                      <m:t>𝝈</m:t>
-                    </m:r>
-                    <m:d>
-                      <m:dPr>
-                        <m:ctrlPr>
-                          <a:rPr lang="en-US" b="1" i="0" smtClean="0">
-                            <a:latin typeface="Cambria Math" panose="02040503050406030204" pitchFamily="18" charset="0"/>
-                            <a:ea typeface="Cambria Math" panose="02040503050406030204" pitchFamily="18" charset="0"/>
-                          </a:rPr>
-                        </m:ctrlPr>
-                      </m:dPr>
-                      <m:e>
-                        <m:r>
-                          <a:rPr lang="en-US" b="1" i="1" smtClean="0">
-                            <a:latin typeface="Cambria Math" panose="02040503050406030204" pitchFamily="18" charset="0"/>
-                          </a:rPr>
-                          <m:t>𝒘</m:t>
-                        </m:r>
-                        <m:sSub>
-                          <m:sSubPr>
-                            <m:ctrlPr>
-                              <a:rPr lang="en-US" b="1" i="1" smtClean="0">
-                                <a:latin typeface="Cambria Math" panose="02040503050406030204" pitchFamily="18" charset="0"/>
-                              </a:rPr>
-                            </m:ctrlPr>
-                          </m:sSubPr>
-                          <m:e>
-                            <m:r>
-                              <a:rPr lang="en-US" b="1" i="1" smtClean="0">
-                                <a:latin typeface="Cambria Math" panose="02040503050406030204" pitchFamily="18" charset="0"/>
-                              </a:rPr>
-                              <m:t>𝑿</m:t>
-                            </m:r>
-                          </m:e>
-                          <m:sub>
-                            <m:r>
-                              <a:rPr lang="en-US" b="1" i="1" smtClean="0">
-                                <a:latin typeface="Cambria Math" panose="02040503050406030204" pitchFamily="18" charset="0"/>
-                              </a:rPr>
-                              <m:t>𝒌</m:t>
-                            </m:r>
-                          </m:sub>
-                        </m:sSub>
-                        <m:r>
-                          <a:rPr lang="en-US" b="1" i="1" smtClean="0">
-                            <a:latin typeface="Cambria Math" panose="02040503050406030204" pitchFamily="18" charset="0"/>
-                          </a:rPr>
-                          <m:t>+</m:t>
-                        </m:r>
-                        <m:r>
-                          <a:rPr lang="en-US" b="1" i="1" smtClean="0">
-                            <a:latin typeface="Cambria Math" panose="02040503050406030204" pitchFamily="18" charset="0"/>
-                          </a:rPr>
-                          <m:t>𝒃</m:t>
-                        </m:r>
-                      </m:e>
-                    </m:d>
-                    <m:r>
-                      <a:rPr lang="en-US" b="1" i="0" smtClean="0">
-                        <a:latin typeface="Cambria Math" panose="02040503050406030204" pitchFamily="18" charset="0"/>
-                      </a:rPr>
-                      <m:t>−</m:t>
-                    </m:r>
-                    <m:sSub>
-                      <m:sSubPr>
-                        <m:ctrlPr>
-                          <a:rPr lang="en-US" b="1" i="1" smtClean="0">
-                            <a:latin typeface="Cambria Math" panose="02040503050406030204" pitchFamily="18" charset="0"/>
-                          </a:rPr>
-                        </m:ctrlPr>
-                      </m:sSubPr>
-                      <m:e>
-                        <m:r>
-                          <a:rPr lang="en-US" b="1" i="1" smtClean="0">
-                            <a:latin typeface="Cambria Math" panose="02040503050406030204" pitchFamily="18" charset="0"/>
-                          </a:rPr>
-                          <m:t>𝒚</m:t>
-                        </m:r>
-                      </m:e>
-                      <m:sub>
-                        <m:r>
-                          <a:rPr lang="en-US" b="1" i="1" smtClean="0">
-                            <a:latin typeface="Cambria Math" panose="02040503050406030204" pitchFamily="18" charset="0"/>
-                          </a:rPr>
-                          <m:t>𝒌</m:t>
-                        </m:r>
-                      </m:sub>
-                    </m:sSub>
-                    <m:r>
-                      <m:rPr>
-                        <m:nor/>
-                      </m:rPr>
-                      <a:rPr lang="en-US" b="1" i="0" smtClean="0">
-                        <a:latin typeface="Cambria Math" panose="02040503050406030204" pitchFamily="18" charset="0"/>
-                      </a:rPr>
-                      <m:t>]</m:t>
-                    </m:r>
-                  </m:oMath>
-                </a14:m>
-                <a:endParaRPr lang="en-US" b="1" dirty="0">
-                  <a:latin typeface="Garamond" panose="02020404030301010803" pitchFamily="18" charset="0"/>
-                </a:endParaRPr>
-              </a:p>
-              <a:p>
-                <a:pPr algn="ctr"/>
-                <a:endParaRPr lang="en-US" b="1" dirty="0">
-                  <a:latin typeface="Garamond" panose="02020404030301010803" pitchFamily="18" charset="0"/>
-                </a:endParaRPr>
-              </a:p>
-            </p:txBody>
-          </p:sp>
-        </mc:Choice>
-        <mc:Fallback>
-          <p:sp>
-            <p:nvSpPr>
-              <p:cNvPr id="10" name="TextBox 9">
-                <a:extLst>
-                  <a:ext uri="{FF2B5EF4-FFF2-40B4-BE49-F238E27FC236}">
-                    <a16:creationId xmlns:a16="http://schemas.microsoft.com/office/drawing/2014/main" id="{44BA7FA2-94E1-3CDF-35CE-D74A748EA909}"/>
-                  </a:ext>
-                </a:extLst>
-              </p:cNvPr>
-              <p:cNvSpPr txBox="1">
-                <a:spLocks noRot="1" noChangeAspect="1" noMove="1" noResize="1" noEditPoints="1" noAdjustHandles="1" noChangeArrowheads="1" noChangeShapeType="1" noTextEdit="1"/>
-              </p:cNvSpPr>
-              <p:nvPr/>
-            </p:nvSpPr>
-            <p:spPr>
-              <a:xfrm>
-                <a:off x="763603" y="852169"/>
-                <a:ext cx="10425097" cy="2284087"/>
-              </a:xfrm>
-              <a:prstGeom prst="rect">
-                <a:avLst/>
-              </a:prstGeom>
-              <a:blipFill>
-                <a:blip r:embed="rId4"/>
-                <a:stretch>
-                  <a:fillRect b="-12778"/>
-                </a:stretch>
-              </a:blipFill>
-            </p:spPr>
-            <p:txBody>
-              <a:bodyPr/>
-              <a:lstStyle/>
-              <a:p>
-                <a:r>
-                  <a:rPr lang="en-US">
-                    <a:noFill/>
-                  </a:rPr>
-                  <a:t> </a:t>
-                </a:r>
-              </a:p>
-            </p:txBody>
-          </p:sp>
-        </mc:Fallback>
-      </mc:AlternateContent>
       <p:sp>
         <p:nvSpPr>
           <p:cNvPr id="3" name="TextBox 2">
             <a:extLst>
               <a:ext uri="{FF2B5EF4-FFF2-40B4-BE49-F238E27FC236}">
-                <a16:creationId xmlns:a16="http://schemas.microsoft.com/office/drawing/2014/main" id="{F92CAC8A-3255-FDD9-AD57-967F0FC72BFF}"/>
+                <a16:creationId xmlns:a16="http://schemas.microsoft.com/office/drawing/2014/main" id="{125AABD5-0110-4184-83B7-F62846D382C4}"/>
               </a:ext>
             </a:extLst>
           </p:cNvPr>
@@ -17446,8 +18794,8 @@
         </p:nvSpPr>
         <p:spPr>
           <a:xfrm>
-            <a:off x="190004" y="-502567"/>
-            <a:ext cx="10587789" cy="369332"/>
+            <a:off x="828186" y="1600983"/>
+            <a:ext cx="7798678" cy="2031325"/>
           </a:xfrm>
           <a:prstGeom prst="rect">
             <a:avLst/>
@@ -17461,161 +18809,261 @@
           <a:lstStyle/>
           <a:p>
             <a:r>
-              <a:rPr lang="en-US" dirty="0"/>
-              <a:t>https://</a:t>
+              <a:rPr lang="en-US" b="1" dirty="0">
+                <a:latin typeface="Garamond" panose="02020404030301010803" pitchFamily="18" charset="0"/>
+              </a:rPr>
+              <a:t>ENTER NON-LINEAR FUNCTIONS, Logistic Regression, and ALLL of the fun stuff.   </a:t>
+            </a:r>
+          </a:p>
+          <a:p>
+            <a:endParaRPr lang="en-US" b="1" dirty="0">
+              <a:latin typeface="Garamond" panose="02020404030301010803" pitchFamily="18" charset="0"/>
+            </a:endParaRPr>
+          </a:p>
+          <a:p>
+            <a:r>
+              <a:rPr lang="en-US" u="sng" dirty="0">
+                <a:latin typeface="Garamond" panose="02020404030301010803" pitchFamily="18" charset="0"/>
+              </a:rPr>
+              <a:t>We will start with Logistic regression as an example.</a:t>
             </a:r>
             <a:r>
-              <a:rPr lang="en-US" dirty="0" err="1"/>
-              <a:t>towardsdatascience.com</a:t>
+              <a:rPr lang="en-US" dirty="0">
+                <a:latin typeface="Garamond" panose="02020404030301010803" pitchFamily="18" charset="0"/>
+              </a:rPr>
+              <a:t> </a:t>
+            </a:r>
+          </a:p>
+          <a:p>
+            <a:endParaRPr lang="en-US" b="1" dirty="0">
+              <a:latin typeface="Garamond" panose="02020404030301010803" pitchFamily="18" charset="0"/>
+            </a:endParaRPr>
+          </a:p>
+          <a:p>
+            <a:r>
+              <a:rPr lang="en-US" dirty="0">
+                <a:latin typeface="Garamond" panose="02020404030301010803" pitchFamily="18" charset="0"/>
+              </a:rPr>
+              <a:t>For logistic regression, there is no longer a closed-form solution, due to the nonlinearity of the </a:t>
             </a:r>
             <a:r>
-              <a:rPr lang="en-US" dirty="0"/>
-              <a:t>/logistic-regression-from-scratch-in-python-ec66603592e2</a:t>
+              <a:rPr lang="en-US" b="1" dirty="0">
+                <a:latin typeface="Garamond" panose="02020404030301010803" pitchFamily="18" charset="0"/>
+              </a:rPr>
+              <a:t>logistic sigmoid function.</a:t>
             </a:r>
           </a:p>
         </p:txBody>
       </p:sp>
-      <p:cxnSp>
-        <p:nvCxnSpPr>
-          <p:cNvPr id="12" name="Straight Connector 11">
+      <p:pic>
+        <p:nvPicPr>
+          <p:cNvPr id="6" name="Picture 2" descr="A logo with the phrase 'enter non linear functions' in black and white and two dimensional style, without any text. Image 4 of 4">
             <a:extLst>
               <a:ext uri="{FF2B5EF4-FFF2-40B4-BE49-F238E27FC236}">
-                <a16:creationId xmlns:a16="http://schemas.microsoft.com/office/drawing/2014/main" id="{192CAB3F-8A7C-4D5A-EE47-C92C164F6F22}"/>
+                <a16:creationId xmlns:a16="http://schemas.microsoft.com/office/drawing/2014/main" id="{FE881782-640C-C86E-4D11-8FBCE0C4CEAE}"/>
               </a:ext>
             </a:extLst>
           </p:cNvPr>
-          <p:cNvCxnSpPr>
-            <a:cxnSpLocks/>
-          </p:cNvCxnSpPr>
+          <p:cNvPicPr>
+            <a:picLocks noChangeAspect="1" noChangeArrowheads="1"/>
+          </p:cNvPicPr>
           <p:nvPr/>
-        </p:nvCxnSpPr>
-        <p:spPr>
+        </p:nvPicPr>
+        <p:blipFill rotWithShape="1">
+          <a:blip r:embed="rId2">
+            <a:clrChange>
+              <a:clrFrom>
+                <a:srgbClr val="FBFDFC"/>
+              </a:clrFrom>
+              <a:clrTo>
+                <a:srgbClr val="FBFDFC">
+                  <a:alpha val="0"/>
+                </a:srgbClr>
+              </a:clrTo>
+            </a:clrChange>
+            <a:extLst>
+              <a:ext uri="{28A0092B-C50C-407E-A947-70E740481C1C}">
+                <a14:useLocalDpi xmlns:a14="http://schemas.microsoft.com/office/drawing/2010/main" val="0"/>
+              </a:ext>
+            </a:extLst>
+          </a:blip>
+          <a:srcRect l="10245" b="10814"/>
+          <a:stretch/>
+        </p:blipFill>
+        <p:spPr bwMode="auto">
           <a:xfrm>
-            <a:off x="6295241" y="4578609"/>
-            <a:ext cx="3712359" cy="0"/>
+            <a:off x="8626864" y="115345"/>
+            <a:ext cx="3178797" cy="3158619"/>
           </a:xfrm>
-          <a:prstGeom prst="line">
+          <a:prstGeom prst="rect">
             <a:avLst/>
           </a:prstGeom>
-          <a:ln w="28575"/>
+          <a:noFill/>
+          <a:extLst>
+            <a:ext uri="{909E8E84-426E-40DD-AFC4-6F175D3DCCD1}">
+              <a14:hiddenFill xmlns:a14="http://schemas.microsoft.com/office/drawing/2010/main">
+                <a:solidFill>
+                  <a:srgbClr val="FFFFFF"/>
+                </a:solidFill>
+              </a14:hiddenFill>
+            </a:ext>
+          </a:extLst>
         </p:spPr>
-        <p:style>
-          <a:lnRef idx="1">
-            <a:schemeClr val="dk1"/>
-          </a:lnRef>
-          <a:fillRef idx="0">
-            <a:schemeClr val="dk1"/>
-          </a:fillRef>
-          <a:effectRef idx="0">
-            <a:schemeClr val="dk1"/>
-          </a:effectRef>
-          <a:fontRef idx="minor">
-            <a:schemeClr val="tx1"/>
-          </a:fontRef>
-        </p:style>
-      </p:cxnSp>
-      <p:sp>
-        <p:nvSpPr>
-          <p:cNvPr id="13" name="Down Arrow 12">
+      </p:pic>
+      <p:pic>
+        <p:nvPicPr>
+          <p:cNvPr id="1028" name="Picture 4" descr="A logo with the phrase 'stochastic gradient descent' in black and white and two dimensional style. Image 3 of 4">
             <a:extLst>
               <a:ext uri="{FF2B5EF4-FFF2-40B4-BE49-F238E27FC236}">
-                <a16:creationId xmlns:a16="http://schemas.microsoft.com/office/drawing/2014/main" id="{94DDD5CA-301B-027C-E056-E1EE6D0F3A9C}"/>
+                <a16:creationId xmlns:a16="http://schemas.microsoft.com/office/drawing/2014/main" id="{A214AD3C-38CC-5ABD-2479-812FFE8529C5}"/>
               </a:ext>
             </a:extLst>
           </p:cNvPr>
-          <p:cNvSpPr/>
+          <p:cNvPicPr>
+            <a:picLocks noChangeAspect="1" noChangeArrowheads="1"/>
+          </p:cNvPicPr>
+          <p:nvPr/>
+        </p:nvPicPr>
+        <p:blipFill rotWithShape="1">
+          <a:blip r:embed="rId3">
+            <a:clrChange>
+              <a:clrFrom>
+                <a:srgbClr val="E9EBEA"/>
+              </a:clrFrom>
+              <a:clrTo>
+                <a:srgbClr val="E9EBEA">
+                  <a:alpha val="0"/>
+                </a:srgbClr>
+              </a:clrTo>
+            </a:clrChange>
+            <a:extLst>
+              <a:ext uri="{28A0092B-C50C-407E-A947-70E740481C1C}">
+                <a14:useLocalDpi xmlns:a14="http://schemas.microsoft.com/office/drawing/2010/main" val="0"/>
+              </a:ext>
+            </a:extLst>
+          </a:blip>
+          <a:srcRect l="4340"/>
+          <a:stretch/>
+        </p:blipFill>
+        <p:spPr bwMode="auto">
+          <a:xfrm>
+            <a:off x="7932331" y="2684893"/>
+            <a:ext cx="3695380" cy="3863036"/>
+          </a:xfrm>
+          <a:prstGeom prst="rect">
+            <a:avLst/>
+          </a:prstGeom>
+          <a:noFill/>
+          <a:extLst>
+            <a:ext uri="{909E8E84-426E-40DD-AFC4-6F175D3DCCD1}">
+              <a14:hiddenFill xmlns:a14="http://schemas.microsoft.com/office/drawing/2010/main">
+                <a:solidFill>
+                  <a:srgbClr val="FFFFFF"/>
+                </a:solidFill>
+              </a14:hiddenFill>
+            </a:ext>
+          </a:extLst>
+        </p:spPr>
+      </p:pic>
+      <p:pic>
+        <p:nvPicPr>
+          <p:cNvPr id="1030" name="Picture 6" descr="A logo with the phrase 'stochastic gradient descent' in black and white and two dimensional style. Image 4 of 4">
+            <a:extLst>
+              <a:ext uri="{FF2B5EF4-FFF2-40B4-BE49-F238E27FC236}">
+                <a16:creationId xmlns:a16="http://schemas.microsoft.com/office/drawing/2014/main" id="{AE833DBE-B0BF-51D1-7E26-300653A509C7}"/>
+              </a:ext>
+            </a:extLst>
+          </p:cNvPr>
+          <p:cNvPicPr>
+            <a:picLocks noChangeAspect="1" noChangeArrowheads="1"/>
+          </p:cNvPicPr>
+          <p:nvPr/>
+        </p:nvPicPr>
+        <p:blipFill>
+          <a:blip r:embed="rId4">
+            <a:extLst>
+              <a:ext uri="{28A0092B-C50C-407E-A947-70E740481C1C}">
+                <a14:useLocalDpi xmlns:a14="http://schemas.microsoft.com/office/drawing/2010/main" val="0"/>
+              </a:ext>
+            </a:extLst>
+          </a:blip>
+          <a:srcRect/>
+          <a:stretch>
+            <a:fillRect/>
+          </a:stretch>
+        </p:blipFill>
+        <p:spPr bwMode="auto">
+          <a:xfrm>
+            <a:off x="5689850" y="3841625"/>
+            <a:ext cx="2304393" cy="2304393"/>
+          </a:xfrm>
+          <a:prstGeom prst="rect">
+            <a:avLst/>
+          </a:prstGeom>
+          <a:noFill/>
+          <a:extLst>
+            <a:ext uri="{909E8E84-426E-40DD-AFC4-6F175D3DCCD1}">
+              <a14:hiddenFill xmlns:a14="http://schemas.microsoft.com/office/drawing/2010/main">
+                <a:solidFill>
+                  <a:srgbClr val="FFFFFF"/>
+                </a:solidFill>
+              </a14:hiddenFill>
+            </a:ext>
+          </a:extLst>
+        </p:spPr>
+      </p:pic>
+      <p:sp>
+        <p:nvSpPr>
+          <p:cNvPr id="8" name="TextBox 7">
+            <a:extLst>
+              <a:ext uri="{FF2B5EF4-FFF2-40B4-BE49-F238E27FC236}">
+                <a16:creationId xmlns:a16="http://schemas.microsoft.com/office/drawing/2014/main" id="{D2DE0BA0-0F13-51A0-9467-64A58DCFBB20}"/>
+              </a:ext>
+            </a:extLst>
+          </p:cNvPr>
+          <p:cNvSpPr txBox="1"/>
           <p:nvPr/>
         </p:nvSpPr>
         <p:spPr>
           <a:xfrm>
-            <a:off x="6784215" y="4647663"/>
-            <a:ext cx="228600" cy="276225"/>
+            <a:off x="1279788" y="5592020"/>
+            <a:ext cx="4232111" cy="553998"/>
           </a:xfrm>
-          <a:prstGeom prst="downArrow">
+          <a:prstGeom prst="rect">
             <a:avLst/>
           </a:prstGeom>
-          <a:solidFill>
-            <a:srgbClr val="2E9386"/>
-          </a:solidFill>
+          <a:noFill/>
         </p:spPr>
-        <p:style>
-          <a:lnRef idx="2">
-            <a:schemeClr val="accent1">
-              <a:shade val="15000"/>
-            </a:schemeClr>
-          </a:lnRef>
-          <a:fillRef idx="1">
-            <a:schemeClr val="accent1"/>
-          </a:fillRef>
-          <a:effectRef idx="0">
-            <a:schemeClr val="accent1"/>
-          </a:effectRef>
-          <a:fontRef idx="minor">
-            <a:schemeClr val="lt1"/>
-          </a:fontRef>
-        </p:style>
         <p:txBody>
-          <a:bodyPr rtlCol="0" anchor="ctr"/>
+          <a:bodyPr wrap="square" rtlCol="0">
+            <a:spAutoFit/>
+          </a:bodyPr>
           <a:lstStyle/>
           <a:p>
-            <a:pPr algn="ctr"/>
-            <a:endParaRPr lang="en-US"/>
-          </a:p>
-        </p:txBody>
-      </p:sp>
-      <p:sp>
-        <p:nvSpPr>
-          <p:cNvPr id="14" name="Down Arrow 13">
-            <a:extLst>
-              <a:ext uri="{FF2B5EF4-FFF2-40B4-BE49-F238E27FC236}">
-                <a16:creationId xmlns:a16="http://schemas.microsoft.com/office/drawing/2014/main" id="{FD8B25B9-CDD9-C378-2580-BA23CB1BAEBF}"/>
-              </a:ext>
-            </a:extLst>
-          </p:cNvPr>
-          <p:cNvSpPr/>
-          <p:nvPr/>
-        </p:nvSpPr>
-        <p:spPr>
-          <a:xfrm rot="10800000">
-            <a:off x="9604973" y="4184826"/>
-            <a:ext cx="228600" cy="276225"/>
-          </a:xfrm>
-          <a:prstGeom prst="downArrow">
-            <a:avLst/>
-          </a:prstGeom>
-          <a:solidFill>
-            <a:srgbClr val="7E1F9C"/>
-          </a:solidFill>
-        </p:spPr>
-        <p:style>
-          <a:lnRef idx="2">
-            <a:schemeClr val="accent1">
-              <a:shade val="15000"/>
-            </a:schemeClr>
-          </a:lnRef>
-          <a:fillRef idx="1">
-            <a:schemeClr val="accent1"/>
-          </a:fillRef>
-          <a:effectRef idx="0">
-            <a:schemeClr val="accent1"/>
-          </a:effectRef>
-          <a:fontRef idx="minor">
-            <a:schemeClr val="lt1"/>
-          </a:fontRef>
-        </p:style>
-        <p:txBody>
-          <a:bodyPr rtlCol="0" anchor="ctr"/>
-          <a:lstStyle/>
-          <a:p>
-            <a:pPr algn="ctr"/>
-            <a:endParaRPr lang="en-US"/>
+            <a:r>
+              <a:rPr lang="en-US" sz="1500" b="1" i="1" dirty="0">
+                <a:effectLst/>
+                <a:latin typeface="Garamond" panose="02020404030301010803" pitchFamily="18" charset="0"/>
+              </a:rPr>
+              <a:t>Images: </a:t>
+            </a:r>
+            <a:r>
+              <a:rPr lang="en-US" sz="1500" b="0" i="1" dirty="0">
+                <a:effectLst/>
+                <a:latin typeface="Garamond" panose="02020404030301010803" pitchFamily="18" charset="0"/>
+              </a:rPr>
+              <a:t>DALLE-3 request: “can you make me a stochastic gradient descent logo please? black and white and 2d”</a:t>
+            </a:r>
+            <a:endParaRPr lang="en-US" sz="1500" i="1" dirty="0">
+              <a:latin typeface="Garamond" panose="02020404030301010803" pitchFamily="18" charset="0"/>
+            </a:endParaRPr>
           </a:p>
         </p:txBody>
       </p:sp>
     </p:spTree>
     <p:extLst>
       <p:ext uri="{BB962C8B-B14F-4D97-AF65-F5344CB8AC3E}">
-        <p14:creationId xmlns:p14="http://schemas.microsoft.com/office/powerpoint/2010/main" val="1796820509"/>
+        <p14:creationId xmlns:p14="http://schemas.microsoft.com/office/powerpoint/2010/main" val="160744051"/>
       </p:ext>
     </p:extLst>
   </p:cSld>
